--- a/curs1/src/main/resources/Devschool - Curs 1.pptx
+++ b/curs1/src/main/resources/Devschool - Curs 1.pptx
@@ -1,46 +1,52 @@
 
 <file path=ppt/presentation.xml><?xml version="1.0" encoding="utf-8"?>
-<p:presentation xmlns:a="http://schemas.openxmlformats.org/drawingml/2006/main" xmlns:r="http://schemas.openxmlformats.org/officeDocument/2006/relationships" xmlns:mc="http://schemas.openxmlformats.org/markup-compatibility/2006" xmlns:mv="urn:schemas-microsoft-com:mac:vml" xmlns:p="http://schemas.openxmlformats.org/presentationml/2006/main" xmlns:c="http://schemas.openxmlformats.org/drawingml/2006/chart" xmlns:dgm="http://schemas.openxmlformats.org/drawingml/2006/diagram" xmlns:o="urn:schemas-microsoft-com:office:office" xmlns:v="urn:schemas-microsoft-com:vml" xmlns:pvml="urn:schemas-microsoft-com:office:powerpoint" xmlns:com="http://schemas.openxmlformats.org/drawingml/2006/compatibility" xmlns:p14="http://schemas.microsoft.com/office/powerpoint/2010/main" autoCompressPictures="0" embedTrueTypeFonts="1" strictFirstAndLastChars="0" saveSubsetFonts="1">
+<p:presentation xmlns:a="http://schemas.openxmlformats.org/drawingml/2006/main" xmlns:r="http://schemas.openxmlformats.org/officeDocument/2006/relationships" xmlns:p="http://schemas.openxmlformats.org/presentationml/2006/main" strictFirstAndLastChars="0" embedTrueTypeFonts="1" saveSubsetFonts="1" autoCompressPictures="0">
   <p:sldMasterIdLst>
-    <p:sldMasterId id="2147483666" r:id="rId3"/>
+    <p:sldMasterId id="2147483666" r:id="rId1"/>
   </p:sldMasterIdLst>
   <p:notesMasterIdLst>
-    <p:notesMasterId r:id="rId4"/>
+    <p:notesMasterId r:id="rId13"/>
   </p:notesMasterIdLst>
   <p:sldIdLst>
-    <p:sldId id="256" r:id="rId5"/>
-    <p:sldId id="257" r:id="rId6"/>
-    <p:sldId id="258" r:id="rId7"/>
-    <p:sldId id="259" r:id="rId8"/>
-    <p:sldId id="260" r:id="rId9"/>
-    <p:sldId id="261" r:id="rId10"/>
-    <p:sldId id="262" r:id="rId11"/>
-    <p:sldId id="263" r:id="rId12"/>
-    <p:sldId id="264" r:id="rId13"/>
-    <p:sldId id="265" r:id="rId14"/>
-    <p:sldId id="266" r:id="rId15"/>
-    <p:sldId id="267" r:id="rId16"/>
+    <p:sldId id="256" r:id="rId2"/>
+    <p:sldId id="258" r:id="rId3"/>
+    <p:sldId id="259" r:id="rId4"/>
+    <p:sldId id="260" r:id="rId5"/>
+    <p:sldId id="261" r:id="rId6"/>
+    <p:sldId id="262" r:id="rId7"/>
+    <p:sldId id="263" r:id="rId8"/>
+    <p:sldId id="264" r:id="rId9"/>
+    <p:sldId id="265" r:id="rId10"/>
+    <p:sldId id="266" r:id="rId11"/>
+    <p:sldId id="267" r:id="rId12"/>
   </p:sldIdLst>
-  <p:sldSz cy="5143500" cx="9144000"/>
+  <p:sldSz cx="9144000" cy="5143500" type="screen16x9"/>
   <p:notesSz cx="6858000" cy="9144000"/>
   <p:embeddedFontLst>
     <p:embeddedFont>
-      <p:font typeface="Raleway"/>
-      <p:regular r:id="rId17"/>
-      <p:bold r:id="rId18"/>
-      <p:italic r:id="rId19"/>
-      <p:boldItalic r:id="rId20"/>
+      <p:font typeface="Raleway" charset="0"/>
+      <p:regular r:id="rId14"/>
+      <p:bold r:id="rId15"/>
+      <p:italic r:id="rId16"/>
+      <p:boldItalic r:id="rId17"/>
     </p:embeddedFont>
     <p:embeddedFont>
-      <p:font typeface="Lato"/>
-      <p:regular r:id="rId21"/>
-      <p:bold r:id="rId22"/>
-      <p:italic r:id="rId23"/>
-      <p:boldItalic r:id="rId24"/>
+      <p:font typeface="Lato" charset="0"/>
+      <p:regular r:id="rId18"/>
+      <p:bold r:id="rId19"/>
+      <p:italic r:id="rId20"/>
+      <p:boldItalic r:id="rId21"/>
+    </p:embeddedFont>
+    <p:embeddedFont>
+      <p:font typeface="Calibri" pitchFamily="34" charset="0"/>
+      <p:regular r:id="rId22"/>
+      <p:bold r:id="rId23"/>
+      <p:italic r:id="rId24"/>
+      <p:boldItalic r:id="rId25"/>
     </p:embeddedFont>
   </p:embeddedFontLst>
   <p:defaultTextStyle>
-    <a:defPPr lvl="0" marR="0" rtl="0" algn="l">
+    <a:defPPr marR="0" lvl="0" algn="l" rtl="0">
       <a:lnSpc>
         <a:spcPct val="100000"/>
       </a:lnSpc>
@@ -51,7 +57,7 @@
         <a:spcPts val="0"/>
       </a:spcAft>
     </a:defPPr>
-    <a:lvl1pPr lvl="0" marR="0" rtl="0" algn="l">
+    <a:lvl1pPr marR="0" lvl="0" algn="l" rtl="0">
       <a:lnSpc>
         <a:spcPct val="100000"/>
       </a:lnSpc>
@@ -62,7 +68,7 @@
         <a:spcPts val="0"/>
       </a:spcAft>
       <a:buNone/>
-      <a:defRPr b="0" i="0" sz="1400" u="none" cap="none" strike="noStrike">
+      <a:defRPr sz="1400" b="0" i="0" u="none" strike="noStrike" cap="none">
         <a:solidFill>
           <a:srgbClr val="000000"/>
         </a:solidFill>
@@ -72,7 +78,7 @@
         <a:sym typeface="Arial"/>
       </a:defRPr>
     </a:lvl1pPr>
-    <a:lvl2pPr lvl="1" marR="0" rtl="0" algn="l">
+    <a:lvl2pPr marR="0" lvl="1" algn="l" rtl="0">
       <a:lnSpc>
         <a:spcPct val="100000"/>
       </a:lnSpc>
@@ -83,7 +89,7 @@
         <a:spcPts val="0"/>
       </a:spcAft>
       <a:buNone/>
-      <a:defRPr b="0" i="0" sz="1400" u="none" cap="none" strike="noStrike">
+      <a:defRPr sz="1400" b="0" i="0" u="none" strike="noStrike" cap="none">
         <a:solidFill>
           <a:srgbClr val="000000"/>
         </a:solidFill>
@@ -93,7 +99,7 @@
         <a:sym typeface="Arial"/>
       </a:defRPr>
     </a:lvl2pPr>
-    <a:lvl3pPr lvl="2" marR="0" rtl="0" algn="l">
+    <a:lvl3pPr marR="0" lvl="2" algn="l" rtl="0">
       <a:lnSpc>
         <a:spcPct val="100000"/>
       </a:lnSpc>
@@ -104,7 +110,7 @@
         <a:spcPts val="0"/>
       </a:spcAft>
       <a:buNone/>
-      <a:defRPr b="0" i="0" sz="1400" u="none" cap="none" strike="noStrike">
+      <a:defRPr sz="1400" b="0" i="0" u="none" strike="noStrike" cap="none">
         <a:solidFill>
           <a:srgbClr val="000000"/>
         </a:solidFill>
@@ -114,7 +120,7 @@
         <a:sym typeface="Arial"/>
       </a:defRPr>
     </a:lvl3pPr>
-    <a:lvl4pPr lvl="3" marR="0" rtl="0" algn="l">
+    <a:lvl4pPr marR="0" lvl="3" algn="l" rtl="0">
       <a:lnSpc>
         <a:spcPct val="100000"/>
       </a:lnSpc>
@@ -125,7 +131,7 @@
         <a:spcPts val="0"/>
       </a:spcAft>
       <a:buNone/>
-      <a:defRPr b="0" i="0" sz="1400" u="none" cap="none" strike="noStrike">
+      <a:defRPr sz="1400" b="0" i="0" u="none" strike="noStrike" cap="none">
         <a:solidFill>
           <a:srgbClr val="000000"/>
         </a:solidFill>
@@ -135,7 +141,7 @@
         <a:sym typeface="Arial"/>
       </a:defRPr>
     </a:lvl4pPr>
-    <a:lvl5pPr lvl="4" marR="0" rtl="0" algn="l">
+    <a:lvl5pPr marR="0" lvl="4" algn="l" rtl="0">
       <a:lnSpc>
         <a:spcPct val="100000"/>
       </a:lnSpc>
@@ -146,7 +152,7 @@
         <a:spcPts val="0"/>
       </a:spcAft>
       <a:buNone/>
-      <a:defRPr b="0" i="0" sz="1400" u="none" cap="none" strike="noStrike">
+      <a:defRPr sz="1400" b="0" i="0" u="none" strike="noStrike" cap="none">
         <a:solidFill>
           <a:srgbClr val="000000"/>
         </a:solidFill>
@@ -156,7 +162,7 @@
         <a:sym typeface="Arial"/>
       </a:defRPr>
     </a:lvl5pPr>
-    <a:lvl6pPr lvl="5" marR="0" rtl="0" algn="l">
+    <a:lvl6pPr marR="0" lvl="5" algn="l" rtl="0">
       <a:lnSpc>
         <a:spcPct val="100000"/>
       </a:lnSpc>
@@ -167,7 +173,7 @@
         <a:spcPts val="0"/>
       </a:spcAft>
       <a:buNone/>
-      <a:defRPr b="0" i="0" sz="1400" u="none" cap="none" strike="noStrike">
+      <a:defRPr sz="1400" b="0" i="0" u="none" strike="noStrike" cap="none">
         <a:solidFill>
           <a:srgbClr val="000000"/>
         </a:solidFill>
@@ -177,7 +183,7 @@
         <a:sym typeface="Arial"/>
       </a:defRPr>
     </a:lvl6pPr>
-    <a:lvl7pPr lvl="6" marR="0" rtl="0" algn="l">
+    <a:lvl7pPr marR="0" lvl="6" algn="l" rtl="0">
       <a:lnSpc>
         <a:spcPct val="100000"/>
       </a:lnSpc>
@@ -188,7 +194,7 @@
         <a:spcPts val="0"/>
       </a:spcAft>
       <a:buNone/>
-      <a:defRPr b="0" i="0" sz="1400" u="none" cap="none" strike="noStrike">
+      <a:defRPr sz="1400" b="0" i="0" u="none" strike="noStrike" cap="none">
         <a:solidFill>
           <a:srgbClr val="000000"/>
         </a:solidFill>
@@ -198,7 +204,7 @@
         <a:sym typeface="Arial"/>
       </a:defRPr>
     </a:lvl7pPr>
-    <a:lvl8pPr lvl="7" marR="0" rtl="0" algn="l">
+    <a:lvl8pPr marR="0" lvl="7" algn="l" rtl="0">
       <a:lnSpc>
         <a:spcPct val="100000"/>
       </a:lnSpc>
@@ -209,7 +215,7 @@
         <a:spcPts val="0"/>
       </a:spcAft>
       <a:buNone/>
-      <a:defRPr b="0" i="0" sz="1400" u="none" cap="none" strike="noStrike">
+      <a:defRPr sz="1400" b="0" i="0" u="none" strike="noStrike" cap="none">
         <a:solidFill>
           <a:srgbClr val="000000"/>
         </a:solidFill>
@@ -219,7 +225,7 @@
         <a:sym typeface="Arial"/>
       </a:defRPr>
     </a:lvl8pPr>
-    <a:lvl9pPr lvl="8" marR="0" rtl="0" algn="l">
+    <a:lvl9pPr marR="0" lvl="8" algn="l" rtl="0">
       <a:lnSpc>
         <a:spcPct val="100000"/>
       </a:lnSpc>
@@ -230,7 +236,7 @@
         <a:spcPts val="0"/>
       </a:spcAft>
       <a:buNone/>
-      <a:defRPr b="0" i="0" sz="1400" u="none" cap="none" strike="noStrike">
+      <a:defRPr sz="1400" b="0" i="0" u="none" strike="noStrike" cap="none">
         <a:solidFill>
           <a:srgbClr val="000000"/>
         </a:solidFill>
@@ -245,11 +251,16 @@
 </file>
 
 <file path=ppt/notesMasters/notesMaster1.xml><?xml version="1.0" encoding="utf-8"?>
-<p:notesMaster xmlns:a="http://schemas.openxmlformats.org/drawingml/2006/main" xmlns:r="http://schemas.openxmlformats.org/officeDocument/2006/relationships" xmlns:mc="http://schemas.openxmlformats.org/markup-compatibility/2006" xmlns:mv="urn:schemas-microsoft-com:mac:vml" xmlns:p="http://schemas.openxmlformats.org/presentationml/2006/main" xmlns:c="http://schemas.openxmlformats.org/drawingml/2006/chart" xmlns:dgm="http://schemas.openxmlformats.org/drawingml/2006/diagram" xmlns:o="urn:schemas-microsoft-com:office:office" xmlns:v="urn:schemas-microsoft-com:vml" xmlns:pvml="urn:schemas-microsoft-com:office:powerpoint" xmlns:com="http://schemas.openxmlformats.org/drawingml/2006/compatibility" xmlns:p14="http://schemas.microsoft.com/office/powerpoint/2010/main">
+<p:notesMaster xmlns:a="http://schemas.openxmlformats.org/drawingml/2006/main" xmlns:r="http://schemas.openxmlformats.org/officeDocument/2006/relationships" xmlns:p="http://schemas.openxmlformats.org/presentationml/2006/main">
   <p:cSld>
+    <p:bg>
+      <p:bgRef idx="1001">
+        <a:schemeClr val="bg1"/>
+      </p:bgRef>
+    </p:bg>
     <p:spTree>
       <p:nvGrpSpPr>
-        <p:cNvPr id="2" name="Shape 2"/>
+        <p:cNvPr id="1" name="Shape 2"/>
         <p:cNvGrpSpPr/>
         <p:nvPr/>
       </p:nvGrpSpPr>
@@ -264,9 +275,11 @@
       <p:sp>
         <p:nvSpPr>
           <p:cNvPr id="3" name="Shape 3"/>
-          <p:cNvSpPr/>
+          <p:cNvSpPr>
+            <a:spLocks noGrp="1" noRot="1" noChangeAspect="1"/>
+          </p:cNvSpPr>
           <p:nvPr>
-            <p:ph idx="2" type="sldImg"/>
+            <p:ph type="sldImg" idx="2"/>
           </p:nvPr>
         </p:nvSpPr>
         <p:spPr>
@@ -275,8 +288,13 @@
             <a:ext cx="6096075" cy="3429000"/>
           </a:xfrm>
           <a:custGeom>
+            <a:avLst/>
+            <a:gdLst/>
+            <a:ahLst/>
+            <a:cxnLst/>
+            <a:rect l="0" t="0" r="0" b="0"/>
             <a:pathLst>
-              <a:path extrusionOk="0" h="120000" w="120000">
+              <a:path w="120000" h="120000" extrusionOk="0">
                 <a:moveTo>
                   <a:pt x="0" y="0"/>
                 </a:moveTo>
@@ -294,23 +312,25 @@
             </a:pathLst>
           </a:custGeom>
           <a:noFill/>
-          <a:ln cap="flat" cmpd="sng" w="9525">
+          <a:ln w="9525" cap="flat" cmpd="sng">
             <a:solidFill>
               <a:srgbClr val="000000"/>
             </a:solidFill>
             <a:prstDash val="solid"/>
             <a:round/>
-            <a:headEnd len="med" w="med" type="none"/>
-            <a:tailEnd len="med" w="med" type="none"/>
+            <a:headEnd type="none" w="med" len="med"/>
+            <a:tailEnd type="none" w="med" len="med"/>
           </a:ln>
         </p:spPr>
       </p:sp>
       <p:sp>
         <p:nvSpPr>
           <p:cNvPr id="4" name="Shape 4"/>
-          <p:cNvSpPr txBox="1"/>
+          <p:cNvSpPr txBox="1">
+            <a:spLocks noGrp="1"/>
+          </p:cNvSpPr>
           <p:nvPr>
-            <p:ph idx="1" type="body"/>
+            <p:ph type="body" idx="1"/>
           </p:nvPr>
         </p:nvSpPr>
         <p:spPr>
@@ -327,7 +347,7 @@
           </a:ln>
         </p:spPr>
         <p:txBody>
-          <a:bodyPr anchorCtr="0" anchor="t" bIns="91425" lIns="91425" rIns="91425" tIns="91425"/>
+          <a:bodyPr lIns="91425" tIns="91425" rIns="91425" bIns="91425" anchor="t" anchorCtr="0"/>
           <a:lstStyle>
             <a:lvl1pPr lvl="0">
               <a:spcBef>
@@ -384,21 +404,115 @@
               <a:defRPr sz="1100"/>
             </a:lvl9pPr>
           </a:lstStyle>
-          <a:p/>
+          <a:p>
+            <a:endParaRPr/>
+          </a:p>
         </p:txBody>
       </p:sp>
     </p:spTree>
   </p:cSld>
-  <p:clrMap accent1="accent1" accent2="accent2" accent3="accent3" accent4="accent4" accent5="accent5" accent6="accent6" bg1="lt1" bg2="dk2" tx1="dk1" tx2="lt2" folHlink="folHlink" hlink="hlink"/>
+  <p:clrMap bg1="lt1" tx1="dk1" bg2="dk2" tx2="lt2" accent1="accent1" accent2="accent2" accent3="accent3" accent4="accent4" accent5="accent5" accent6="accent6" hlink="hlink" folHlink="folHlink"/>
+  <p:notesStyle>
+    <a:lvl1pPr marL="0" algn="l" defTabSz="914400" rtl="0" eaLnBrk="1" latinLnBrk="0" hangingPunct="1">
+      <a:defRPr sz="1200" kern="1200">
+        <a:solidFill>
+          <a:schemeClr val="tx1"/>
+        </a:solidFill>
+        <a:latin typeface="+mn-lt"/>
+        <a:ea typeface="+mn-ea"/>
+        <a:cs typeface="+mn-cs"/>
+      </a:defRPr>
+    </a:lvl1pPr>
+    <a:lvl2pPr marL="457200" algn="l" defTabSz="914400" rtl="0" eaLnBrk="1" latinLnBrk="0" hangingPunct="1">
+      <a:defRPr sz="1200" kern="1200">
+        <a:solidFill>
+          <a:schemeClr val="tx1"/>
+        </a:solidFill>
+        <a:latin typeface="+mn-lt"/>
+        <a:ea typeface="+mn-ea"/>
+        <a:cs typeface="+mn-cs"/>
+      </a:defRPr>
+    </a:lvl2pPr>
+    <a:lvl3pPr marL="914400" algn="l" defTabSz="914400" rtl="0" eaLnBrk="1" latinLnBrk="0" hangingPunct="1">
+      <a:defRPr sz="1200" kern="1200">
+        <a:solidFill>
+          <a:schemeClr val="tx1"/>
+        </a:solidFill>
+        <a:latin typeface="+mn-lt"/>
+        <a:ea typeface="+mn-ea"/>
+        <a:cs typeface="+mn-cs"/>
+      </a:defRPr>
+    </a:lvl3pPr>
+    <a:lvl4pPr marL="1371600" algn="l" defTabSz="914400" rtl="0" eaLnBrk="1" latinLnBrk="0" hangingPunct="1">
+      <a:defRPr sz="1200" kern="1200">
+        <a:solidFill>
+          <a:schemeClr val="tx1"/>
+        </a:solidFill>
+        <a:latin typeface="+mn-lt"/>
+        <a:ea typeface="+mn-ea"/>
+        <a:cs typeface="+mn-cs"/>
+      </a:defRPr>
+    </a:lvl4pPr>
+    <a:lvl5pPr marL="1828800" algn="l" defTabSz="914400" rtl="0" eaLnBrk="1" latinLnBrk="0" hangingPunct="1">
+      <a:defRPr sz="1200" kern="1200">
+        <a:solidFill>
+          <a:schemeClr val="tx1"/>
+        </a:solidFill>
+        <a:latin typeface="+mn-lt"/>
+        <a:ea typeface="+mn-ea"/>
+        <a:cs typeface="+mn-cs"/>
+      </a:defRPr>
+    </a:lvl5pPr>
+    <a:lvl6pPr marL="2286000" algn="l" defTabSz="914400" rtl="0" eaLnBrk="1" latinLnBrk="0" hangingPunct="1">
+      <a:defRPr sz="1200" kern="1200">
+        <a:solidFill>
+          <a:schemeClr val="tx1"/>
+        </a:solidFill>
+        <a:latin typeface="+mn-lt"/>
+        <a:ea typeface="+mn-ea"/>
+        <a:cs typeface="+mn-cs"/>
+      </a:defRPr>
+    </a:lvl6pPr>
+    <a:lvl7pPr marL="2743200" algn="l" defTabSz="914400" rtl="0" eaLnBrk="1" latinLnBrk="0" hangingPunct="1">
+      <a:defRPr sz="1200" kern="1200">
+        <a:solidFill>
+          <a:schemeClr val="tx1"/>
+        </a:solidFill>
+        <a:latin typeface="+mn-lt"/>
+        <a:ea typeface="+mn-ea"/>
+        <a:cs typeface="+mn-cs"/>
+      </a:defRPr>
+    </a:lvl7pPr>
+    <a:lvl8pPr marL="3200400" algn="l" defTabSz="914400" rtl="0" eaLnBrk="1" latinLnBrk="0" hangingPunct="1">
+      <a:defRPr sz="1200" kern="1200">
+        <a:solidFill>
+          <a:schemeClr val="tx1"/>
+        </a:solidFill>
+        <a:latin typeface="+mn-lt"/>
+        <a:ea typeface="+mn-ea"/>
+        <a:cs typeface="+mn-cs"/>
+      </a:defRPr>
+    </a:lvl8pPr>
+    <a:lvl9pPr marL="3657600" algn="l" defTabSz="914400" rtl="0" eaLnBrk="1" latinLnBrk="0" hangingPunct="1">
+      <a:defRPr sz="1200" kern="1200">
+        <a:solidFill>
+          <a:schemeClr val="tx1"/>
+        </a:solidFill>
+        <a:latin typeface="+mn-lt"/>
+        <a:ea typeface="+mn-ea"/>
+        <a:cs typeface="+mn-cs"/>
+      </a:defRPr>
+    </a:lvl9pPr>
+  </p:notesStyle>
 </p:notesMaster>
 </file>
 
 <file path=ppt/notesSlides/notesSlide1.xml><?xml version="1.0" encoding="utf-8"?>
-<p:notes xmlns:a="http://schemas.openxmlformats.org/drawingml/2006/main" xmlns:r="http://schemas.openxmlformats.org/officeDocument/2006/relationships" xmlns:mc="http://schemas.openxmlformats.org/markup-compatibility/2006" xmlns:mv="urn:schemas-microsoft-com:mac:vml" xmlns:p="http://schemas.openxmlformats.org/presentationml/2006/main" xmlns:c="http://schemas.openxmlformats.org/drawingml/2006/chart" xmlns:dgm="http://schemas.openxmlformats.org/drawingml/2006/diagram" xmlns:o="urn:schemas-microsoft-com:office:office" xmlns:v="urn:schemas-microsoft-com:vml" xmlns:pvml="urn:schemas-microsoft-com:office:powerpoint" xmlns:com="http://schemas.openxmlformats.org/drawingml/2006/compatibility" xmlns:p14="http://schemas.microsoft.com/office/powerpoint/2010/main" showMasterPhAnim="0" showMasterSp="0">
+<p:notes xmlns:a="http://schemas.openxmlformats.org/drawingml/2006/main" xmlns:r="http://schemas.openxmlformats.org/officeDocument/2006/relationships" xmlns:p="http://schemas.openxmlformats.org/presentationml/2006/main" showMasterSp="0" showMasterPhAnim="0">
   <p:cSld>
     <p:spTree>
       <p:nvGrpSpPr>
-        <p:cNvPr id="112" name="Shape 112"/>
+        <p:cNvPr id="1" name="Shape 112"/>
         <p:cNvGrpSpPr/>
         <p:nvPr/>
       </p:nvGrpSpPr>
@@ -413,9 +527,11 @@
       <p:sp>
         <p:nvSpPr>
           <p:cNvPr id="113" name="Shape 113"/>
-          <p:cNvSpPr/>
+          <p:cNvSpPr>
+            <a:spLocks noGrp="1" noRot="1" noChangeAspect="1"/>
+          </p:cNvSpPr>
           <p:nvPr>
-            <p:ph idx="2" type="sldImg"/>
+            <p:ph type="sldImg" idx="2"/>
           </p:nvPr>
         </p:nvSpPr>
         <p:spPr>
@@ -424,8 +540,13 @@
             <a:ext cx="6096075" cy="3429000"/>
           </a:xfrm>
           <a:custGeom>
+            <a:avLst/>
+            <a:gdLst/>
+            <a:ahLst/>
+            <a:cxnLst/>
+            <a:rect l="0" t="0" r="0" b="0"/>
             <a:pathLst>
-              <a:path extrusionOk="0" h="120000" w="120000">
+              <a:path w="120000" h="120000" extrusionOk="0">
                 <a:moveTo>
                   <a:pt x="0" y="0"/>
                 </a:moveTo>
@@ -447,9 +568,11 @@
       <p:sp>
         <p:nvSpPr>
           <p:cNvPr id="114" name="Shape 114"/>
-          <p:cNvSpPr txBox="1"/>
+          <p:cNvSpPr txBox="1">
+            <a:spLocks noGrp="1"/>
+          </p:cNvSpPr>
           <p:nvPr>
-            <p:ph idx="1" type="body"/>
+            <p:ph type="body" idx="1"/>
           </p:nvPr>
         </p:nvSpPr>
         <p:spPr>
@@ -462,7 +585,7 @@
           </a:prstGeom>
         </p:spPr>
         <p:txBody>
-          <a:bodyPr anchorCtr="0" anchor="t" bIns="91425" lIns="91425" rIns="91425" tIns="91425">
+          <a:bodyPr lIns="91425" tIns="91425" rIns="91425" bIns="91425" anchor="t" anchorCtr="0">
             <a:noAutofit/>
           </a:bodyPr>
           <a:lstStyle/>
@@ -473,9 +596,6 @@
               </a:spcBef>
               <a:buNone/>
             </a:pPr>
-            <a:r>
-              <a:t/>
-            </a:r>
             <a:endParaRPr/>
           </a:p>
         </p:txBody>
@@ -489,11 +609,11 @@
 </file>
 
 <file path=ppt/notesSlides/notesSlide10.xml><?xml version="1.0" encoding="utf-8"?>
-<p:notes xmlns:a="http://schemas.openxmlformats.org/drawingml/2006/main" xmlns:r="http://schemas.openxmlformats.org/officeDocument/2006/relationships" xmlns:mc="http://schemas.openxmlformats.org/markup-compatibility/2006" xmlns:mv="urn:schemas-microsoft-com:mac:vml" xmlns:p="http://schemas.openxmlformats.org/presentationml/2006/main" xmlns:c="http://schemas.openxmlformats.org/drawingml/2006/chart" xmlns:dgm="http://schemas.openxmlformats.org/drawingml/2006/diagram" xmlns:o="urn:schemas-microsoft-com:office:office" xmlns:v="urn:schemas-microsoft-com:vml" xmlns:pvml="urn:schemas-microsoft-com:office:powerpoint" xmlns:com="http://schemas.openxmlformats.org/drawingml/2006/compatibility" xmlns:p14="http://schemas.microsoft.com/office/powerpoint/2010/main" showMasterPhAnim="0" showMasterSp="0">
+<p:notes xmlns:a="http://schemas.openxmlformats.org/drawingml/2006/main" xmlns:r="http://schemas.openxmlformats.org/officeDocument/2006/relationships" xmlns:p="http://schemas.openxmlformats.org/presentationml/2006/main" showMasterSp="0" showMasterPhAnim="0">
   <p:cSld>
     <p:spTree>
       <p:nvGrpSpPr>
-        <p:cNvPr id="165" name="Shape 165"/>
+        <p:cNvPr id="1" name="Shape 171"/>
         <p:cNvGrpSpPr/>
         <p:nvPr/>
       </p:nvGrpSpPr>
@@ -507,10 +627,12 @@
       </p:grpSpPr>
       <p:sp>
         <p:nvSpPr>
-          <p:cNvPr id="166" name="Shape 166"/>
-          <p:cNvSpPr/>
+          <p:cNvPr id="172" name="Shape 172"/>
+          <p:cNvSpPr>
+            <a:spLocks noGrp="1" noRot="1" noChangeAspect="1"/>
+          </p:cNvSpPr>
           <p:nvPr>
-            <p:ph idx="2" type="sldImg"/>
+            <p:ph type="sldImg" idx="2"/>
           </p:nvPr>
         </p:nvSpPr>
         <p:spPr>
@@ -519,8 +641,13 @@
             <a:ext cx="6096000" cy="3429000"/>
           </a:xfrm>
           <a:custGeom>
+            <a:avLst/>
+            <a:gdLst/>
+            <a:ahLst/>
+            <a:cxnLst/>
+            <a:rect l="0" t="0" r="0" b="0"/>
             <a:pathLst>
-              <a:path extrusionOk="0" h="120000" w="120000">
+              <a:path w="120000" h="120000" extrusionOk="0">
                 <a:moveTo>
                   <a:pt x="0" y="0"/>
                 </a:moveTo>
@@ -541,10 +668,12 @@
       </p:sp>
       <p:sp>
         <p:nvSpPr>
-          <p:cNvPr id="167" name="Shape 167"/>
-          <p:cNvSpPr txBox="1"/>
+          <p:cNvPr id="173" name="Shape 173"/>
+          <p:cNvSpPr txBox="1">
+            <a:spLocks noGrp="1"/>
+          </p:cNvSpPr>
           <p:nvPr>
-            <p:ph idx="1" type="body"/>
+            <p:ph type="body" idx="1"/>
           </p:nvPr>
         </p:nvSpPr>
         <p:spPr>
@@ -557,20 +686,17 @@
           </a:prstGeom>
         </p:spPr>
         <p:txBody>
-          <a:bodyPr anchorCtr="0" anchor="t" bIns="91425" lIns="91425" rIns="91425" tIns="91425">
+          <a:bodyPr lIns="91425" tIns="91425" rIns="91425" bIns="91425" anchor="t" anchorCtr="0">
             <a:noAutofit/>
           </a:bodyPr>
           <a:lstStyle/>
           <a:p>
-            <a:pPr lvl="0">
+            <a:pPr lvl="0" rtl="0">
               <a:spcBef>
                 <a:spcPts val="0"/>
               </a:spcBef>
               <a:buNone/>
             </a:pPr>
-            <a:r>
-              <a:t/>
-            </a:r>
             <a:endParaRPr/>
           </a:p>
         </p:txBody>
@@ -584,11 +710,11 @@
 </file>
 
 <file path=ppt/notesSlides/notesSlide11.xml><?xml version="1.0" encoding="utf-8"?>
-<p:notes xmlns:a="http://schemas.openxmlformats.org/drawingml/2006/main" xmlns:r="http://schemas.openxmlformats.org/officeDocument/2006/relationships" xmlns:mc="http://schemas.openxmlformats.org/markup-compatibility/2006" xmlns:mv="urn:schemas-microsoft-com:mac:vml" xmlns:p="http://schemas.openxmlformats.org/presentationml/2006/main" xmlns:c="http://schemas.openxmlformats.org/drawingml/2006/chart" xmlns:dgm="http://schemas.openxmlformats.org/drawingml/2006/diagram" xmlns:o="urn:schemas-microsoft-com:office:office" xmlns:v="urn:schemas-microsoft-com:vml" xmlns:pvml="urn:schemas-microsoft-com:office:powerpoint" xmlns:com="http://schemas.openxmlformats.org/drawingml/2006/compatibility" xmlns:p14="http://schemas.microsoft.com/office/powerpoint/2010/main" showMasterPhAnim="0" showMasterSp="0">
+<p:notes xmlns:a="http://schemas.openxmlformats.org/drawingml/2006/main" xmlns:r="http://schemas.openxmlformats.org/officeDocument/2006/relationships" xmlns:p="http://schemas.openxmlformats.org/presentationml/2006/main" showMasterSp="0" showMasterPhAnim="0">
   <p:cSld>
     <p:spTree>
       <p:nvGrpSpPr>
-        <p:cNvPr id="171" name="Shape 171"/>
+        <p:cNvPr id="1" name="Shape 177"/>
         <p:cNvGrpSpPr/>
         <p:nvPr/>
       </p:nvGrpSpPr>
@@ -602,10 +728,12 @@
       </p:grpSpPr>
       <p:sp>
         <p:nvSpPr>
-          <p:cNvPr id="172" name="Shape 172"/>
-          <p:cNvSpPr/>
+          <p:cNvPr id="178" name="Shape 178"/>
+          <p:cNvSpPr>
+            <a:spLocks noGrp="1" noRot="1" noChangeAspect="1"/>
+          </p:cNvSpPr>
           <p:nvPr>
-            <p:ph idx="2" type="sldImg"/>
+            <p:ph type="sldImg" idx="2"/>
           </p:nvPr>
         </p:nvSpPr>
         <p:spPr>
@@ -614,8 +742,13 @@
             <a:ext cx="6096000" cy="3429000"/>
           </a:xfrm>
           <a:custGeom>
+            <a:avLst/>
+            <a:gdLst/>
+            <a:ahLst/>
+            <a:cxnLst/>
+            <a:rect l="0" t="0" r="0" b="0"/>
             <a:pathLst>
-              <a:path extrusionOk="0" h="120000" w="120000">
+              <a:path w="120000" h="120000" extrusionOk="0">
                 <a:moveTo>
                   <a:pt x="0" y="0"/>
                 </a:moveTo>
@@ -636,10 +769,12 @@
       </p:sp>
       <p:sp>
         <p:nvSpPr>
-          <p:cNvPr id="173" name="Shape 173"/>
-          <p:cNvSpPr txBox="1"/>
+          <p:cNvPr id="179" name="Shape 179"/>
+          <p:cNvSpPr txBox="1">
+            <a:spLocks noGrp="1"/>
+          </p:cNvSpPr>
           <p:nvPr>
-            <p:ph idx="1" type="body"/>
+            <p:ph type="body" idx="1"/>
           </p:nvPr>
         </p:nvSpPr>
         <p:spPr>
@@ -652,7 +787,7 @@
           </a:prstGeom>
         </p:spPr>
         <p:txBody>
-          <a:bodyPr anchorCtr="0" anchor="t" bIns="91425" lIns="91425" rIns="91425" tIns="91425">
+          <a:bodyPr lIns="91425" tIns="91425" rIns="91425" bIns="91425" anchor="t" anchorCtr="0">
             <a:noAutofit/>
           </a:bodyPr>
           <a:lstStyle/>
@@ -663,9 +798,6 @@
               </a:spcBef>
               <a:buNone/>
             </a:pPr>
-            <a:r>
-              <a:t/>
-            </a:r>
             <a:endParaRPr/>
           </a:p>
         </p:txBody>
@@ -678,12 +810,12 @@
 </p:notes>
 </file>
 
-<file path=ppt/notesSlides/notesSlide12.xml><?xml version="1.0" encoding="utf-8"?>
-<p:notes xmlns:a="http://schemas.openxmlformats.org/drawingml/2006/main" xmlns:r="http://schemas.openxmlformats.org/officeDocument/2006/relationships" xmlns:mc="http://schemas.openxmlformats.org/markup-compatibility/2006" xmlns:mv="urn:schemas-microsoft-com:mac:vml" xmlns:p="http://schemas.openxmlformats.org/presentationml/2006/main" xmlns:c="http://schemas.openxmlformats.org/drawingml/2006/chart" xmlns:dgm="http://schemas.openxmlformats.org/drawingml/2006/diagram" xmlns:o="urn:schemas-microsoft-com:office:office" xmlns:v="urn:schemas-microsoft-com:vml" xmlns:pvml="urn:schemas-microsoft-com:office:powerpoint" xmlns:com="http://schemas.openxmlformats.org/drawingml/2006/compatibility" xmlns:p14="http://schemas.microsoft.com/office/powerpoint/2010/main" showMasterPhAnim="0" showMasterSp="0">
+<file path=ppt/notesSlides/notesSlide2.xml><?xml version="1.0" encoding="utf-8"?>
+<p:notes xmlns:a="http://schemas.openxmlformats.org/drawingml/2006/main" xmlns:r="http://schemas.openxmlformats.org/officeDocument/2006/relationships" xmlns:p="http://schemas.openxmlformats.org/presentationml/2006/main" showMasterSp="0" showMasterPhAnim="0">
   <p:cSld>
     <p:spTree>
       <p:nvGrpSpPr>
-        <p:cNvPr id="177" name="Shape 177"/>
+        <p:cNvPr id="1" name="Shape 123"/>
         <p:cNvGrpSpPr/>
         <p:nvPr/>
       </p:nvGrpSpPr>
@@ -697,10 +829,12 @@
       </p:grpSpPr>
       <p:sp>
         <p:nvSpPr>
-          <p:cNvPr id="178" name="Shape 178"/>
-          <p:cNvSpPr/>
+          <p:cNvPr id="124" name="Shape 124"/>
+          <p:cNvSpPr>
+            <a:spLocks noGrp="1" noRot="1" noChangeAspect="1"/>
+          </p:cNvSpPr>
           <p:nvPr>
-            <p:ph idx="2" type="sldImg"/>
+            <p:ph type="sldImg" idx="2"/>
           </p:nvPr>
         </p:nvSpPr>
         <p:spPr>
@@ -709,8 +843,13 @@
             <a:ext cx="6096000" cy="3429000"/>
           </a:xfrm>
           <a:custGeom>
+            <a:avLst/>
+            <a:gdLst/>
+            <a:ahLst/>
+            <a:cxnLst/>
+            <a:rect l="0" t="0" r="0" b="0"/>
             <a:pathLst>
-              <a:path extrusionOk="0" h="120000" w="120000">
+              <a:path w="120000" h="120000" extrusionOk="0">
                 <a:moveTo>
                   <a:pt x="0" y="0"/>
                 </a:moveTo>
@@ -731,10 +870,12 @@
       </p:sp>
       <p:sp>
         <p:nvSpPr>
-          <p:cNvPr id="179" name="Shape 179"/>
-          <p:cNvSpPr txBox="1"/>
+          <p:cNvPr id="125" name="Shape 125"/>
+          <p:cNvSpPr txBox="1">
+            <a:spLocks noGrp="1"/>
+          </p:cNvSpPr>
           <p:nvPr>
-            <p:ph idx="1" type="body"/>
+            <p:ph type="body" idx="1"/>
           </p:nvPr>
         </p:nvSpPr>
         <p:spPr>
@@ -747,20 +888,17 @@
           </a:prstGeom>
         </p:spPr>
         <p:txBody>
-          <a:bodyPr anchorCtr="0" anchor="t" bIns="91425" lIns="91425" rIns="91425" tIns="91425">
+          <a:bodyPr lIns="91425" tIns="91425" rIns="91425" bIns="91425" anchor="t" anchorCtr="0">
             <a:noAutofit/>
           </a:bodyPr>
           <a:lstStyle/>
           <a:p>
-            <a:pPr lvl="0" rtl="0">
+            <a:pPr lvl="0">
               <a:spcBef>
                 <a:spcPts val="0"/>
               </a:spcBef>
               <a:buNone/>
             </a:pPr>
-            <a:r>
-              <a:t/>
-            </a:r>
             <a:endParaRPr/>
           </a:p>
         </p:txBody>
@@ -773,12 +911,12 @@
 </p:notes>
 </file>
 
-<file path=ppt/notesSlides/notesSlide2.xml><?xml version="1.0" encoding="utf-8"?>
-<p:notes xmlns:a="http://schemas.openxmlformats.org/drawingml/2006/main" xmlns:r="http://schemas.openxmlformats.org/officeDocument/2006/relationships" xmlns:mc="http://schemas.openxmlformats.org/markup-compatibility/2006" xmlns:mv="urn:schemas-microsoft-com:mac:vml" xmlns:p="http://schemas.openxmlformats.org/presentationml/2006/main" xmlns:c="http://schemas.openxmlformats.org/drawingml/2006/chart" xmlns:dgm="http://schemas.openxmlformats.org/drawingml/2006/diagram" xmlns:o="urn:schemas-microsoft-com:office:office" xmlns:v="urn:schemas-microsoft-com:vml" xmlns:pvml="urn:schemas-microsoft-com:office:powerpoint" xmlns:com="http://schemas.openxmlformats.org/drawingml/2006/compatibility" xmlns:p14="http://schemas.microsoft.com/office/powerpoint/2010/main" showMasterPhAnim="0" showMasterSp="0">
+<file path=ppt/notesSlides/notesSlide3.xml><?xml version="1.0" encoding="utf-8"?>
+<p:notes xmlns:a="http://schemas.openxmlformats.org/drawingml/2006/main" xmlns:r="http://schemas.openxmlformats.org/officeDocument/2006/relationships" xmlns:p="http://schemas.openxmlformats.org/presentationml/2006/main" showMasterSp="0" showMasterPhAnim="0">
   <p:cSld>
     <p:spTree>
       <p:nvGrpSpPr>
-        <p:cNvPr id="118" name="Shape 118"/>
+        <p:cNvPr id="1" name="Shape 129"/>
         <p:cNvGrpSpPr/>
         <p:nvPr/>
       </p:nvGrpSpPr>
@@ -792,10 +930,12 @@
       </p:grpSpPr>
       <p:sp>
         <p:nvSpPr>
-          <p:cNvPr id="119" name="Shape 119"/>
-          <p:cNvSpPr/>
+          <p:cNvPr id="130" name="Shape 130"/>
+          <p:cNvSpPr>
+            <a:spLocks noGrp="1" noRot="1" noChangeAspect="1"/>
+          </p:cNvSpPr>
           <p:nvPr>
-            <p:ph idx="2" type="sldImg"/>
+            <p:ph type="sldImg" idx="2"/>
           </p:nvPr>
         </p:nvSpPr>
         <p:spPr>
@@ -804,8 +944,13 @@
             <a:ext cx="6096000" cy="3429000"/>
           </a:xfrm>
           <a:custGeom>
+            <a:avLst/>
+            <a:gdLst/>
+            <a:ahLst/>
+            <a:cxnLst/>
+            <a:rect l="0" t="0" r="0" b="0"/>
             <a:pathLst>
-              <a:path extrusionOk="0" h="120000" w="120000">
+              <a:path w="120000" h="120000" extrusionOk="0">
                 <a:moveTo>
                   <a:pt x="0" y="0"/>
                 </a:moveTo>
@@ -826,10 +971,12 @@
       </p:sp>
       <p:sp>
         <p:nvSpPr>
-          <p:cNvPr id="120" name="Shape 120"/>
-          <p:cNvSpPr txBox="1"/>
+          <p:cNvPr id="131" name="Shape 131"/>
+          <p:cNvSpPr txBox="1">
+            <a:spLocks noGrp="1"/>
+          </p:cNvSpPr>
           <p:nvPr>
-            <p:ph idx="1" type="body"/>
+            <p:ph type="body" idx="1"/>
           </p:nvPr>
         </p:nvSpPr>
         <p:spPr>
@@ -842,20 +989,17 @@
           </a:prstGeom>
         </p:spPr>
         <p:txBody>
-          <a:bodyPr anchorCtr="0" anchor="t" bIns="91425" lIns="91425" rIns="91425" tIns="91425">
+          <a:bodyPr lIns="91425" tIns="91425" rIns="91425" bIns="91425" anchor="t" anchorCtr="0">
             <a:noAutofit/>
           </a:bodyPr>
           <a:lstStyle/>
           <a:p>
-            <a:pPr lvl="0">
+            <a:pPr lvl="0" rtl="0">
               <a:spcBef>
                 <a:spcPts val="0"/>
               </a:spcBef>
               <a:buNone/>
             </a:pPr>
-            <a:r>
-              <a:t/>
-            </a:r>
             <a:endParaRPr/>
           </a:p>
         </p:txBody>
@@ -868,12 +1012,12 @@
 </p:notes>
 </file>
 
-<file path=ppt/notesSlides/notesSlide3.xml><?xml version="1.0" encoding="utf-8"?>
-<p:notes xmlns:a="http://schemas.openxmlformats.org/drawingml/2006/main" xmlns:r="http://schemas.openxmlformats.org/officeDocument/2006/relationships" xmlns:mc="http://schemas.openxmlformats.org/markup-compatibility/2006" xmlns:mv="urn:schemas-microsoft-com:mac:vml" xmlns:p="http://schemas.openxmlformats.org/presentationml/2006/main" xmlns:c="http://schemas.openxmlformats.org/drawingml/2006/chart" xmlns:dgm="http://schemas.openxmlformats.org/drawingml/2006/diagram" xmlns:o="urn:schemas-microsoft-com:office:office" xmlns:v="urn:schemas-microsoft-com:vml" xmlns:pvml="urn:schemas-microsoft-com:office:powerpoint" xmlns:com="http://schemas.openxmlformats.org/drawingml/2006/compatibility" xmlns:p14="http://schemas.microsoft.com/office/powerpoint/2010/main" showMasterPhAnim="0" showMasterSp="0">
+<file path=ppt/notesSlides/notesSlide4.xml><?xml version="1.0" encoding="utf-8"?>
+<p:notes xmlns:a="http://schemas.openxmlformats.org/drawingml/2006/main" xmlns:r="http://schemas.openxmlformats.org/officeDocument/2006/relationships" xmlns:p="http://schemas.openxmlformats.org/presentationml/2006/main" showMasterSp="0" showMasterPhAnim="0">
   <p:cSld>
     <p:spTree>
       <p:nvGrpSpPr>
-        <p:cNvPr id="123" name="Shape 123"/>
+        <p:cNvPr id="1" name="Shape 135"/>
         <p:cNvGrpSpPr/>
         <p:nvPr/>
       </p:nvGrpSpPr>
@@ -887,10 +1031,12 @@
       </p:grpSpPr>
       <p:sp>
         <p:nvSpPr>
-          <p:cNvPr id="124" name="Shape 124"/>
-          <p:cNvSpPr/>
+          <p:cNvPr id="136" name="Shape 136"/>
+          <p:cNvSpPr>
+            <a:spLocks noGrp="1" noRot="1" noChangeAspect="1"/>
+          </p:cNvSpPr>
           <p:nvPr>
-            <p:ph idx="2" type="sldImg"/>
+            <p:ph type="sldImg" idx="2"/>
           </p:nvPr>
         </p:nvSpPr>
         <p:spPr>
@@ -899,8 +1045,13 @@
             <a:ext cx="6096000" cy="3429000"/>
           </a:xfrm>
           <a:custGeom>
+            <a:avLst/>
+            <a:gdLst/>
+            <a:ahLst/>
+            <a:cxnLst/>
+            <a:rect l="0" t="0" r="0" b="0"/>
             <a:pathLst>
-              <a:path extrusionOk="0" h="120000" w="120000">
+              <a:path w="120000" h="120000" extrusionOk="0">
                 <a:moveTo>
                   <a:pt x="0" y="0"/>
                 </a:moveTo>
@@ -921,10 +1072,12 @@
       </p:sp>
       <p:sp>
         <p:nvSpPr>
-          <p:cNvPr id="125" name="Shape 125"/>
-          <p:cNvSpPr txBox="1"/>
+          <p:cNvPr id="137" name="Shape 137"/>
+          <p:cNvSpPr txBox="1">
+            <a:spLocks noGrp="1"/>
+          </p:cNvSpPr>
           <p:nvPr>
-            <p:ph idx="1" type="body"/>
+            <p:ph type="body" idx="1"/>
           </p:nvPr>
         </p:nvSpPr>
         <p:spPr>
@@ -937,7 +1090,7 @@
           </a:prstGeom>
         </p:spPr>
         <p:txBody>
-          <a:bodyPr anchorCtr="0" anchor="t" bIns="91425" lIns="91425" rIns="91425" tIns="91425">
+          <a:bodyPr lIns="91425" tIns="91425" rIns="91425" bIns="91425" anchor="t" anchorCtr="0">
             <a:noAutofit/>
           </a:bodyPr>
           <a:lstStyle/>
@@ -948,9 +1101,6 @@
               </a:spcBef>
               <a:buNone/>
             </a:pPr>
-            <a:r>
-              <a:t/>
-            </a:r>
             <a:endParaRPr/>
           </a:p>
         </p:txBody>
@@ -963,12 +1113,12 @@
 </p:notes>
 </file>
 
-<file path=ppt/notesSlides/notesSlide4.xml><?xml version="1.0" encoding="utf-8"?>
-<p:notes xmlns:a="http://schemas.openxmlformats.org/drawingml/2006/main" xmlns:r="http://schemas.openxmlformats.org/officeDocument/2006/relationships" xmlns:mc="http://schemas.openxmlformats.org/markup-compatibility/2006" xmlns:mv="urn:schemas-microsoft-com:mac:vml" xmlns:p="http://schemas.openxmlformats.org/presentationml/2006/main" xmlns:c="http://schemas.openxmlformats.org/drawingml/2006/chart" xmlns:dgm="http://schemas.openxmlformats.org/drawingml/2006/diagram" xmlns:o="urn:schemas-microsoft-com:office:office" xmlns:v="urn:schemas-microsoft-com:vml" xmlns:pvml="urn:schemas-microsoft-com:office:powerpoint" xmlns:com="http://schemas.openxmlformats.org/drawingml/2006/compatibility" xmlns:p14="http://schemas.microsoft.com/office/powerpoint/2010/main" showMasterPhAnim="0" showMasterSp="0">
+<file path=ppt/notesSlides/notesSlide5.xml><?xml version="1.0" encoding="utf-8"?>
+<p:notes xmlns:a="http://schemas.openxmlformats.org/drawingml/2006/main" xmlns:r="http://schemas.openxmlformats.org/officeDocument/2006/relationships" xmlns:p="http://schemas.openxmlformats.org/presentationml/2006/main" showMasterSp="0" showMasterPhAnim="0">
   <p:cSld>
     <p:spTree>
       <p:nvGrpSpPr>
-        <p:cNvPr id="129" name="Shape 129"/>
+        <p:cNvPr id="1" name="Shape 141"/>
         <p:cNvGrpSpPr/>
         <p:nvPr/>
       </p:nvGrpSpPr>
@@ -982,10 +1132,12 @@
       </p:grpSpPr>
       <p:sp>
         <p:nvSpPr>
-          <p:cNvPr id="130" name="Shape 130"/>
-          <p:cNvSpPr/>
+          <p:cNvPr id="142" name="Shape 142"/>
+          <p:cNvSpPr>
+            <a:spLocks noGrp="1" noRot="1" noChangeAspect="1"/>
+          </p:cNvSpPr>
           <p:nvPr>
-            <p:ph idx="2" type="sldImg"/>
+            <p:ph type="sldImg" idx="2"/>
           </p:nvPr>
         </p:nvSpPr>
         <p:spPr>
@@ -994,8 +1146,13 @@
             <a:ext cx="6096000" cy="3429000"/>
           </a:xfrm>
           <a:custGeom>
+            <a:avLst/>
+            <a:gdLst/>
+            <a:ahLst/>
+            <a:cxnLst/>
+            <a:rect l="0" t="0" r="0" b="0"/>
             <a:pathLst>
-              <a:path extrusionOk="0" h="120000" w="120000">
+              <a:path w="120000" h="120000" extrusionOk="0">
                 <a:moveTo>
                   <a:pt x="0" y="0"/>
                 </a:moveTo>
@@ -1016,10 +1173,12 @@
       </p:sp>
       <p:sp>
         <p:nvSpPr>
-          <p:cNvPr id="131" name="Shape 131"/>
-          <p:cNvSpPr txBox="1"/>
+          <p:cNvPr id="143" name="Shape 143"/>
+          <p:cNvSpPr txBox="1">
+            <a:spLocks noGrp="1"/>
+          </p:cNvSpPr>
           <p:nvPr>
-            <p:ph idx="1" type="body"/>
+            <p:ph type="body" idx="1"/>
           </p:nvPr>
         </p:nvSpPr>
         <p:spPr>
@@ -1032,7 +1191,7 @@
           </a:prstGeom>
         </p:spPr>
         <p:txBody>
-          <a:bodyPr anchorCtr="0" anchor="t" bIns="91425" lIns="91425" rIns="91425" tIns="91425">
+          <a:bodyPr lIns="91425" tIns="91425" rIns="91425" bIns="91425" anchor="t" anchorCtr="0">
             <a:noAutofit/>
           </a:bodyPr>
           <a:lstStyle/>
@@ -1043,9 +1202,6 @@
               </a:spcBef>
               <a:buNone/>
             </a:pPr>
-            <a:r>
-              <a:t/>
-            </a:r>
             <a:endParaRPr/>
           </a:p>
         </p:txBody>
@@ -1058,12 +1214,12 @@
 </p:notes>
 </file>
 
-<file path=ppt/notesSlides/notesSlide5.xml><?xml version="1.0" encoding="utf-8"?>
-<p:notes xmlns:a="http://schemas.openxmlformats.org/drawingml/2006/main" xmlns:r="http://schemas.openxmlformats.org/officeDocument/2006/relationships" xmlns:mc="http://schemas.openxmlformats.org/markup-compatibility/2006" xmlns:mv="urn:schemas-microsoft-com:mac:vml" xmlns:p="http://schemas.openxmlformats.org/presentationml/2006/main" xmlns:c="http://schemas.openxmlformats.org/drawingml/2006/chart" xmlns:dgm="http://schemas.openxmlformats.org/drawingml/2006/diagram" xmlns:o="urn:schemas-microsoft-com:office:office" xmlns:v="urn:schemas-microsoft-com:vml" xmlns:pvml="urn:schemas-microsoft-com:office:powerpoint" xmlns:com="http://schemas.openxmlformats.org/drawingml/2006/compatibility" xmlns:p14="http://schemas.microsoft.com/office/powerpoint/2010/main" showMasterPhAnim="0" showMasterSp="0">
+<file path=ppt/notesSlides/notesSlide6.xml><?xml version="1.0" encoding="utf-8"?>
+<p:notes xmlns:a="http://schemas.openxmlformats.org/drawingml/2006/main" xmlns:r="http://schemas.openxmlformats.org/officeDocument/2006/relationships" xmlns:p="http://schemas.openxmlformats.org/presentationml/2006/main" showMasterSp="0" showMasterPhAnim="0">
   <p:cSld>
     <p:spTree>
       <p:nvGrpSpPr>
-        <p:cNvPr id="135" name="Shape 135"/>
+        <p:cNvPr id="1" name="Shape 147"/>
         <p:cNvGrpSpPr/>
         <p:nvPr/>
       </p:nvGrpSpPr>
@@ -1077,10 +1233,12 @@
       </p:grpSpPr>
       <p:sp>
         <p:nvSpPr>
-          <p:cNvPr id="136" name="Shape 136"/>
-          <p:cNvSpPr/>
+          <p:cNvPr id="148" name="Shape 148"/>
+          <p:cNvSpPr>
+            <a:spLocks noGrp="1" noRot="1" noChangeAspect="1"/>
+          </p:cNvSpPr>
           <p:nvPr>
-            <p:ph idx="2" type="sldImg"/>
+            <p:ph type="sldImg" idx="2"/>
           </p:nvPr>
         </p:nvSpPr>
         <p:spPr>
@@ -1089,8 +1247,13 @@
             <a:ext cx="6096000" cy="3429000"/>
           </a:xfrm>
           <a:custGeom>
+            <a:avLst/>
+            <a:gdLst/>
+            <a:ahLst/>
+            <a:cxnLst/>
+            <a:rect l="0" t="0" r="0" b="0"/>
             <a:pathLst>
-              <a:path extrusionOk="0" h="120000" w="120000">
+              <a:path w="120000" h="120000" extrusionOk="0">
                 <a:moveTo>
                   <a:pt x="0" y="0"/>
                 </a:moveTo>
@@ -1111,10 +1274,12 @@
       </p:sp>
       <p:sp>
         <p:nvSpPr>
-          <p:cNvPr id="137" name="Shape 137"/>
-          <p:cNvSpPr txBox="1"/>
+          <p:cNvPr id="149" name="Shape 149"/>
+          <p:cNvSpPr txBox="1">
+            <a:spLocks noGrp="1"/>
+          </p:cNvSpPr>
           <p:nvPr>
-            <p:ph idx="1" type="body"/>
+            <p:ph type="body" idx="1"/>
           </p:nvPr>
         </p:nvSpPr>
         <p:spPr>
@@ -1127,7 +1292,7 @@
           </a:prstGeom>
         </p:spPr>
         <p:txBody>
-          <a:bodyPr anchorCtr="0" anchor="t" bIns="91425" lIns="91425" rIns="91425" tIns="91425">
+          <a:bodyPr lIns="91425" tIns="91425" rIns="91425" bIns="91425" anchor="t" anchorCtr="0">
             <a:noAutofit/>
           </a:bodyPr>
           <a:lstStyle/>
@@ -1138,9 +1303,6 @@
               </a:spcBef>
               <a:buNone/>
             </a:pPr>
-            <a:r>
-              <a:t/>
-            </a:r>
             <a:endParaRPr/>
           </a:p>
         </p:txBody>
@@ -1153,12 +1315,12 @@
 </p:notes>
 </file>
 
-<file path=ppt/notesSlides/notesSlide6.xml><?xml version="1.0" encoding="utf-8"?>
-<p:notes xmlns:a="http://schemas.openxmlformats.org/drawingml/2006/main" xmlns:r="http://schemas.openxmlformats.org/officeDocument/2006/relationships" xmlns:mc="http://schemas.openxmlformats.org/markup-compatibility/2006" xmlns:mv="urn:schemas-microsoft-com:mac:vml" xmlns:p="http://schemas.openxmlformats.org/presentationml/2006/main" xmlns:c="http://schemas.openxmlformats.org/drawingml/2006/chart" xmlns:dgm="http://schemas.openxmlformats.org/drawingml/2006/diagram" xmlns:o="urn:schemas-microsoft-com:office:office" xmlns:v="urn:schemas-microsoft-com:vml" xmlns:pvml="urn:schemas-microsoft-com:office:powerpoint" xmlns:com="http://schemas.openxmlformats.org/drawingml/2006/compatibility" xmlns:p14="http://schemas.microsoft.com/office/powerpoint/2010/main" showMasterPhAnim="0" showMasterSp="0">
+<file path=ppt/notesSlides/notesSlide7.xml><?xml version="1.0" encoding="utf-8"?>
+<p:notes xmlns:a="http://schemas.openxmlformats.org/drawingml/2006/main" xmlns:r="http://schemas.openxmlformats.org/officeDocument/2006/relationships" xmlns:p="http://schemas.openxmlformats.org/presentationml/2006/main" showMasterSp="0" showMasterPhAnim="0">
   <p:cSld>
     <p:spTree>
       <p:nvGrpSpPr>
-        <p:cNvPr id="141" name="Shape 141"/>
+        <p:cNvPr id="1" name="Shape 153"/>
         <p:cNvGrpSpPr/>
         <p:nvPr/>
       </p:nvGrpSpPr>
@@ -1172,10 +1334,12 @@
       </p:grpSpPr>
       <p:sp>
         <p:nvSpPr>
-          <p:cNvPr id="142" name="Shape 142"/>
-          <p:cNvSpPr/>
+          <p:cNvPr id="154" name="Shape 154"/>
+          <p:cNvSpPr>
+            <a:spLocks noGrp="1" noRot="1" noChangeAspect="1"/>
+          </p:cNvSpPr>
           <p:nvPr>
-            <p:ph idx="2" type="sldImg"/>
+            <p:ph type="sldImg" idx="2"/>
           </p:nvPr>
         </p:nvSpPr>
         <p:spPr>
@@ -1184,8 +1348,13 @@
             <a:ext cx="6096000" cy="3429000"/>
           </a:xfrm>
           <a:custGeom>
+            <a:avLst/>
+            <a:gdLst/>
+            <a:ahLst/>
+            <a:cxnLst/>
+            <a:rect l="0" t="0" r="0" b="0"/>
             <a:pathLst>
-              <a:path extrusionOk="0" h="120000" w="120000">
+              <a:path w="120000" h="120000" extrusionOk="0">
                 <a:moveTo>
                   <a:pt x="0" y="0"/>
                 </a:moveTo>
@@ -1206,10 +1375,12 @@
       </p:sp>
       <p:sp>
         <p:nvSpPr>
-          <p:cNvPr id="143" name="Shape 143"/>
-          <p:cNvSpPr txBox="1"/>
+          <p:cNvPr id="155" name="Shape 155"/>
+          <p:cNvSpPr txBox="1">
+            <a:spLocks noGrp="1"/>
+          </p:cNvSpPr>
           <p:nvPr>
-            <p:ph idx="1" type="body"/>
+            <p:ph type="body" idx="1"/>
           </p:nvPr>
         </p:nvSpPr>
         <p:spPr>
@@ -1222,20 +1393,17 @@
           </a:prstGeom>
         </p:spPr>
         <p:txBody>
-          <a:bodyPr anchorCtr="0" anchor="t" bIns="91425" lIns="91425" rIns="91425" tIns="91425">
+          <a:bodyPr lIns="91425" tIns="91425" rIns="91425" bIns="91425" anchor="t" anchorCtr="0">
             <a:noAutofit/>
           </a:bodyPr>
           <a:lstStyle/>
           <a:p>
-            <a:pPr lvl="0" rtl="0">
+            <a:pPr lvl="0">
               <a:spcBef>
                 <a:spcPts val="0"/>
               </a:spcBef>
               <a:buNone/>
             </a:pPr>
-            <a:r>
-              <a:t/>
-            </a:r>
             <a:endParaRPr/>
           </a:p>
         </p:txBody>
@@ -1248,12 +1416,12 @@
 </p:notes>
 </file>
 
-<file path=ppt/notesSlides/notesSlide7.xml><?xml version="1.0" encoding="utf-8"?>
-<p:notes xmlns:a="http://schemas.openxmlformats.org/drawingml/2006/main" xmlns:r="http://schemas.openxmlformats.org/officeDocument/2006/relationships" xmlns:mc="http://schemas.openxmlformats.org/markup-compatibility/2006" xmlns:mv="urn:schemas-microsoft-com:mac:vml" xmlns:p="http://schemas.openxmlformats.org/presentationml/2006/main" xmlns:c="http://schemas.openxmlformats.org/drawingml/2006/chart" xmlns:dgm="http://schemas.openxmlformats.org/drawingml/2006/diagram" xmlns:o="urn:schemas-microsoft-com:office:office" xmlns:v="urn:schemas-microsoft-com:vml" xmlns:pvml="urn:schemas-microsoft-com:office:powerpoint" xmlns:com="http://schemas.openxmlformats.org/drawingml/2006/compatibility" xmlns:p14="http://schemas.microsoft.com/office/powerpoint/2010/main" showMasterPhAnim="0" showMasterSp="0">
+<file path=ppt/notesSlides/notesSlide8.xml><?xml version="1.0" encoding="utf-8"?>
+<p:notes xmlns:a="http://schemas.openxmlformats.org/drawingml/2006/main" xmlns:r="http://schemas.openxmlformats.org/officeDocument/2006/relationships" xmlns:p="http://schemas.openxmlformats.org/presentationml/2006/main" showMasterSp="0" showMasterPhAnim="0">
   <p:cSld>
     <p:spTree>
       <p:nvGrpSpPr>
-        <p:cNvPr id="147" name="Shape 147"/>
+        <p:cNvPr id="1" name="Shape 159"/>
         <p:cNvGrpSpPr/>
         <p:nvPr/>
       </p:nvGrpSpPr>
@@ -1267,10 +1435,12 @@
       </p:grpSpPr>
       <p:sp>
         <p:nvSpPr>
-          <p:cNvPr id="148" name="Shape 148"/>
-          <p:cNvSpPr/>
+          <p:cNvPr id="160" name="Shape 160"/>
+          <p:cNvSpPr>
+            <a:spLocks noGrp="1" noRot="1" noChangeAspect="1"/>
+          </p:cNvSpPr>
           <p:nvPr>
-            <p:ph idx="2" type="sldImg"/>
+            <p:ph type="sldImg" idx="2"/>
           </p:nvPr>
         </p:nvSpPr>
         <p:spPr>
@@ -1279,8 +1449,13 @@
             <a:ext cx="6096000" cy="3429000"/>
           </a:xfrm>
           <a:custGeom>
+            <a:avLst/>
+            <a:gdLst/>
+            <a:ahLst/>
+            <a:cxnLst/>
+            <a:rect l="0" t="0" r="0" b="0"/>
             <a:pathLst>
-              <a:path extrusionOk="0" h="120000" w="120000">
+              <a:path w="120000" h="120000" extrusionOk="0">
                 <a:moveTo>
                   <a:pt x="0" y="0"/>
                 </a:moveTo>
@@ -1301,10 +1476,12 @@
       </p:sp>
       <p:sp>
         <p:nvSpPr>
-          <p:cNvPr id="149" name="Shape 149"/>
-          <p:cNvSpPr txBox="1"/>
+          <p:cNvPr id="161" name="Shape 161"/>
+          <p:cNvSpPr txBox="1">
+            <a:spLocks noGrp="1"/>
+          </p:cNvSpPr>
           <p:nvPr>
-            <p:ph idx="1" type="body"/>
+            <p:ph type="body" idx="1"/>
           </p:nvPr>
         </p:nvSpPr>
         <p:spPr>
@@ -1317,20 +1494,17 @@
           </a:prstGeom>
         </p:spPr>
         <p:txBody>
-          <a:bodyPr anchorCtr="0" anchor="t" bIns="91425" lIns="91425" rIns="91425" tIns="91425">
+          <a:bodyPr lIns="91425" tIns="91425" rIns="91425" bIns="91425" anchor="t" anchorCtr="0">
             <a:noAutofit/>
           </a:bodyPr>
           <a:lstStyle/>
           <a:p>
-            <a:pPr lvl="0">
+            <a:pPr lvl="0" rtl="0">
               <a:spcBef>
                 <a:spcPts val="0"/>
               </a:spcBef>
               <a:buNone/>
             </a:pPr>
-            <a:r>
-              <a:t/>
-            </a:r>
             <a:endParaRPr/>
           </a:p>
         </p:txBody>
@@ -1343,12 +1517,12 @@
 </p:notes>
 </file>
 
-<file path=ppt/notesSlides/notesSlide8.xml><?xml version="1.0" encoding="utf-8"?>
-<p:notes xmlns:a="http://schemas.openxmlformats.org/drawingml/2006/main" xmlns:r="http://schemas.openxmlformats.org/officeDocument/2006/relationships" xmlns:mc="http://schemas.openxmlformats.org/markup-compatibility/2006" xmlns:mv="urn:schemas-microsoft-com:mac:vml" xmlns:p="http://schemas.openxmlformats.org/presentationml/2006/main" xmlns:c="http://schemas.openxmlformats.org/drawingml/2006/chart" xmlns:dgm="http://schemas.openxmlformats.org/drawingml/2006/diagram" xmlns:o="urn:schemas-microsoft-com:office:office" xmlns:v="urn:schemas-microsoft-com:vml" xmlns:pvml="urn:schemas-microsoft-com:office:powerpoint" xmlns:com="http://schemas.openxmlformats.org/drawingml/2006/compatibility" xmlns:p14="http://schemas.microsoft.com/office/powerpoint/2010/main" showMasterPhAnim="0" showMasterSp="0">
+<file path=ppt/notesSlides/notesSlide9.xml><?xml version="1.0" encoding="utf-8"?>
+<p:notes xmlns:a="http://schemas.openxmlformats.org/drawingml/2006/main" xmlns:r="http://schemas.openxmlformats.org/officeDocument/2006/relationships" xmlns:p="http://schemas.openxmlformats.org/presentationml/2006/main" showMasterSp="0" showMasterPhAnim="0">
   <p:cSld>
     <p:spTree>
       <p:nvGrpSpPr>
-        <p:cNvPr id="153" name="Shape 153"/>
+        <p:cNvPr id="1" name="Shape 165"/>
         <p:cNvGrpSpPr/>
         <p:nvPr/>
       </p:nvGrpSpPr>
@@ -1362,10 +1536,12 @@
       </p:grpSpPr>
       <p:sp>
         <p:nvSpPr>
-          <p:cNvPr id="154" name="Shape 154"/>
-          <p:cNvSpPr/>
+          <p:cNvPr id="166" name="Shape 166"/>
+          <p:cNvSpPr>
+            <a:spLocks noGrp="1" noRot="1" noChangeAspect="1"/>
+          </p:cNvSpPr>
           <p:nvPr>
-            <p:ph idx="2" type="sldImg"/>
+            <p:ph type="sldImg" idx="2"/>
           </p:nvPr>
         </p:nvSpPr>
         <p:spPr>
@@ -1374,8 +1550,13 @@
             <a:ext cx="6096000" cy="3429000"/>
           </a:xfrm>
           <a:custGeom>
+            <a:avLst/>
+            <a:gdLst/>
+            <a:ahLst/>
+            <a:cxnLst/>
+            <a:rect l="0" t="0" r="0" b="0"/>
             <a:pathLst>
-              <a:path extrusionOk="0" h="120000" w="120000">
+              <a:path w="120000" h="120000" extrusionOk="0">
                 <a:moveTo>
                   <a:pt x="0" y="0"/>
                 </a:moveTo>
@@ -1396,10 +1577,12 @@
       </p:sp>
       <p:sp>
         <p:nvSpPr>
-          <p:cNvPr id="155" name="Shape 155"/>
-          <p:cNvSpPr txBox="1"/>
+          <p:cNvPr id="167" name="Shape 167"/>
+          <p:cNvSpPr txBox="1">
+            <a:spLocks noGrp="1"/>
+          </p:cNvSpPr>
           <p:nvPr>
-            <p:ph idx="1" type="body"/>
+            <p:ph type="body" idx="1"/>
           </p:nvPr>
         </p:nvSpPr>
         <p:spPr>
@@ -1412,7 +1595,7 @@
           </a:prstGeom>
         </p:spPr>
         <p:txBody>
-          <a:bodyPr anchorCtr="0" anchor="t" bIns="91425" lIns="91425" rIns="91425" tIns="91425">
+          <a:bodyPr lIns="91425" tIns="91425" rIns="91425" bIns="91425" anchor="t" anchorCtr="0">
             <a:noAutofit/>
           </a:bodyPr>
           <a:lstStyle/>
@@ -1423,104 +1606,6 @@
               </a:spcBef>
               <a:buNone/>
             </a:pPr>
-            <a:r>
-              <a:t/>
-            </a:r>
-            <a:endParaRPr/>
-          </a:p>
-        </p:txBody>
-      </p:sp>
-    </p:spTree>
-  </p:cSld>
-  <p:clrMapOvr>
-    <a:masterClrMapping/>
-  </p:clrMapOvr>
-</p:notes>
-</file>
-
-<file path=ppt/notesSlides/notesSlide9.xml><?xml version="1.0" encoding="utf-8"?>
-<p:notes xmlns:a="http://schemas.openxmlformats.org/drawingml/2006/main" xmlns:r="http://schemas.openxmlformats.org/officeDocument/2006/relationships" xmlns:mc="http://schemas.openxmlformats.org/markup-compatibility/2006" xmlns:mv="urn:schemas-microsoft-com:mac:vml" xmlns:p="http://schemas.openxmlformats.org/presentationml/2006/main" xmlns:c="http://schemas.openxmlformats.org/drawingml/2006/chart" xmlns:dgm="http://schemas.openxmlformats.org/drawingml/2006/diagram" xmlns:o="urn:schemas-microsoft-com:office:office" xmlns:v="urn:schemas-microsoft-com:vml" xmlns:pvml="urn:schemas-microsoft-com:office:powerpoint" xmlns:com="http://schemas.openxmlformats.org/drawingml/2006/compatibility" xmlns:p14="http://schemas.microsoft.com/office/powerpoint/2010/main" showMasterPhAnim="0" showMasterSp="0">
-  <p:cSld>
-    <p:spTree>
-      <p:nvGrpSpPr>
-        <p:cNvPr id="159" name="Shape 159"/>
-        <p:cNvGrpSpPr/>
-        <p:nvPr/>
-      </p:nvGrpSpPr>
-      <p:grpSpPr>
-        <a:xfrm>
-          <a:off x="0" y="0"/>
-          <a:ext cx="0" cy="0"/>
-          <a:chOff x="0" y="0"/>
-          <a:chExt cx="0" cy="0"/>
-        </a:xfrm>
-      </p:grpSpPr>
-      <p:sp>
-        <p:nvSpPr>
-          <p:cNvPr id="160" name="Shape 160"/>
-          <p:cNvSpPr/>
-          <p:nvPr>
-            <p:ph idx="2" type="sldImg"/>
-          </p:nvPr>
-        </p:nvSpPr>
-        <p:spPr>
-          <a:xfrm>
-            <a:off x="381300" y="685800"/>
-            <a:ext cx="6096000" cy="3429000"/>
-          </a:xfrm>
-          <a:custGeom>
-            <a:pathLst>
-              <a:path extrusionOk="0" h="120000" w="120000">
-                <a:moveTo>
-                  <a:pt x="0" y="0"/>
-                </a:moveTo>
-                <a:lnTo>
-                  <a:pt x="120000" y="0"/>
-                </a:lnTo>
-                <a:lnTo>
-                  <a:pt x="120000" y="120000"/>
-                </a:lnTo>
-                <a:lnTo>
-                  <a:pt x="0" y="120000"/>
-                </a:lnTo>
-                <a:close/>
-              </a:path>
-            </a:pathLst>
-          </a:custGeom>
-        </p:spPr>
-      </p:sp>
-      <p:sp>
-        <p:nvSpPr>
-          <p:cNvPr id="161" name="Shape 161"/>
-          <p:cNvSpPr txBox="1"/>
-          <p:nvPr>
-            <p:ph idx="1" type="body"/>
-          </p:nvPr>
-        </p:nvSpPr>
-        <p:spPr>
-          <a:xfrm>
-            <a:off x="685800" y="4343400"/>
-            <a:ext cx="5486400" cy="4114800"/>
-          </a:xfrm>
-          <a:prstGeom prst="rect">
-            <a:avLst/>
-          </a:prstGeom>
-        </p:spPr>
-        <p:txBody>
-          <a:bodyPr anchorCtr="0" anchor="t" bIns="91425" lIns="91425" rIns="91425" tIns="91425">
-            <a:noAutofit/>
-          </a:bodyPr>
-          <a:lstStyle/>
-          <a:p>
-            <a:pPr lvl="0" rtl="0">
-              <a:spcBef>
-                <a:spcPts val="0"/>
-              </a:spcBef>
-              <a:buNone/>
-            </a:pPr>
-            <a:r>
-              <a:t/>
-            </a:r>
             <a:endParaRPr/>
           </a:p>
         </p:txBody>
@@ -1534,18 +1619,19 @@
 </file>
 
 <file path=ppt/slideLayouts/slideLayout1.xml><?xml version="1.0" encoding="utf-8"?>
-<p:sldLayout xmlns:a="http://schemas.openxmlformats.org/drawingml/2006/main" xmlns:r="http://schemas.openxmlformats.org/officeDocument/2006/relationships" xmlns:mc="http://schemas.openxmlformats.org/markup-compatibility/2006" xmlns:mv="urn:schemas-microsoft-com:mac:vml" xmlns:p="http://schemas.openxmlformats.org/presentationml/2006/main" xmlns:c="http://schemas.openxmlformats.org/drawingml/2006/chart" xmlns:dgm="http://schemas.openxmlformats.org/drawingml/2006/diagram" xmlns:o="urn:schemas-microsoft-com:office:office" xmlns:v="urn:schemas-microsoft-com:vml" xmlns:pvml="urn:schemas-microsoft-com:office:powerpoint" xmlns:com="http://schemas.openxmlformats.org/drawingml/2006/compatibility" xmlns:p14="http://schemas.microsoft.com/office/powerpoint/2010/main" type="title">
+<p:sldLayout xmlns:a="http://schemas.openxmlformats.org/drawingml/2006/main" xmlns:r="http://schemas.openxmlformats.org/officeDocument/2006/relationships" xmlns:p="http://schemas.openxmlformats.org/presentationml/2006/main" type="title">
   <p:cSld name="Title slide">
     <p:bg>
       <p:bgPr>
         <a:solidFill>
           <a:schemeClr val="dk1"/>
         </a:solidFill>
+        <a:effectLst/>
       </p:bgPr>
     </p:bg>
     <p:spTree>
       <p:nvGrpSpPr>
-        <p:cNvPr id="9" name="Shape 9"/>
+        <p:cNvPr id="1" name="Shape 9"/>
         <p:cNvGrpSpPr/>
         <p:nvPr/>
       </p:nvGrpSpPr>
@@ -1572,14 +1658,14 @@
             <a:avLst/>
           </a:prstGeom>
           <a:noFill/>
-          <a:ln cap="flat" cmpd="sng" w="38100">
+          <a:ln w="38100" cap="flat" cmpd="sng">
             <a:solidFill>
               <a:schemeClr val="lt1"/>
             </a:solidFill>
             <a:prstDash val="solid"/>
             <a:round/>
-            <a:headEnd len="med" w="med" type="none"/>
-            <a:tailEnd len="med" w="med" type="none"/>
+            <a:headEnd type="none" w="med" len="med"/>
+            <a:tailEnd type="none" w="med" len="med"/>
           </a:ln>
         </p:spPr>
       </p:cxnSp>
@@ -1598,14 +1684,14 @@
             <a:avLst/>
           </a:prstGeom>
           <a:noFill/>
-          <a:ln cap="flat" cmpd="sng" w="19050">
+          <a:ln w="19050" cap="flat" cmpd="sng">
             <a:solidFill>
               <a:schemeClr val="lt1"/>
             </a:solidFill>
             <a:prstDash val="solid"/>
             <a:round/>
-            <a:headEnd len="med" w="med" type="none"/>
-            <a:tailEnd len="med" w="med" type="none"/>
+            <a:headEnd type="none" w="med" len="med"/>
+            <a:tailEnd type="none" w="med" len="med"/>
           </a:ln>
         </p:spPr>
       </p:cxnSp>
@@ -1624,21 +1710,23 @@
             <a:avLst/>
           </a:prstGeom>
           <a:noFill/>
-          <a:ln cap="flat" cmpd="sng" w="19050">
+          <a:ln w="19050" cap="flat" cmpd="sng">
             <a:solidFill>
               <a:schemeClr val="lt1"/>
             </a:solidFill>
             <a:prstDash val="solid"/>
             <a:round/>
-            <a:headEnd len="med" w="med" type="none"/>
-            <a:tailEnd len="med" w="med" type="none"/>
+            <a:headEnd type="none" w="med" len="med"/>
+            <a:tailEnd type="none" w="med" len="med"/>
           </a:ln>
         </p:spPr>
       </p:cxnSp>
       <p:sp>
         <p:nvSpPr>
           <p:cNvPr id="13" name="Shape 13"/>
-          <p:cNvSpPr txBox="1"/>
+          <p:cNvSpPr txBox="1">
+            <a:spLocks noGrp="1"/>
+          </p:cNvSpPr>
           <p:nvPr>
             <p:ph type="ctrTitle"/>
           </p:nvPr>
@@ -1653,7 +1741,7 @@
           </a:prstGeom>
         </p:spPr>
         <p:txBody>
-          <a:bodyPr anchorCtr="0" anchor="t" bIns="91425" lIns="91425" rIns="91425" tIns="91425"/>
+          <a:bodyPr lIns="91425" tIns="91425" rIns="91425" bIns="91425" anchor="t" anchorCtr="0"/>
           <a:lstStyle>
             <a:lvl1pPr lvl="0">
               <a:spcBef>
@@ -1782,15 +1870,19 @@
               </a:defRPr>
             </a:lvl9pPr>
           </a:lstStyle>
-          <a:p/>
+          <a:p>
+            <a:endParaRPr/>
+          </a:p>
         </p:txBody>
       </p:sp>
       <p:sp>
         <p:nvSpPr>
           <p:cNvPr id="14" name="Shape 14"/>
-          <p:cNvSpPr txBox="1"/>
+          <p:cNvSpPr txBox="1">
+            <a:spLocks noGrp="1"/>
+          </p:cNvSpPr>
           <p:nvPr>
-            <p:ph idx="1" type="subTitle"/>
+            <p:ph type="subTitle" idx="1"/>
           </p:nvPr>
         </p:nvSpPr>
         <p:spPr>
@@ -1803,7 +1895,7 @@
           </a:prstGeom>
         </p:spPr>
         <p:txBody>
-          <a:bodyPr anchorCtr="0" anchor="b" bIns="91425" lIns="91425" rIns="91425" tIns="91425"/>
+          <a:bodyPr lIns="91425" tIns="91425" rIns="91425" bIns="91425" anchor="b" anchorCtr="0"/>
           <a:lstStyle>
             <a:lvl1pPr lvl="0">
               <a:lnSpc>
@@ -1994,15 +2086,19 @@
               </a:defRPr>
             </a:lvl9pPr>
           </a:lstStyle>
-          <a:p/>
+          <a:p>
+            <a:endParaRPr/>
+          </a:p>
         </p:txBody>
       </p:sp>
       <p:sp>
         <p:nvSpPr>
           <p:cNvPr id="15" name="Shape 15"/>
-          <p:cNvSpPr txBox="1"/>
+          <p:cNvSpPr txBox="1">
+            <a:spLocks noGrp="1"/>
+          </p:cNvSpPr>
           <p:nvPr>
-            <p:ph idx="12" type="sldNum"/>
+            <p:ph type="sldNum" idx="12"/>
           </p:nvPr>
         </p:nvSpPr>
         <p:spPr>
@@ -2015,7 +2111,7 @@
           </a:prstGeom>
         </p:spPr>
         <p:txBody>
-          <a:bodyPr anchorCtr="0" anchor="ctr" bIns="91425" lIns="91425" rIns="91425" tIns="91425">
+          <a:bodyPr lIns="91425" tIns="91425" rIns="91425" bIns="91425" anchor="ctr" anchorCtr="0">
             <a:noAutofit/>
           </a:bodyPr>
           <a:lstStyle/>
@@ -2032,8 +2128,19 @@
                   <a:schemeClr val="lt1"/>
                 </a:solidFill>
               </a:rPr>
+              <a:pPr lvl="0">
+                <a:spcBef>
+                  <a:spcPts val="0"/>
+                </a:spcBef>
+                <a:buNone/>
+              </a:pPr>
               <a:t>‹#›</a:t>
             </a:fld>
+            <a:endParaRPr lang="en">
+              <a:solidFill>
+                <a:schemeClr val="lt1"/>
+              </a:solidFill>
+            </a:endParaRPr>
           </a:p>
         </p:txBody>
       </p:sp>
@@ -2046,11 +2153,11 @@
 </file>
 
 <file path=ppt/slideLayouts/slideLayout10.xml><?xml version="1.0" encoding="utf-8"?>
-<p:sldLayout xmlns:a="http://schemas.openxmlformats.org/drawingml/2006/main" xmlns:r="http://schemas.openxmlformats.org/officeDocument/2006/relationships" xmlns:mc="http://schemas.openxmlformats.org/markup-compatibility/2006" xmlns:mv="urn:schemas-microsoft-com:mac:vml" xmlns:p="http://schemas.openxmlformats.org/presentationml/2006/main" xmlns:c="http://schemas.openxmlformats.org/drawingml/2006/chart" xmlns:dgm="http://schemas.openxmlformats.org/drawingml/2006/diagram" xmlns:o="urn:schemas-microsoft-com:office:office" xmlns:v="urn:schemas-microsoft-com:vml" xmlns:pvml="urn:schemas-microsoft-com:office:powerpoint" xmlns:com="http://schemas.openxmlformats.org/drawingml/2006/compatibility" xmlns:p14="http://schemas.microsoft.com/office/powerpoint/2010/main">
+<p:sldLayout xmlns:a="http://schemas.openxmlformats.org/drawingml/2006/main" xmlns:r="http://schemas.openxmlformats.org/officeDocument/2006/relationships" xmlns:p="http://schemas.openxmlformats.org/presentationml/2006/main">
   <p:cSld name="Big number">
     <p:spTree>
       <p:nvGrpSpPr>
-        <p:cNvPr id="60" name="Shape 60"/>
+        <p:cNvPr id="1" name="Shape 60"/>
         <p:cNvGrpSpPr/>
         <p:nvPr/>
       </p:nvGrpSpPr>
@@ -2077,14 +2184,14 @@
             <a:avLst/>
           </a:prstGeom>
           <a:noFill/>
-          <a:ln cap="flat" cmpd="sng" w="19050">
+          <a:ln w="19050" cap="flat" cmpd="sng">
             <a:solidFill>
               <a:schemeClr val="dk2"/>
             </a:solidFill>
             <a:prstDash val="solid"/>
             <a:round/>
-            <a:headEnd len="med" w="med" type="none"/>
-            <a:tailEnd len="med" w="med" type="none"/>
+            <a:headEnd type="none" w="med" len="med"/>
+            <a:tailEnd type="none" w="med" len="med"/>
           </a:ln>
         </p:spPr>
       </p:cxnSp>
@@ -2103,21 +2210,23 @@
             <a:avLst/>
           </a:prstGeom>
           <a:noFill/>
-          <a:ln cap="flat" cmpd="sng" w="38100">
+          <a:ln w="38100" cap="flat" cmpd="sng">
             <a:solidFill>
               <a:schemeClr val="dk2"/>
             </a:solidFill>
             <a:prstDash val="solid"/>
             <a:round/>
-            <a:headEnd len="med" w="med" type="none"/>
-            <a:tailEnd len="med" w="med" type="none"/>
+            <a:headEnd type="none" w="med" len="med"/>
+            <a:tailEnd type="none" w="med" len="med"/>
           </a:ln>
         </p:spPr>
       </p:cxnSp>
       <p:sp>
         <p:nvSpPr>
           <p:cNvPr id="63" name="Shape 63"/>
-          <p:cNvSpPr txBox="1"/>
+          <p:cNvSpPr txBox="1">
+            <a:spLocks noGrp="1"/>
+          </p:cNvSpPr>
           <p:nvPr>
             <p:ph type="title"/>
           </p:nvPr>
@@ -2132,7 +2241,7 @@
           </a:prstGeom>
         </p:spPr>
         <p:txBody>
-          <a:bodyPr anchorCtr="0" anchor="ctr" bIns="91425" lIns="91425" rIns="91425" tIns="91425"/>
+          <a:bodyPr lIns="91425" tIns="91425" rIns="91425" bIns="91425" anchor="ctr" anchorCtr="0"/>
           <a:lstStyle>
             <a:lvl1pPr lvl="0" algn="ctr">
               <a:spcBef>
@@ -2306,15 +2415,19 @@
               </a:defRPr>
             </a:lvl9pPr>
           </a:lstStyle>
-          <a:p/>
+          <a:p>
+            <a:endParaRPr/>
+          </a:p>
         </p:txBody>
       </p:sp>
       <p:sp>
         <p:nvSpPr>
           <p:cNvPr id="64" name="Shape 64"/>
-          <p:cNvSpPr txBox="1"/>
+          <p:cNvSpPr txBox="1">
+            <a:spLocks noGrp="1"/>
+          </p:cNvSpPr>
           <p:nvPr>
-            <p:ph idx="1" type="body"/>
+            <p:ph type="body" idx="1"/>
           </p:nvPr>
         </p:nvSpPr>
         <p:spPr>
@@ -2327,7 +2440,7 @@
           </a:prstGeom>
         </p:spPr>
         <p:txBody>
-          <a:bodyPr anchorCtr="0" anchor="t" bIns="91425" lIns="91425" rIns="91425" tIns="91425"/>
+          <a:bodyPr lIns="91425" tIns="91425" rIns="91425" bIns="91425" anchor="t" anchorCtr="0"/>
           <a:lstStyle>
             <a:lvl1pPr lvl="0" algn="ctr">
               <a:spcBef>
@@ -2384,15 +2497,19 @@
               <a:defRPr/>
             </a:lvl9pPr>
           </a:lstStyle>
-          <a:p/>
+          <a:p>
+            <a:endParaRPr/>
+          </a:p>
         </p:txBody>
       </p:sp>
       <p:sp>
         <p:nvSpPr>
           <p:cNvPr id="65" name="Shape 65"/>
-          <p:cNvSpPr txBox="1"/>
+          <p:cNvSpPr txBox="1">
+            <a:spLocks noGrp="1"/>
+          </p:cNvSpPr>
           <p:nvPr>
-            <p:ph idx="12" type="sldNum"/>
+            <p:ph type="sldNum" idx="12"/>
           </p:nvPr>
         </p:nvSpPr>
         <p:spPr>
@@ -2405,7 +2522,7 @@
           </a:prstGeom>
         </p:spPr>
         <p:txBody>
-          <a:bodyPr anchorCtr="0" anchor="ctr" bIns="91425" lIns="91425" rIns="91425" tIns="91425">
+          <a:bodyPr lIns="91425" tIns="91425" rIns="91425" bIns="91425" anchor="ctr" anchorCtr="0">
             <a:noAutofit/>
           </a:bodyPr>
           <a:lstStyle/>
@@ -2418,8 +2535,15 @@
             </a:pPr>
             <a:fld id="{00000000-1234-1234-1234-123412341234}" type="slidenum">
               <a:rPr lang="en"/>
+              <a:pPr lvl="0">
+                <a:spcBef>
+                  <a:spcPts val="0"/>
+                </a:spcBef>
+                <a:buNone/>
+              </a:pPr>
               <a:t>‹#›</a:t>
             </a:fld>
+            <a:endParaRPr lang="en"/>
           </a:p>
         </p:txBody>
       </p:sp>
@@ -2432,11 +2556,11 @@
 </file>
 
 <file path=ppt/slideLayouts/slideLayout11.xml><?xml version="1.0" encoding="utf-8"?>
-<p:sldLayout xmlns:a="http://schemas.openxmlformats.org/drawingml/2006/main" xmlns:r="http://schemas.openxmlformats.org/officeDocument/2006/relationships" xmlns:mc="http://schemas.openxmlformats.org/markup-compatibility/2006" xmlns:mv="urn:schemas-microsoft-com:mac:vml" xmlns:p="http://schemas.openxmlformats.org/presentationml/2006/main" xmlns:c="http://schemas.openxmlformats.org/drawingml/2006/chart" xmlns:dgm="http://schemas.openxmlformats.org/drawingml/2006/diagram" xmlns:o="urn:schemas-microsoft-com:office:office" xmlns:v="urn:schemas-microsoft-com:vml" xmlns:pvml="urn:schemas-microsoft-com:office:powerpoint" xmlns:com="http://schemas.openxmlformats.org/drawingml/2006/compatibility" xmlns:p14="http://schemas.microsoft.com/office/powerpoint/2010/main" type="blank">
+<p:sldLayout xmlns:a="http://schemas.openxmlformats.org/drawingml/2006/main" xmlns:r="http://schemas.openxmlformats.org/officeDocument/2006/relationships" xmlns:p="http://schemas.openxmlformats.org/presentationml/2006/main" type="blank">
   <p:cSld name="Blank">
     <p:spTree>
       <p:nvGrpSpPr>
-        <p:cNvPr id="66" name="Shape 66"/>
+        <p:cNvPr id="1" name="Shape 66"/>
         <p:cNvGrpSpPr/>
         <p:nvPr/>
       </p:nvGrpSpPr>
@@ -2451,9 +2575,11 @@
       <p:sp>
         <p:nvSpPr>
           <p:cNvPr id="67" name="Shape 67"/>
-          <p:cNvSpPr txBox="1"/>
+          <p:cNvSpPr txBox="1">
+            <a:spLocks noGrp="1"/>
+          </p:cNvSpPr>
           <p:nvPr>
-            <p:ph idx="12" type="sldNum"/>
+            <p:ph type="sldNum" idx="12"/>
           </p:nvPr>
         </p:nvSpPr>
         <p:spPr>
@@ -2466,7 +2592,7 @@
           </a:prstGeom>
         </p:spPr>
         <p:txBody>
-          <a:bodyPr anchorCtr="0" anchor="ctr" bIns="91425" lIns="91425" rIns="91425" tIns="91425">
+          <a:bodyPr lIns="91425" tIns="91425" rIns="91425" bIns="91425" anchor="ctr" anchorCtr="0">
             <a:noAutofit/>
           </a:bodyPr>
           <a:lstStyle/>
@@ -2479,8 +2605,15 @@
             </a:pPr>
             <a:fld id="{00000000-1234-1234-1234-123412341234}" type="slidenum">
               <a:rPr lang="en"/>
+              <a:pPr lvl="0">
+                <a:spcBef>
+                  <a:spcPts val="0"/>
+                </a:spcBef>
+                <a:buNone/>
+              </a:pPr>
               <a:t>‹#›</a:t>
             </a:fld>
+            <a:endParaRPr lang="en"/>
           </a:p>
         </p:txBody>
       </p:sp>
@@ -2493,18 +2626,19 @@
 </file>
 
 <file path=ppt/slideLayouts/slideLayout12.xml><?xml version="1.0" encoding="utf-8"?>
-<p:sldLayout xmlns:a="http://schemas.openxmlformats.org/drawingml/2006/main" xmlns:r="http://schemas.openxmlformats.org/officeDocument/2006/relationships" xmlns:mc="http://schemas.openxmlformats.org/markup-compatibility/2006" xmlns:mv="urn:schemas-microsoft-com:mac:vml" xmlns:p="http://schemas.openxmlformats.org/presentationml/2006/main" xmlns:c="http://schemas.openxmlformats.org/drawingml/2006/chart" xmlns:dgm="http://schemas.openxmlformats.org/drawingml/2006/diagram" xmlns:o="urn:schemas-microsoft-com:office:office" xmlns:v="urn:schemas-microsoft-com:vml" xmlns:pvml="urn:schemas-microsoft-com:office:powerpoint" xmlns:com="http://schemas.openxmlformats.org/drawingml/2006/compatibility" xmlns:p14="http://schemas.microsoft.com/office/powerpoint/2010/main">
+<p:sldLayout xmlns:a="http://schemas.openxmlformats.org/drawingml/2006/main" xmlns:r="http://schemas.openxmlformats.org/officeDocument/2006/relationships" xmlns:p="http://schemas.openxmlformats.org/presentationml/2006/main">
   <p:cSld name="Custom layout 3">
     <p:bg>
       <p:bgPr>
         <a:solidFill>
           <a:srgbClr val="FFFFFF"/>
         </a:solidFill>
+        <a:effectLst/>
       </p:bgPr>
     </p:bg>
     <p:spTree>
       <p:nvGrpSpPr>
-        <p:cNvPr id="68" name="Shape 68"/>
+        <p:cNvPr id="1" name="Shape 68"/>
         <p:cNvGrpSpPr/>
         <p:nvPr/>
       </p:nvGrpSpPr>
@@ -2538,7 +2672,7 @@
           </a:ln>
         </p:spPr>
         <p:txBody>
-          <a:bodyPr anchorCtr="0" anchor="ctr" bIns="91425" lIns="91425" rIns="91425" tIns="91425">
+          <a:bodyPr lIns="91425" tIns="91425" rIns="91425" bIns="91425" anchor="ctr" anchorCtr="0">
             <a:noAutofit/>
           </a:bodyPr>
           <a:lstStyle/>
@@ -2549,9 +2683,6 @@
               </a:spcBef>
               <a:buNone/>
             </a:pPr>
-            <a:r>
-              <a:t/>
-            </a:r>
             <a:endParaRPr/>
           </a:p>
         </p:txBody>
@@ -2578,7 +2709,7 @@
           </a:ln>
         </p:spPr>
         <p:txBody>
-          <a:bodyPr anchorCtr="0" anchor="ctr" bIns="91425" lIns="91425" rIns="91425" tIns="91425">
+          <a:bodyPr lIns="91425" tIns="91425" rIns="91425" bIns="91425" anchor="ctr" anchorCtr="0">
             <a:noAutofit/>
           </a:bodyPr>
           <a:lstStyle/>
@@ -2589,9 +2720,6 @@
               </a:spcBef>
               <a:buNone/>
             </a:pPr>
-            <a:r>
-              <a:t/>
-            </a:r>
             <a:endParaRPr/>
           </a:p>
         </p:txBody>
@@ -2599,7 +2727,9 @@
       <p:sp>
         <p:nvSpPr>
           <p:cNvPr id="71" name="Shape 71"/>
-          <p:cNvSpPr txBox="1"/>
+          <p:cNvSpPr txBox="1">
+            <a:spLocks noGrp="1"/>
+          </p:cNvSpPr>
           <p:nvPr>
             <p:ph type="title"/>
           </p:nvPr>
@@ -2615,7 +2745,7 @@
           <a:noFill/>
         </p:spPr>
         <p:txBody>
-          <a:bodyPr anchorCtr="0" anchor="b" bIns="91425" lIns="91425" rIns="91425" tIns="91425"/>
+          <a:bodyPr lIns="91425" tIns="91425" rIns="91425" bIns="91425" anchor="b" anchorCtr="0"/>
           <a:lstStyle>
             <a:lvl1pPr lvl="0" algn="l">
               <a:lnSpc>
@@ -2632,7 +2762,7 @@
               </a:buClr>
               <a:buSzPct val="100000"/>
               <a:buNone/>
-              <a:defRPr b="1" sz="3600">
+              <a:defRPr sz="3600" b="1">
                 <a:solidFill>
                   <a:schemeClr val="lt1"/>
                 </a:solidFill>
@@ -2653,7 +2783,7 @@
               </a:buClr>
               <a:buSzPct val="100000"/>
               <a:buNone/>
-              <a:defRPr b="1" sz="3600">
+              <a:defRPr sz="3600" b="1">
                 <a:solidFill>
                   <a:schemeClr val="lt1"/>
                 </a:solidFill>
@@ -2674,7 +2804,7 @@
               </a:buClr>
               <a:buSzPct val="100000"/>
               <a:buNone/>
-              <a:defRPr b="1" sz="3600">
+              <a:defRPr sz="3600" b="1">
                 <a:solidFill>
                   <a:schemeClr val="lt1"/>
                 </a:solidFill>
@@ -2695,7 +2825,7 @@
               </a:buClr>
               <a:buSzPct val="100000"/>
               <a:buNone/>
-              <a:defRPr b="1" sz="3600">
+              <a:defRPr sz="3600" b="1">
                 <a:solidFill>
                   <a:schemeClr val="lt1"/>
                 </a:solidFill>
@@ -2716,7 +2846,7 @@
               </a:buClr>
               <a:buSzPct val="100000"/>
               <a:buNone/>
-              <a:defRPr b="1" sz="3600">
+              <a:defRPr sz="3600" b="1">
                 <a:solidFill>
                   <a:schemeClr val="lt1"/>
                 </a:solidFill>
@@ -2737,7 +2867,7 @@
               </a:buClr>
               <a:buSzPct val="100000"/>
               <a:buNone/>
-              <a:defRPr b="1" sz="3600">
+              <a:defRPr sz="3600" b="1">
                 <a:solidFill>
                   <a:schemeClr val="lt1"/>
                 </a:solidFill>
@@ -2758,7 +2888,7 @@
               </a:buClr>
               <a:buSzPct val="100000"/>
               <a:buNone/>
-              <a:defRPr b="1" sz="3600">
+              <a:defRPr sz="3600" b="1">
                 <a:solidFill>
                   <a:schemeClr val="lt1"/>
                 </a:solidFill>
@@ -2779,7 +2909,7 @@
               </a:buClr>
               <a:buSzPct val="100000"/>
               <a:buNone/>
-              <a:defRPr b="1" sz="3600">
+              <a:defRPr sz="3600" b="1">
                 <a:solidFill>
                   <a:schemeClr val="lt1"/>
                 </a:solidFill>
@@ -2800,22 +2930,26 @@
               </a:buClr>
               <a:buSzPct val="100000"/>
               <a:buNone/>
-              <a:defRPr b="1" sz="3600">
+              <a:defRPr sz="3600" b="1">
                 <a:solidFill>
                   <a:schemeClr val="lt1"/>
                 </a:solidFill>
               </a:defRPr>
             </a:lvl9pPr>
           </a:lstStyle>
-          <a:p/>
+          <a:p>
+            <a:endParaRPr/>
+          </a:p>
         </p:txBody>
       </p:sp>
       <p:sp>
         <p:nvSpPr>
           <p:cNvPr id="72" name="Shape 72"/>
-          <p:cNvSpPr txBox="1"/>
+          <p:cNvSpPr txBox="1">
+            <a:spLocks noGrp="1"/>
+          </p:cNvSpPr>
           <p:nvPr>
-            <p:ph idx="1" type="body"/>
+            <p:ph type="body" idx="1"/>
           </p:nvPr>
         </p:nvSpPr>
         <p:spPr>
@@ -2829,7 +2963,7 @@
           <a:noFill/>
         </p:spPr>
         <p:txBody>
-          <a:bodyPr anchorCtr="0" anchor="t" bIns="91425" lIns="91425" rIns="91425" tIns="91425"/>
+          <a:bodyPr lIns="91425" tIns="91425" rIns="91425" bIns="91425" anchor="t" anchorCtr="0"/>
           <a:lstStyle>
             <a:lvl1pPr lvl="0" algn="l">
               <a:lnSpc>
@@ -3004,15 +3138,19 @@
               </a:defRPr>
             </a:lvl9pPr>
           </a:lstStyle>
-          <a:p/>
+          <a:p>
+            <a:endParaRPr/>
+          </a:p>
         </p:txBody>
       </p:sp>
       <p:sp>
         <p:nvSpPr>
           <p:cNvPr id="73" name="Shape 73"/>
-          <p:cNvSpPr txBox="1"/>
+          <p:cNvSpPr txBox="1">
+            <a:spLocks noGrp="1"/>
+          </p:cNvSpPr>
           <p:nvPr>
-            <p:ph idx="12" type="sldNum"/>
+            <p:ph type="sldNum" idx="12"/>
           </p:nvPr>
         </p:nvSpPr>
         <p:spPr>
@@ -3026,7 +3164,7 @@
           <a:noFill/>
         </p:spPr>
         <p:txBody>
-          <a:bodyPr anchorCtr="0" anchor="ctr" bIns="91425" lIns="91425" rIns="91425" tIns="91425">
+          <a:bodyPr lIns="91425" tIns="91425" rIns="91425" bIns="91425" anchor="ctr" anchorCtr="0">
             <a:noAutofit/>
           </a:bodyPr>
           <a:lstStyle/>
@@ -3049,8 +3187,25 @@
                   <a:schemeClr val="dk2"/>
                 </a:solidFill>
               </a:rPr>
+              <a:pPr lvl="0" algn="r">
+                <a:lnSpc>
+                  <a:spcPct val="100000"/>
+                </a:lnSpc>
+                <a:spcBef>
+                  <a:spcPts val="0"/>
+                </a:spcBef>
+                <a:spcAft>
+                  <a:spcPts val="0"/>
+                </a:spcAft>
+                <a:buNone/>
+              </a:pPr>
               <a:t>‹#›</a:t>
             </a:fld>
+            <a:endParaRPr lang="en" sz="1000">
+              <a:solidFill>
+                <a:schemeClr val="dk2"/>
+              </a:solidFill>
+            </a:endParaRPr>
           </a:p>
         </p:txBody>
       </p:sp>
@@ -3063,18 +3218,19 @@
 </file>
 
 <file path=ppt/slideLayouts/slideLayout13.xml><?xml version="1.0" encoding="utf-8"?>
-<p:sldLayout xmlns:a="http://schemas.openxmlformats.org/drawingml/2006/main" xmlns:r="http://schemas.openxmlformats.org/officeDocument/2006/relationships" xmlns:mc="http://schemas.openxmlformats.org/markup-compatibility/2006" xmlns:mv="urn:schemas-microsoft-com:mac:vml" xmlns:p="http://schemas.openxmlformats.org/presentationml/2006/main" xmlns:c="http://schemas.openxmlformats.org/drawingml/2006/chart" xmlns:dgm="http://schemas.openxmlformats.org/drawingml/2006/diagram" xmlns:o="urn:schemas-microsoft-com:office:office" xmlns:v="urn:schemas-microsoft-com:vml" xmlns:pvml="urn:schemas-microsoft-com:office:powerpoint" xmlns:com="http://schemas.openxmlformats.org/drawingml/2006/compatibility" xmlns:p14="http://schemas.microsoft.com/office/powerpoint/2010/main">
+<p:sldLayout xmlns:a="http://schemas.openxmlformats.org/drawingml/2006/main" xmlns:r="http://schemas.openxmlformats.org/officeDocument/2006/relationships" xmlns:p="http://schemas.openxmlformats.org/presentationml/2006/main">
   <p:cSld name="Custom layout 4">
     <p:bg>
       <p:bgPr>
         <a:solidFill>
           <a:srgbClr val="FFFFFF"/>
         </a:solidFill>
+        <a:effectLst/>
       </p:bgPr>
     </p:bg>
     <p:spTree>
       <p:nvGrpSpPr>
-        <p:cNvPr id="74" name="Shape 74"/>
+        <p:cNvPr id="1" name="Shape 74"/>
         <p:cNvGrpSpPr/>
         <p:nvPr/>
       </p:nvGrpSpPr>
@@ -3108,7 +3264,7 @@
           </a:ln>
         </p:spPr>
         <p:txBody>
-          <a:bodyPr anchorCtr="0" anchor="ctr" bIns="91425" lIns="91425" rIns="91425" tIns="91425">
+          <a:bodyPr lIns="91425" tIns="91425" rIns="91425" bIns="91425" anchor="ctr" anchorCtr="0">
             <a:noAutofit/>
           </a:bodyPr>
           <a:lstStyle/>
@@ -3119,9 +3275,6 @@
               </a:spcBef>
               <a:buNone/>
             </a:pPr>
-            <a:r>
-              <a:t/>
-            </a:r>
             <a:endParaRPr/>
           </a:p>
         </p:txBody>
@@ -3148,7 +3301,7 @@
           </a:ln>
         </p:spPr>
         <p:txBody>
-          <a:bodyPr anchorCtr="0" anchor="ctr" bIns="91425" lIns="91425" rIns="91425" tIns="91425">
+          <a:bodyPr lIns="91425" tIns="91425" rIns="91425" bIns="91425" anchor="ctr" anchorCtr="0">
             <a:noAutofit/>
           </a:bodyPr>
           <a:lstStyle/>
@@ -3159,9 +3312,6 @@
               </a:spcBef>
               <a:buNone/>
             </a:pPr>
-            <a:r>
-              <a:t/>
-            </a:r>
             <a:endParaRPr/>
           </a:p>
         </p:txBody>
@@ -3169,7 +3319,9 @@
       <p:sp>
         <p:nvSpPr>
           <p:cNvPr id="77" name="Shape 77"/>
-          <p:cNvSpPr txBox="1"/>
+          <p:cNvSpPr txBox="1">
+            <a:spLocks noGrp="1"/>
+          </p:cNvSpPr>
           <p:nvPr>
             <p:ph type="title"/>
           </p:nvPr>
@@ -3185,7 +3337,7 @@
           <a:noFill/>
         </p:spPr>
         <p:txBody>
-          <a:bodyPr anchorCtr="0" anchor="b" bIns="91425" lIns="91425" rIns="91425" tIns="91425"/>
+          <a:bodyPr lIns="91425" tIns="91425" rIns="91425" bIns="91425" anchor="b" anchorCtr="0"/>
           <a:lstStyle>
             <a:lvl1pPr lvl="0" algn="l">
               <a:lnSpc>
@@ -3202,7 +3354,7 @@
               </a:buClr>
               <a:buSzPct val="100000"/>
               <a:buNone/>
-              <a:defRPr b="1" sz="3600">
+              <a:defRPr sz="3600" b="1">
                 <a:solidFill>
                   <a:schemeClr val="lt1"/>
                 </a:solidFill>
@@ -3223,7 +3375,7 @@
               </a:buClr>
               <a:buSzPct val="100000"/>
               <a:buNone/>
-              <a:defRPr b="1" sz="3600">
+              <a:defRPr sz="3600" b="1">
                 <a:solidFill>
                   <a:schemeClr val="lt1"/>
                 </a:solidFill>
@@ -3244,7 +3396,7 @@
               </a:buClr>
               <a:buSzPct val="100000"/>
               <a:buNone/>
-              <a:defRPr b="1" sz="3600">
+              <a:defRPr sz="3600" b="1">
                 <a:solidFill>
                   <a:schemeClr val="lt1"/>
                 </a:solidFill>
@@ -3265,7 +3417,7 @@
               </a:buClr>
               <a:buSzPct val="100000"/>
               <a:buNone/>
-              <a:defRPr b="1" sz="3600">
+              <a:defRPr sz="3600" b="1">
                 <a:solidFill>
                   <a:schemeClr val="lt1"/>
                 </a:solidFill>
@@ -3286,7 +3438,7 @@
               </a:buClr>
               <a:buSzPct val="100000"/>
               <a:buNone/>
-              <a:defRPr b="1" sz="3600">
+              <a:defRPr sz="3600" b="1">
                 <a:solidFill>
                   <a:schemeClr val="lt1"/>
                 </a:solidFill>
@@ -3307,7 +3459,7 @@
               </a:buClr>
               <a:buSzPct val="100000"/>
               <a:buNone/>
-              <a:defRPr b="1" sz="3600">
+              <a:defRPr sz="3600" b="1">
                 <a:solidFill>
                   <a:schemeClr val="lt1"/>
                 </a:solidFill>
@@ -3328,7 +3480,7 @@
               </a:buClr>
               <a:buSzPct val="100000"/>
               <a:buNone/>
-              <a:defRPr b="1" sz="3600">
+              <a:defRPr sz="3600" b="1">
                 <a:solidFill>
                   <a:schemeClr val="lt1"/>
                 </a:solidFill>
@@ -3349,7 +3501,7 @@
               </a:buClr>
               <a:buSzPct val="100000"/>
               <a:buNone/>
-              <a:defRPr b="1" sz="3600">
+              <a:defRPr sz="3600" b="1">
                 <a:solidFill>
                   <a:schemeClr val="lt1"/>
                 </a:solidFill>
@@ -3370,22 +3522,26 @@
               </a:buClr>
               <a:buSzPct val="100000"/>
               <a:buNone/>
-              <a:defRPr b="1" sz="3600">
+              <a:defRPr sz="3600" b="1">
                 <a:solidFill>
                   <a:schemeClr val="lt1"/>
                 </a:solidFill>
               </a:defRPr>
             </a:lvl9pPr>
           </a:lstStyle>
-          <a:p/>
+          <a:p>
+            <a:endParaRPr/>
+          </a:p>
         </p:txBody>
       </p:sp>
       <p:sp>
         <p:nvSpPr>
           <p:cNvPr id="78" name="Shape 78"/>
-          <p:cNvSpPr txBox="1"/>
+          <p:cNvSpPr txBox="1">
+            <a:spLocks noGrp="1"/>
+          </p:cNvSpPr>
           <p:nvPr>
-            <p:ph idx="1" type="body"/>
+            <p:ph type="body" idx="1"/>
           </p:nvPr>
         </p:nvSpPr>
         <p:spPr>
@@ -3399,7 +3555,7 @@
           <a:noFill/>
         </p:spPr>
         <p:txBody>
-          <a:bodyPr anchorCtr="0" anchor="t" bIns="91425" lIns="91425" rIns="91425" tIns="91425"/>
+          <a:bodyPr lIns="91425" tIns="91425" rIns="91425" bIns="91425" anchor="t" anchorCtr="0"/>
           <a:lstStyle>
             <a:lvl1pPr lvl="0" algn="l">
               <a:lnSpc>
@@ -3574,15 +3730,19 @@
               </a:defRPr>
             </a:lvl9pPr>
           </a:lstStyle>
-          <a:p/>
+          <a:p>
+            <a:endParaRPr/>
+          </a:p>
         </p:txBody>
       </p:sp>
       <p:sp>
         <p:nvSpPr>
           <p:cNvPr id="79" name="Shape 79"/>
-          <p:cNvSpPr txBox="1"/>
+          <p:cNvSpPr txBox="1">
+            <a:spLocks noGrp="1"/>
+          </p:cNvSpPr>
           <p:nvPr>
-            <p:ph idx="12" type="sldNum"/>
+            <p:ph type="sldNum" idx="12"/>
           </p:nvPr>
         </p:nvSpPr>
         <p:spPr>
@@ -3596,7 +3756,7 @@
           <a:noFill/>
         </p:spPr>
         <p:txBody>
-          <a:bodyPr anchorCtr="0" anchor="ctr" bIns="91425" lIns="91425" rIns="91425" tIns="91425">
+          <a:bodyPr lIns="91425" tIns="91425" rIns="91425" bIns="91425" anchor="ctr" anchorCtr="0">
             <a:noAutofit/>
           </a:bodyPr>
           <a:lstStyle/>
@@ -3619,8 +3779,25 @@
                   <a:schemeClr val="dk2"/>
                 </a:solidFill>
               </a:rPr>
+              <a:pPr lvl="0" algn="r">
+                <a:lnSpc>
+                  <a:spcPct val="100000"/>
+                </a:lnSpc>
+                <a:spcBef>
+                  <a:spcPts val="0"/>
+                </a:spcBef>
+                <a:spcAft>
+                  <a:spcPts val="0"/>
+                </a:spcAft>
+                <a:buNone/>
+              </a:pPr>
               <a:t>‹#›</a:t>
             </a:fld>
+            <a:endParaRPr lang="en" sz="1000">
+              <a:solidFill>
+                <a:schemeClr val="dk2"/>
+              </a:solidFill>
+            </a:endParaRPr>
           </a:p>
         </p:txBody>
       </p:sp>
@@ -3633,18 +3810,19 @@
 </file>
 
 <file path=ppt/slideLayouts/slideLayout14.xml><?xml version="1.0" encoding="utf-8"?>
-<p:sldLayout xmlns:a="http://schemas.openxmlformats.org/drawingml/2006/main" xmlns:r="http://schemas.openxmlformats.org/officeDocument/2006/relationships" xmlns:mc="http://schemas.openxmlformats.org/markup-compatibility/2006" xmlns:mv="urn:schemas-microsoft-com:mac:vml" xmlns:p="http://schemas.openxmlformats.org/presentationml/2006/main" xmlns:c="http://schemas.openxmlformats.org/drawingml/2006/chart" xmlns:dgm="http://schemas.openxmlformats.org/drawingml/2006/diagram" xmlns:o="urn:schemas-microsoft-com:office:office" xmlns:v="urn:schemas-microsoft-com:vml" xmlns:pvml="urn:schemas-microsoft-com:office:powerpoint" xmlns:com="http://schemas.openxmlformats.org/drawingml/2006/compatibility" xmlns:p14="http://schemas.microsoft.com/office/powerpoint/2010/main">
+<p:sldLayout xmlns:a="http://schemas.openxmlformats.org/drawingml/2006/main" xmlns:r="http://schemas.openxmlformats.org/officeDocument/2006/relationships" xmlns:p="http://schemas.openxmlformats.org/presentationml/2006/main">
   <p:cSld name="Custom layout 5">
     <p:bg>
       <p:bgPr>
         <a:solidFill>
           <a:srgbClr val="FFFFFF"/>
         </a:solidFill>
+        <a:effectLst/>
       </p:bgPr>
     </p:bg>
     <p:spTree>
       <p:nvGrpSpPr>
-        <p:cNvPr id="80" name="Shape 80"/>
+        <p:cNvPr id="1" name="Shape 80"/>
         <p:cNvGrpSpPr/>
         <p:nvPr/>
       </p:nvGrpSpPr>
@@ -3678,7 +3856,7 @@
           </a:ln>
         </p:spPr>
         <p:txBody>
-          <a:bodyPr anchorCtr="0" anchor="ctr" bIns="91425" lIns="91425" rIns="91425" tIns="91425">
+          <a:bodyPr lIns="91425" tIns="91425" rIns="91425" bIns="91425" anchor="ctr" anchorCtr="0">
             <a:noAutofit/>
           </a:bodyPr>
           <a:lstStyle/>
@@ -3689,9 +3867,6 @@
               </a:spcBef>
               <a:buNone/>
             </a:pPr>
-            <a:r>
-              <a:t/>
-            </a:r>
             <a:endParaRPr/>
           </a:p>
         </p:txBody>
@@ -3718,7 +3893,7 @@
           </a:ln>
         </p:spPr>
         <p:txBody>
-          <a:bodyPr anchorCtr="0" anchor="ctr" bIns="91425" lIns="91425" rIns="91425" tIns="91425">
+          <a:bodyPr lIns="91425" tIns="91425" rIns="91425" bIns="91425" anchor="ctr" anchorCtr="0">
             <a:noAutofit/>
           </a:bodyPr>
           <a:lstStyle/>
@@ -3729,9 +3904,6 @@
               </a:spcBef>
               <a:buNone/>
             </a:pPr>
-            <a:r>
-              <a:t/>
-            </a:r>
             <a:endParaRPr/>
           </a:p>
         </p:txBody>
@@ -3739,7 +3911,9 @@
       <p:sp>
         <p:nvSpPr>
           <p:cNvPr id="83" name="Shape 83"/>
-          <p:cNvSpPr txBox="1"/>
+          <p:cNvSpPr txBox="1">
+            <a:spLocks noGrp="1"/>
+          </p:cNvSpPr>
           <p:nvPr>
             <p:ph type="title"/>
           </p:nvPr>
@@ -3755,7 +3929,7 @@
           <a:noFill/>
         </p:spPr>
         <p:txBody>
-          <a:bodyPr anchorCtr="0" anchor="b" bIns="91425" lIns="91425" rIns="91425" tIns="91425"/>
+          <a:bodyPr lIns="91425" tIns="91425" rIns="91425" bIns="91425" anchor="b" anchorCtr="0"/>
           <a:lstStyle>
             <a:lvl1pPr lvl="0" algn="l">
               <a:lnSpc>
@@ -3772,7 +3946,7 @@
               </a:buClr>
               <a:buSzPct val="100000"/>
               <a:buNone/>
-              <a:defRPr b="1" sz="3600">
+              <a:defRPr sz="3600" b="1">
                 <a:solidFill>
                   <a:schemeClr val="lt1"/>
                 </a:solidFill>
@@ -3793,7 +3967,7 @@
               </a:buClr>
               <a:buSzPct val="100000"/>
               <a:buNone/>
-              <a:defRPr b="1" sz="3600">
+              <a:defRPr sz="3600" b="1">
                 <a:solidFill>
                   <a:schemeClr val="lt1"/>
                 </a:solidFill>
@@ -3814,7 +3988,7 @@
               </a:buClr>
               <a:buSzPct val="100000"/>
               <a:buNone/>
-              <a:defRPr b="1" sz="3600">
+              <a:defRPr sz="3600" b="1">
                 <a:solidFill>
                   <a:schemeClr val="lt1"/>
                 </a:solidFill>
@@ -3835,7 +4009,7 @@
               </a:buClr>
               <a:buSzPct val="100000"/>
               <a:buNone/>
-              <a:defRPr b="1" sz="3600">
+              <a:defRPr sz="3600" b="1">
                 <a:solidFill>
                   <a:schemeClr val="lt1"/>
                 </a:solidFill>
@@ -3856,7 +4030,7 @@
               </a:buClr>
               <a:buSzPct val="100000"/>
               <a:buNone/>
-              <a:defRPr b="1" sz="3600">
+              <a:defRPr sz="3600" b="1">
                 <a:solidFill>
                   <a:schemeClr val="lt1"/>
                 </a:solidFill>
@@ -3877,7 +4051,7 @@
               </a:buClr>
               <a:buSzPct val="100000"/>
               <a:buNone/>
-              <a:defRPr b="1" sz="3600">
+              <a:defRPr sz="3600" b="1">
                 <a:solidFill>
                   <a:schemeClr val="lt1"/>
                 </a:solidFill>
@@ -3898,7 +4072,7 @@
               </a:buClr>
               <a:buSzPct val="100000"/>
               <a:buNone/>
-              <a:defRPr b="1" sz="3600">
+              <a:defRPr sz="3600" b="1">
                 <a:solidFill>
                   <a:schemeClr val="lt1"/>
                 </a:solidFill>
@@ -3919,7 +4093,7 @@
               </a:buClr>
               <a:buSzPct val="100000"/>
               <a:buNone/>
-              <a:defRPr b="1" sz="3600">
+              <a:defRPr sz="3600" b="1">
                 <a:solidFill>
                   <a:schemeClr val="lt1"/>
                 </a:solidFill>
@@ -3940,22 +4114,26 @@
               </a:buClr>
               <a:buSzPct val="100000"/>
               <a:buNone/>
-              <a:defRPr b="1" sz="3600">
+              <a:defRPr sz="3600" b="1">
                 <a:solidFill>
                   <a:schemeClr val="lt1"/>
                 </a:solidFill>
               </a:defRPr>
             </a:lvl9pPr>
           </a:lstStyle>
-          <a:p/>
+          <a:p>
+            <a:endParaRPr/>
+          </a:p>
         </p:txBody>
       </p:sp>
       <p:sp>
         <p:nvSpPr>
           <p:cNvPr id="84" name="Shape 84"/>
-          <p:cNvSpPr txBox="1"/>
+          <p:cNvSpPr txBox="1">
+            <a:spLocks noGrp="1"/>
+          </p:cNvSpPr>
           <p:nvPr>
-            <p:ph idx="1" type="body"/>
+            <p:ph type="body" idx="1"/>
           </p:nvPr>
         </p:nvSpPr>
         <p:spPr>
@@ -3969,7 +4147,7 @@
           <a:noFill/>
         </p:spPr>
         <p:txBody>
-          <a:bodyPr anchorCtr="0" anchor="t" bIns="91425" lIns="91425" rIns="91425" tIns="91425"/>
+          <a:bodyPr lIns="91425" tIns="91425" rIns="91425" bIns="91425" anchor="t" anchorCtr="0"/>
           <a:lstStyle>
             <a:lvl1pPr lvl="0" algn="l">
               <a:lnSpc>
@@ -4144,15 +4322,19 @@
               </a:defRPr>
             </a:lvl9pPr>
           </a:lstStyle>
-          <a:p/>
+          <a:p>
+            <a:endParaRPr/>
+          </a:p>
         </p:txBody>
       </p:sp>
       <p:sp>
         <p:nvSpPr>
           <p:cNvPr id="85" name="Shape 85"/>
-          <p:cNvSpPr txBox="1"/>
+          <p:cNvSpPr txBox="1">
+            <a:spLocks noGrp="1"/>
+          </p:cNvSpPr>
           <p:nvPr>
-            <p:ph idx="12" type="sldNum"/>
+            <p:ph type="sldNum" idx="12"/>
           </p:nvPr>
         </p:nvSpPr>
         <p:spPr>
@@ -4166,7 +4348,7 @@
           <a:noFill/>
         </p:spPr>
         <p:txBody>
-          <a:bodyPr anchorCtr="0" anchor="ctr" bIns="91425" lIns="91425" rIns="91425" tIns="91425">
+          <a:bodyPr lIns="91425" tIns="91425" rIns="91425" bIns="91425" anchor="ctr" anchorCtr="0">
             <a:noAutofit/>
           </a:bodyPr>
           <a:lstStyle/>
@@ -4189,8 +4371,25 @@
                   <a:schemeClr val="dk2"/>
                 </a:solidFill>
               </a:rPr>
+              <a:pPr lvl="0" algn="r">
+                <a:lnSpc>
+                  <a:spcPct val="100000"/>
+                </a:lnSpc>
+                <a:spcBef>
+                  <a:spcPts val="0"/>
+                </a:spcBef>
+                <a:spcAft>
+                  <a:spcPts val="0"/>
+                </a:spcAft>
+                <a:buNone/>
+              </a:pPr>
               <a:t>‹#›</a:t>
             </a:fld>
+            <a:endParaRPr lang="en" sz="1000">
+              <a:solidFill>
+                <a:schemeClr val="dk2"/>
+              </a:solidFill>
+            </a:endParaRPr>
           </a:p>
         </p:txBody>
       </p:sp>
@@ -4203,18 +4402,19 @@
 </file>
 
 <file path=ppt/slideLayouts/slideLayout15.xml><?xml version="1.0" encoding="utf-8"?>
-<p:sldLayout xmlns:a="http://schemas.openxmlformats.org/drawingml/2006/main" xmlns:r="http://schemas.openxmlformats.org/officeDocument/2006/relationships" xmlns:mc="http://schemas.openxmlformats.org/markup-compatibility/2006" xmlns:mv="urn:schemas-microsoft-com:mac:vml" xmlns:p="http://schemas.openxmlformats.org/presentationml/2006/main" xmlns:c="http://schemas.openxmlformats.org/drawingml/2006/chart" xmlns:dgm="http://schemas.openxmlformats.org/drawingml/2006/diagram" xmlns:o="urn:schemas-microsoft-com:office:office" xmlns:v="urn:schemas-microsoft-com:vml" xmlns:pvml="urn:schemas-microsoft-com:office:powerpoint" xmlns:com="http://schemas.openxmlformats.org/drawingml/2006/compatibility" xmlns:p14="http://schemas.microsoft.com/office/powerpoint/2010/main">
+<p:sldLayout xmlns:a="http://schemas.openxmlformats.org/drawingml/2006/main" xmlns:r="http://schemas.openxmlformats.org/officeDocument/2006/relationships" xmlns:p="http://schemas.openxmlformats.org/presentationml/2006/main">
   <p:cSld name="Custom layout 6">
     <p:bg>
       <p:bgPr>
         <a:solidFill>
           <a:srgbClr val="FFFFFF"/>
         </a:solidFill>
+        <a:effectLst/>
       </p:bgPr>
     </p:bg>
     <p:spTree>
       <p:nvGrpSpPr>
-        <p:cNvPr id="86" name="Shape 86"/>
+        <p:cNvPr id="1" name="Shape 86"/>
         <p:cNvGrpSpPr/>
         <p:nvPr/>
       </p:nvGrpSpPr>
@@ -4248,7 +4448,7 @@
           </a:ln>
         </p:spPr>
         <p:txBody>
-          <a:bodyPr anchorCtr="0" anchor="ctr" bIns="91425" lIns="91425" rIns="91425" tIns="91425">
+          <a:bodyPr lIns="91425" tIns="91425" rIns="91425" bIns="91425" anchor="ctr" anchorCtr="0">
             <a:noAutofit/>
           </a:bodyPr>
           <a:lstStyle/>
@@ -4259,9 +4459,6 @@
               </a:spcBef>
               <a:buNone/>
             </a:pPr>
-            <a:r>
-              <a:t/>
-            </a:r>
             <a:endParaRPr/>
           </a:p>
         </p:txBody>
@@ -4288,7 +4485,7 @@
           </a:ln>
         </p:spPr>
         <p:txBody>
-          <a:bodyPr anchorCtr="0" anchor="ctr" bIns="91425" lIns="91425" rIns="91425" tIns="91425">
+          <a:bodyPr lIns="91425" tIns="91425" rIns="91425" bIns="91425" anchor="ctr" anchorCtr="0">
             <a:noAutofit/>
           </a:bodyPr>
           <a:lstStyle/>
@@ -4299,9 +4496,6 @@
               </a:spcBef>
               <a:buNone/>
             </a:pPr>
-            <a:r>
-              <a:t/>
-            </a:r>
             <a:endParaRPr/>
           </a:p>
         </p:txBody>
@@ -4309,7 +4503,9 @@
       <p:sp>
         <p:nvSpPr>
           <p:cNvPr id="89" name="Shape 89"/>
-          <p:cNvSpPr txBox="1"/>
+          <p:cNvSpPr txBox="1">
+            <a:spLocks noGrp="1"/>
+          </p:cNvSpPr>
           <p:nvPr>
             <p:ph type="title"/>
           </p:nvPr>
@@ -4325,7 +4521,7 @@
           <a:noFill/>
         </p:spPr>
         <p:txBody>
-          <a:bodyPr anchorCtr="0" anchor="b" bIns="91425" lIns="91425" rIns="91425" tIns="91425"/>
+          <a:bodyPr lIns="91425" tIns="91425" rIns="91425" bIns="91425" anchor="b" anchorCtr="0"/>
           <a:lstStyle>
             <a:lvl1pPr lvl="0" algn="l">
               <a:lnSpc>
@@ -4342,7 +4538,7 @@
               </a:buClr>
               <a:buSzPct val="100000"/>
               <a:buNone/>
-              <a:defRPr b="1" sz="3600">
+              <a:defRPr sz="3600" b="1">
                 <a:solidFill>
                   <a:schemeClr val="lt1"/>
                 </a:solidFill>
@@ -4363,7 +4559,7 @@
               </a:buClr>
               <a:buSzPct val="100000"/>
               <a:buNone/>
-              <a:defRPr b="1" sz="3600">
+              <a:defRPr sz="3600" b="1">
                 <a:solidFill>
                   <a:schemeClr val="lt1"/>
                 </a:solidFill>
@@ -4384,7 +4580,7 @@
               </a:buClr>
               <a:buSzPct val="100000"/>
               <a:buNone/>
-              <a:defRPr b="1" sz="3600">
+              <a:defRPr sz="3600" b="1">
                 <a:solidFill>
                   <a:schemeClr val="lt1"/>
                 </a:solidFill>
@@ -4405,7 +4601,7 @@
               </a:buClr>
               <a:buSzPct val="100000"/>
               <a:buNone/>
-              <a:defRPr b="1" sz="3600">
+              <a:defRPr sz="3600" b="1">
                 <a:solidFill>
                   <a:schemeClr val="lt1"/>
                 </a:solidFill>
@@ -4426,7 +4622,7 @@
               </a:buClr>
               <a:buSzPct val="100000"/>
               <a:buNone/>
-              <a:defRPr b="1" sz="3600">
+              <a:defRPr sz="3600" b="1">
                 <a:solidFill>
                   <a:schemeClr val="lt1"/>
                 </a:solidFill>
@@ -4447,7 +4643,7 @@
               </a:buClr>
               <a:buSzPct val="100000"/>
               <a:buNone/>
-              <a:defRPr b="1" sz="3600">
+              <a:defRPr sz="3600" b="1">
                 <a:solidFill>
                   <a:schemeClr val="lt1"/>
                 </a:solidFill>
@@ -4468,7 +4664,7 @@
               </a:buClr>
               <a:buSzPct val="100000"/>
               <a:buNone/>
-              <a:defRPr b="1" sz="3600">
+              <a:defRPr sz="3600" b="1">
                 <a:solidFill>
                   <a:schemeClr val="lt1"/>
                 </a:solidFill>
@@ -4489,7 +4685,7 @@
               </a:buClr>
               <a:buSzPct val="100000"/>
               <a:buNone/>
-              <a:defRPr b="1" sz="3600">
+              <a:defRPr sz="3600" b="1">
                 <a:solidFill>
                   <a:schemeClr val="lt1"/>
                 </a:solidFill>
@@ -4510,22 +4706,26 @@
               </a:buClr>
               <a:buSzPct val="100000"/>
               <a:buNone/>
-              <a:defRPr b="1" sz="3600">
+              <a:defRPr sz="3600" b="1">
                 <a:solidFill>
                   <a:schemeClr val="lt1"/>
                 </a:solidFill>
               </a:defRPr>
             </a:lvl9pPr>
           </a:lstStyle>
-          <a:p/>
+          <a:p>
+            <a:endParaRPr/>
+          </a:p>
         </p:txBody>
       </p:sp>
       <p:sp>
         <p:nvSpPr>
           <p:cNvPr id="90" name="Shape 90"/>
-          <p:cNvSpPr txBox="1"/>
+          <p:cNvSpPr txBox="1">
+            <a:spLocks noGrp="1"/>
+          </p:cNvSpPr>
           <p:nvPr>
-            <p:ph idx="1" type="body"/>
+            <p:ph type="body" idx="1"/>
           </p:nvPr>
         </p:nvSpPr>
         <p:spPr>
@@ -4539,7 +4739,7 @@
           <a:noFill/>
         </p:spPr>
         <p:txBody>
-          <a:bodyPr anchorCtr="0" anchor="t" bIns="91425" lIns="91425" rIns="91425" tIns="91425"/>
+          <a:bodyPr lIns="91425" tIns="91425" rIns="91425" bIns="91425" anchor="t" anchorCtr="0"/>
           <a:lstStyle>
             <a:lvl1pPr lvl="0" algn="l">
               <a:lnSpc>
@@ -4714,15 +4914,19 @@
               </a:defRPr>
             </a:lvl9pPr>
           </a:lstStyle>
-          <a:p/>
+          <a:p>
+            <a:endParaRPr/>
+          </a:p>
         </p:txBody>
       </p:sp>
       <p:sp>
         <p:nvSpPr>
           <p:cNvPr id="91" name="Shape 91"/>
-          <p:cNvSpPr txBox="1"/>
+          <p:cNvSpPr txBox="1">
+            <a:spLocks noGrp="1"/>
+          </p:cNvSpPr>
           <p:nvPr>
-            <p:ph idx="12" type="sldNum"/>
+            <p:ph type="sldNum" idx="12"/>
           </p:nvPr>
         </p:nvSpPr>
         <p:spPr>
@@ -4736,7 +4940,7 @@
           <a:noFill/>
         </p:spPr>
         <p:txBody>
-          <a:bodyPr anchorCtr="0" anchor="ctr" bIns="91425" lIns="91425" rIns="91425" tIns="91425">
+          <a:bodyPr lIns="91425" tIns="91425" rIns="91425" bIns="91425" anchor="ctr" anchorCtr="0">
             <a:noAutofit/>
           </a:bodyPr>
           <a:lstStyle/>
@@ -4759,8 +4963,25 @@
                   <a:schemeClr val="dk2"/>
                 </a:solidFill>
               </a:rPr>
+              <a:pPr lvl="0" algn="r">
+                <a:lnSpc>
+                  <a:spcPct val="100000"/>
+                </a:lnSpc>
+                <a:spcBef>
+                  <a:spcPts val="0"/>
+                </a:spcBef>
+                <a:spcAft>
+                  <a:spcPts val="0"/>
+                </a:spcAft>
+                <a:buNone/>
+              </a:pPr>
               <a:t>‹#›</a:t>
             </a:fld>
+            <a:endParaRPr lang="en" sz="1000">
+              <a:solidFill>
+                <a:schemeClr val="dk2"/>
+              </a:solidFill>
+            </a:endParaRPr>
           </a:p>
         </p:txBody>
       </p:sp>
@@ -4773,18 +4994,19 @@
 </file>
 
 <file path=ppt/slideLayouts/slideLayout16.xml><?xml version="1.0" encoding="utf-8"?>
-<p:sldLayout xmlns:a="http://schemas.openxmlformats.org/drawingml/2006/main" xmlns:r="http://schemas.openxmlformats.org/officeDocument/2006/relationships" xmlns:mc="http://schemas.openxmlformats.org/markup-compatibility/2006" xmlns:mv="urn:schemas-microsoft-com:mac:vml" xmlns:p="http://schemas.openxmlformats.org/presentationml/2006/main" xmlns:c="http://schemas.openxmlformats.org/drawingml/2006/chart" xmlns:dgm="http://schemas.openxmlformats.org/drawingml/2006/diagram" xmlns:o="urn:schemas-microsoft-com:office:office" xmlns:v="urn:schemas-microsoft-com:vml" xmlns:pvml="urn:schemas-microsoft-com:office:powerpoint" xmlns:com="http://schemas.openxmlformats.org/drawingml/2006/compatibility" xmlns:p14="http://schemas.microsoft.com/office/powerpoint/2010/main">
+<p:sldLayout xmlns:a="http://schemas.openxmlformats.org/drawingml/2006/main" xmlns:r="http://schemas.openxmlformats.org/officeDocument/2006/relationships" xmlns:p="http://schemas.openxmlformats.org/presentationml/2006/main">
   <p:cSld name="Custom layout">
     <p:bg>
       <p:bgPr>
         <a:solidFill>
           <a:srgbClr val="FFFFFF"/>
         </a:solidFill>
+        <a:effectLst/>
       </p:bgPr>
     </p:bg>
     <p:spTree>
       <p:nvGrpSpPr>
-        <p:cNvPr id="92" name="Shape 92"/>
+        <p:cNvPr id="1" name="Shape 92"/>
         <p:cNvGrpSpPr/>
         <p:nvPr/>
       </p:nvGrpSpPr>
@@ -4818,7 +5040,7 @@
           </a:ln>
         </p:spPr>
         <p:txBody>
-          <a:bodyPr anchorCtr="0" anchor="ctr" bIns="91425" lIns="91425" rIns="91425" tIns="91425">
+          <a:bodyPr lIns="91425" tIns="91425" rIns="91425" bIns="91425" anchor="ctr" anchorCtr="0">
             <a:noAutofit/>
           </a:bodyPr>
           <a:lstStyle/>
@@ -4829,9 +5051,6 @@
               </a:spcBef>
               <a:buNone/>
             </a:pPr>
-            <a:r>
-              <a:t/>
-            </a:r>
             <a:endParaRPr/>
           </a:p>
         </p:txBody>
@@ -4872,7 +5091,7 @@
             </a:ln>
           </p:spPr>
           <p:txBody>
-            <a:bodyPr anchorCtr="0" anchor="ctr" bIns="91425" lIns="91425" rIns="91425" tIns="91425">
+            <a:bodyPr lIns="91425" tIns="91425" rIns="91425" bIns="91425" anchor="ctr" anchorCtr="0">
               <a:noAutofit/>
             </a:bodyPr>
             <a:lstStyle/>
@@ -4883,9 +5102,6 @@
                 </a:spcBef>
                 <a:buNone/>
               </a:pPr>
-              <a:r>
-                <a:t/>
-              </a:r>
               <a:endParaRPr/>
             </a:p>
           </p:txBody>
@@ -4912,7 +5128,7 @@
             </a:ln>
           </p:spPr>
           <p:txBody>
-            <a:bodyPr anchorCtr="0" anchor="ctr" bIns="91425" lIns="91425" rIns="91425" tIns="91425">
+            <a:bodyPr lIns="91425" tIns="91425" rIns="91425" bIns="91425" anchor="ctr" anchorCtr="0">
               <a:noAutofit/>
             </a:bodyPr>
             <a:lstStyle/>
@@ -4923,9 +5139,6 @@
                 </a:spcBef>
                 <a:buNone/>
               </a:pPr>
-              <a:r>
-                <a:t/>
-              </a:r>
               <a:endParaRPr/>
             </a:p>
           </p:txBody>
@@ -4937,7 +5150,7 @@
             <p:nvPr/>
           </p:nvSpPr>
           <p:spPr>
-            <a:xfrm flipH="1" rot="5400000">
+            <a:xfrm rot="5400000" flipH="1">
               <a:off x="1689952" y="4547698"/>
               <a:ext cx="429600" cy="762000"/>
             </a:xfrm>
@@ -4952,7 +5165,7 @@
             </a:ln>
           </p:spPr>
           <p:txBody>
-            <a:bodyPr anchorCtr="0" anchor="ctr" bIns="91425" lIns="91425" rIns="91425" tIns="91425">
+            <a:bodyPr lIns="91425" tIns="91425" rIns="91425" bIns="91425" anchor="ctr" anchorCtr="0">
               <a:noAutofit/>
             </a:bodyPr>
             <a:lstStyle/>
@@ -4963,9 +5176,6 @@
                 </a:spcBef>
                 <a:buNone/>
               </a:pPr>
-              <a:r>
-                <a:t/>
-              </a:r>
               <a:endParaRPr/>
             </a:p>
           </p:txBody>
@@ -4977,7 +5187,7 @@
             <p:nvPr/>
           </p:nvSpPr>
           <p:spPr>
-            <a:xfrm flipH="1" rot="5400000">
+            <a:xfrm rot="5400000" flipH="1">
               <a:off x="166127" y="4547698"/>
               <a:ext cx="429600" cy="762000"/>
             </a:xfrm>
@@ -4992,7 +5202,7 @@
             </a:ln>
           </p:spPr>
           <p:txBody>
-            <a:bodyPr anchorCtr="0" anchor="ctr" bIns="91425" lIns="91425" rIns="91425" tIns="91425">
+            <a:bodyPr lIns="91425" tIns="91425" rIns="91425" bIns="91425" anchor="ctr" anchorCtr="0">
               <a:noAutofit/>
             </a:bodyPr>
             <a:lstStyle/>
@@ -5003,9 +5213,6 @@
                 </a:spcBef>
                 <a:buNone/>
               </a:pPr>
-              <a:r>
-                <a:t/>
-              </a:r>
               <a:endParaRPr/>
             </a:p>
           </p:txBody>
@@ -5033,7 +5240,7 @@
           </a:ln>
         </p:spPr>
         <p:txBody>
-          <a:bodyPr anchorCtr="0" anchor="ctr" bIns="91425" lIns="91425" rIns="91425" tIns="91425">
+          <a:bodyPr lIns="91425" tIns="91425" rIns="91425" bIns="91425" anchor="ctr" anchorCtr="0">
             <a:noAutofit/>
           </a:bodyPr>
           <a:lstStyle/>
@@ -5044,9 +5251,6 @@
               </a:spcBef>
               <a:buNone/>
             </a:pPr>
-            <a:r>
-              <a:t/>
-            </a:r>
             <a:endParaRPr/>
           </a:p>
         </p:txBody>
@@ -5054,7 +5258,9 @@
       <p:sp>
         <p:nvSpPr>
           <p:cNvPr id="100" name="Shape 100"/>
-          <p:cNvSpPr txBox="1"/>
+          <p:cNvSpPr txBox="1">
+            <a:spLocks noGrp="1"/>
+          </p:cNvSpPr>
           <p:nvPr>
             <p:ph type="title"/>
           </p:nvPr>
@@ -5070,7 +5276,7 @@
           <a:noFill/>
         </p:spPr>
         <p:txBody>
-          <a:bodyPr anchorCtr="0" anchor="t" bIns="91425" lIns="91425" rIns="91425" tIns="91425"/>
+          <a:bodyPr lIns="91425" tIns="91425" rIns="91425" bIns="91425" anchor="t" anchorCtr="0"/>
           <a:lstStyle>
             <a:lvl1pPr lvl="0" algn="l">
               <a:lnSpc>
@@ -5083,7 +5289,7 @@
                 <a:spcPts val="0"/>
               </a:spcAft>
               <a:buNone/>
-              <a:defRPr b="1" sz="3000">
+              <a:defRPr sz="3000" b="1">
                 <a:solidFill>
                   <a:srgbClr val="212121"/>
                 </a:solidFill>
@@ -5100,7 +5306,7 @@
                 <a:spcPts val="0"/>
               </a:spcAft>
               <a:buNone/>
-              <a:defRPr b="1" sz="3000">
+              <a:defRPr sz="3000" b="1">
                 <a:solidFill>
                   <a:srgbClr val="212121"/>
                 </a:solidFill>
@@ -5117,7 +5323,7 @@
                 <a:spcPts val="0"/>
               </a:spcAft>
               <a:buNone/>
-              <a:defRPr b="1" sz="3000">
+              <a:defRPr sz="3000" b="1">
                 <a:solidFill>
                   <a:srgbClr val="212121"/>
                 </a:solidFill>
@@ -5134,7 +5340,7 @@
                 <a:spcPts val="0"/>
               </a:spcAft>
               <a:buNone/>
-              <a:defRPr b="1" sz="3000">
+              <a:defRPr sz="3000" b="1">
                 <a:solidFill>
                   <a:srgbClr val="212121"/>
                 </a:solidFill>
@@ -5151,7 +5357,7 @@
                 <a:spcPts val="0"/>
               </a:spcAft>
               <a:buNone/>
-              <a:defRPr b="1" sz="3000">
+              <a:defRPr sz="3000" b="1">
                 <a:solidFill>
                   <a:srgbClr val="212121"/>
                 </a:solidFill>
@@ -5168,7 +5374,7 @@
                 <a:spcPts val="0"/>
               </a:spcAft>
               <a:buNone/>
-              <a:defRPr b="1" sz="3000">
+              <a:defRPr sz="3000" b="1">
                 <a:solidFill>
                   <a:srgbClr val="212121"/>
                 </a:solidFill>
@@ -5185,7 +5391,7 @@
                 <a:spcPts val="0"/>
               </a:spcAft>
               <a:buNone/>
-              <a:defRPr b="1" sz="3000">
+              <a:defRPr sz="3000" b="1">
                 <a:solidFill>
                   <a:srgbClr val="212121"/>
                 </a:solidFill>
@@ -5202,7 +5408,7 @@
                 <a:spcPts val="0"/>
               </a:spcAft>
               <a:buNone/>
-              <a:defRPr b="1" sz="3000">
+              <a:defRPr sz="3000" b="1">
                 <a:solidFill>
                   <a:srgbClr val="212121"/>
                 </a:solidFill>
@@ -5219,22 +5425,26 @@
                 <a:spcPts val="0"/>
               </a:spcAft>
               <a:buNone/>
-              <a:defRPr b="1" sz="3000">
+              <a:defRPr sz="3000" b="1">
                 <a:solidFill>
                   <a:srgbClr val="212121"/>
                 </a:solidFill>
               </a:defRPr>
             </a:lvl9pPr>
           </a:lstStyle>
-          <a:p/>
+          <a:p>
+            <a:endParaRPr/>
+          </a:p>
         </p:txBody>
       </p:sp>
       <p:sp>
         <p:nvSpPr>
           <p:cNvPr id="101" name="Shape 101"/>
-          <p:cNvSpPr txBox="1"/>
+          <p:cNvSpPr txBox="1">
+            <a:spLocks noGrp="1"/>
+          </p:cNvSpPr>
           <p:nvPr>
-            <p:ph idx="12" type="sldNum"/>
+            <p:ph type="sldNum" idx="12"/>
           </p:nvPr>
         </p:nvSpPr>
         <p:spPr>
@@ -5248,7 +5458,7 @@
           <a:noFill/>
         </p:spPr>
         <p:txBody>
-          <a:bodyPr anchorCtr="0" anchor="ctr" bIns="91425" lIns="91425" rIns="91425" tIns="91425">
+          <a:bodyPr lIns="91425" tIns="91425" rIns="91425" bIns="91425" anchor="ctr" anchorCtr="0">
             <a:noAutofit/>
           </a:bodyPr>
           <a:lstStyle/>
@@ -5271,8 +5481,25 @@
                   <a:schemeClr val="dk2"/>
                 </a:solidFill>
               </a:rPr>
+              <a:pPr lvl="0" algn="r">
+                <a:lnSpc>
+                  <a:spcPct val="100000"/>
+                </a:lnSpc>
+                <a:spcBef>
+                  <a:spcPts val="0"/>
+                </a:spcBef>
+                <a:spcAft>
+                  <a:spcPts val="0"/>
+                </a:spcAft>
+                <a:buNone/>
+              </a:pPr>
               <a:t>‹#›</a:t>
             </a:fld>
+            <a:endParaRPr lang="en" sz="1000">
+              <a:solidFill>
+                <a:schemeClr val="dk2"/>
+              </a:solidFill>
+            </a:endParaRPr>
           </a:p>
         </p:txBody>
       </p:sp>
@@ -5285,18 +5512,19 @@
 </file>
 
 <file path=ppt/slideLayouts/slideLayout17.xml><?xml version="1.0" encoding="utf-8"?>
-<p:sldLayout xmlns:a="http://schemas.openxmlformats.org/drawingml/2006/main" xmlns:r="http://schemas.openxmlformats.org/officeDocument/2006/relationships" xmlns:mc="http://schemas.openxmlformats.org/markup-compatibility/2006" xmlns:mv="urn:schemas-microsoft-com:mac:vml" xmlns:p="http://schemas.openxmlformats.org/presentationml/2006/main" xmlns:c="http://schemas.openxmlformats.org/drawingml/2006/chart" xmlns:dgm="http://schemas.openxmlformats.org/drawingml/2006/diagram" xmlns:o="urn:schemas-microsoft-com:office:office" xmlns:v="urn:schemas-microsoft-com:vml" xmlns:pvml="urn:schemas-microsoft-com:office:powerpoint" xmlns:com="http://schemas.openxmlformats.org/drawingml/2006/compatibility" xmlns:p14="http://schemas.microsoft.com/office/powerpoint/2010/main">
+<p:sldLayout xmlns:a="http://schemas.openxmlformats.org/drawingml/2006/main" xmlns:r="http://schemas.openxmlformats.org/officeDocument/2006/relationships" xmlns:p="http://schemas.openxmlformats.org/presentationml/2006/main">
   <p:cSld name="Custom layout 2">
     <p:bg>
       <p:bgPr>
         <a:solidFill>
           <a:srgbClr val="FFFFFF"/>
         </a:solidFill>
+        <a:effectLst/>
       </p:bgPr>
     </p:bg>
     <p:spTree>
       <p:nvGrpSpPr>
-        <p:cNvPr id="102" name="Shape 102"/>
+        <p:cNvPr id="1" name="Shape 102"/>
         <p:cNvGrpSpPr/>
         <p:nvPr/>
       </p:nvGrpSpPr>
@@ -5330,7 +5558,7 @@
           </a:ln>
         </p:spPr>
         <p:txBody>
-          <a:bodyPr anchorCtr="0" anchor="ctr" bIns="91425" lIns="91425" rIns="91425" tIns="91425">
+          <a:bodyPr lIns="91425" tIns="91425" rIns="91425" bIns="91425" anchor="ctr" anchorCtr="0">
             <a:noAutofit/>
           </a:bodyPr>
           <a:lstStyle/>
@@ -5341,9 +5569,6 @@
               </a:spcBef>
               <a:buNone/>
             </a:pPr>
-            <a:r>
-              <a:t/>
-            </a:r>
             <a:endParaRPr/>
           </a:p>
         </p:txBody>
@@ -5370,7 +5595,7 @@
           </a:ln>
         </p:spPr>
         <p:txBody>
-          <a:bodyPr anchorCtr="0" anchor="ctr" bIns="91425" lIns="91425" rIns="91425" tIns="91425">
+          <a:bodyPr lIns="91425" tIns="91425" rIns="91425" bIns="91425" anchor="ctr" anchorCtr="0">
             <a:noAutofit/>
           </a:bodyPr>
           <a:lstStyle/>
@@ -5381,9 +5606,6 @@
               </a:spcBef>
               <a:buNone/>
             </a:pPr>
-            <a:r>
-              <a:t/>
-            </a:r>
             <a:endParaRPr/>
           </a:p>
         </p:txBody>
@@ -5410,7 +5632,7 @@
           </a:ln>
         </p:spPr>
         <p:txBody>
-          <a:bodyPr anchorCtr="0" anchor="ctr" bIns="91425" lIns="91425" rIns="91425" tIns="91425">
+          <a:bodyPr lIns="91425" tIns="91425" rIns="91425" bIns="91425" anchor="ctr" anchorCtr="0">
             <a:noAutofit/>
           </a:bodyPr>
           <a:lstStyle/>
@@ -5421,9 +5643,6 @@
               </a:spcBef>
               <a:buNone/>
             </a:pPr>
-            <a:r>
-              <a:t/>
-            </a:r>
             <a:endParaRPr/>
           </a:p>
         </p:txBody>
@@ -5450,7 +5669,7 @@
           </a:ln>
         </p:spPr>
         <p:txBody>
-          <a:bodyPr anchorCtr="0" anchor="ctr" bIns="91425" lIns="91425" rIns="91425" tIns="91425">
+          <a:bodyPr lIns="91425" tIns="91425" rIns="91425" bIns="91425" anchor="ctr" anchorCtr="0">
             <a:noAutofit/>
           </a:bodyPr>
           <a:lstStyle/>
@@ -5461,9 +5680,6 @@
               </a:spcBef>
               <a:buNone/>
             </a:pPr>
-            <a:r>
-              <a:t/>
-            </a:r>
             <a:endParaRPr/>
           </a:p>
         </p:txBody>
@@ -5471,7 +5687,9 @@
       <p:sp>
         <p:nvSpPr>
           <p:cNvPr id="107" name="Shape 107"/>
-          <p:cNvSpPr txBox="1"/>
+          <p:cNvSpPr txBox="1">
+            <a:spLocks noGrp="1"/>
+          </p:cNvSpPr>
           <p:nvPr>
             <p:ph type="title"/>
           </p:nvPr>
@@ -5487,7 +5705,7 @@
           <a:noFill/>
         </p:spPr>
         <p:txBody>
-          <a:bodyPr anchorCtr="0" anchor="t" bIns="91425" lIns="91425" rIns="91425" tIns="91425"/>
+          <a:bodyPr lIns="91425" tIns="91425" rIns="91425" bIns="91425" anchor="t" anchorCtr="0"/>
           <a:lstStyle>
             <a:lvl1pPr lvl="0" algn="r">
               <a:lnSpc>
@@ -5679,134 +5897,19 @@
               </a:defRPr>
             </a:lvl9pPr>
           </a:lstStyle>
-          <a:p/>
-        </p:txBody>
-      </p:sp>
-      <p:sp>
-        <p:nvSpPr>
-          <p:cNvPr id="108" name="Shape 108"/>
-          <p:cNvSpPr txBox="1"/>
-          <p:nvPr>
-            <p:ph idx="12" type="sldNum"/>
-          </p:nvPr>
-        </p:nvSpPr>
-        <p:spPr>
-          <a:xfrm>
-            <a:off x="8472457" y="4663216"/>
-            <a:ext cx="548700" cy="393600"/>
-          </a:xfrm>
-          <a:prstGeom prst="rect">
-            <a:avLst/>
-          </a:prstGeom>
-          <a:noFill/>
-        </p:spPr>
-        <p:txBody>
-          <a:bodyPr anchorCtr="0" anchor="ctr" bIns="91425" lIns="91425" rIns="91425" tIns="91425">
-            <a:noAutofit/>
-          </a:bodyPr>
-          <a:lstStyle/>
           <a:p>
-            <a:pPr lvl="0" algn="r">
-              <a:lnSpc>
-                <a:spcPct val="100000"/>
-              </a:lnSpc>
-              <a:spcBef>
-                <a:spcPts val="0"/>
-              </a:spcBef>
-              <a:spcAft>
-                <a:spcPts val="0"/>
-              </a:spcAft>
-              <a:buNone/>
-            </a:pPr>
-            <a:fld id="{00000000-1234-1234-1234-123412341234}" type="slidenum">
-              <a:rPr lang="en" sz="1000">
-                <a:solidFill>
-                  <a:schemeClr val="dk2"/>
-                </a:solidFill>
-              </a:rPr>
-              <a:t>‹#›</a:t>
-            </a:fld>
-          </a:p>
-        </p:txBody>
-      </p:sp>
-    </p:spTree>
-  </p:cSld>
-  <p:clrMapOvr>
-    <a:masterClrMapping/>
-  </p:clrMapOvr>
-</p:sldLayout>
-</file>
-
-<file path=ppt/slideLayouts/slideLayout18.xml><?xml version="1.0" encoding="utf-8"?>
-<p:sldLayout xmlns:a="http://schemas.openxmlformats.org/drawingml/2006/main" xmlns:r="http://schemas.openxmlformats.org/officeDocument/2006/relationships" xmlns:mc="http://schemas.openxmlformats.org/markup-compatibility/2006" xmlns:mv="urn:schemas-microsoft-com:mac:vml" xmlns:p="http://schemas.openxmlformats.org/presentationml/2006/main" xmlns:c="http://schemas.openxmlformats.org/drawingml/2006/chart" xmlns:dgm="http://schemas.openxmlformats.org/drawingml/2006/diagram" xmlns:o="urn:schemas-microsoft-com:office:office" xmlns:v="urn:schemas-microsoft-com:vml" xmlns:pvml="urn:schemas-microsoft-com:office:powerpoint" xmlns:com="http://schemas.openxmlformats.org/drawingml/2006/compatibility" xmlns:p14="http://schemas.microsoft.com/office/powerpoint/2010/main">
-  <p:cSld name="Custom layout 7">
-    <p:bg>
-      <p:bgPr>
-        <a:solidFill>
-          <a:srgbClr val="FFFFFF"/>
-        </a:solidFill>
-      </p:bgPr>
-    </p:bg>
-    <p:spTree>
-      <p:nvGrpSpPr>
-        <p:cNvPr id="109" name="Shape 109"/>
-        <p:cNvGrpSpPr/>
-        <p:nvPr/>
-      </p:nvGrpSpPr>
-      <p:grpSpPr>
-        <a:xfrm>
-          <a:off x="0" y="0"/>
-          <a:ext cx="0" cy="0"/>
-          <a:chOff x="0" y="0"/>
-          <a:chExt cx="0" cy="0"/>
-        </a:xfrm>
-      </p:grpSpPr>
-      <p:sp>
-        <p:nvSpPr>
-          <p:cNvPr id="110" name="Shape 110"/>
-          <p:cNvSpPr/>
-          <p:nvPr/>
-        </p:nvSpPr>
-        <p:spPr>
-          <a:xfrm>
-            <a:off x="0" y="0"/>
-            <a:ext cx="9144000" cy="5143500"/>
-          </a:xfrm>
-          <a:prstGeom prst="rect">
-            <a:avLst/>
-          </a:prstGeom>
-          <a:solidFill>
-            <a:srgbClr val="FFFFFF"/>
-          </a:solidFill>
-          <a:ln>
-            <a:noFill/>
-          </a:ln>
-        </p:spPr>
-        <p:txBody>
-          <a:bodyPr anchorCtr="0" anchor="ctr" bIns="91425" lIns="91425" rIns="91425" tIns="91425">
-            <a:noAutofit/>
-          </a:bodyPr>
-          <a:lstStyle/>
-          <a:p>
-            <a:pPr lvl="0">
-              <a:spcBef>
-                <a:spcPts val="0"/>
-              </a:spcBef>
-              <a:buNone/>
-            </a:pPr>
-            <a:r>
-              <a:t/>
-            </a:r>
             <a:endParaRPr/>
           </a:p>
         </p:txBody>
       </p:sp>
       <p:sp>
         <p:nvSpPr>
-          <p:cNvPr id="111" name="Shape 111"/>
-          <p:cNvSpPr txBox="1"/>
+          <p:cNvPr id="108" name="Shape 108"/>
+          <p:cNvSpPr txBox="1">
+            <a:spLocks noGrp="1"/>
+          </p:cNvSpPr>
           <p:nvPr>
-            <p:ph idx="12" type="sldNum"/>
+            <p:ph type="sldNum" idx="12"/>
           </p:nvPr>
         </p:nvSpPr>
         <p:spPr>
@@ -5820,12 +5923,12 @@
           <a:noFill/>
         </p:spPr>
         <p:txBody>
-          <a:bodyPr anchorCtr="0" anchor="ctr" bIns="91425" lIns="91425" rIns="91425" tIns="91425">
+          <a:bodyPr lIns="91425" tIns="91425" rIns="91425" bIns="91425" anchor="ctr" anchorCtr="0">
             <a:noAutofit/>
           </a:bodyPr>
           <a:lstStyle/>
           <a:p>
-            <a:pPr lvl="0" rtl="0" algn="r">
+            <a:pPr lvl="0" algn="r">
               <a:lnSpc>
                 <a:spcPct val="100000"/>
               </a:lnSpc>
@@ -5843,8 +5946,25 @@
                   <a:schemeClr val="dk2"/>
                 </a:solidFill>
               </a:rPr>
+              <a:pPr lvl="0" algn="r">
+                <a:lnSpc>
+                  <a:spcPct val="100000"/>
+                </a:lnSpc>
+                <a:spcBef>
+                  <a:spcPts val="0"/>
+                </a:spcBef>
+                <a:spcAft>
+                  <a:spcPts val="0"/>
+                </a:spcAft>
+                <a:buNone/>
+              </a:pPr>
               <a:t>‹#›</a:t>
             </a:fld>
+            <a:endParaRPr lang="en" sz="1000">
+              <a:solidFill>
+                <a:schemeClr val="dk2"/>
+              </a:solidFill>
+            </a:endParaRPr>
           </a:p>
         </p:txBody>
       </p:sp>
@@ -5857,18 +5977,19 @@
 </file>
 
 <file path=ppt/slideLayouts/slideLayout2.xml><?xml version="1.0" encoding="utf-8"?>
-<p:sldLayout xmlns:a="http://schemas.openxmlformats.org/drawingml/2006/main" xmlns:r="http://schemas.openxmlformats.org/officeDocument/2006/relationships" xmlns:mc="http://schemas.openxmlformats.org/markup-compatibility/2006" xmlns:mv="urn:schemas-microsoft-com:mac:vml" xmlns:p="http://schemas.openxmlformats.org/presentationml/2006/main" xmlns:c="http://schemas.openxmlformats.org/drawingml/2006/chart" xmlns:dgm="http://schemas.openxmlformats.org/drawingml/2006/diagram" xmlns:o="urn:schemas-microsoft-com:office:office" xmlns:v="urn:schemas-microsoft-com:vml" xmlns:pvml="urn:schemas-microsoft-com:office:powerpoint" xmlns:com="http://schemas.openxmlformats.org/drawingml/2006/compatibility" xmlns:p14="http://schemas.microsoft.com/office/powerpoint/2010/main" type="secHead">
+<p:sldLayout xmlns:a="http://schemas.openxmlformats.org/drawingml/2006/main" xmlns:r="http://schemas.openxmlformats.org/officeDocument/2006/relationships" xmlns:p="http://schemas.openxmlformats.org/presentationml/2006/main" type="secHead">
   <p:cSld name="Section header">
     <p:bg>
       <p:bgPr>
         <a:solidFill>
           <a:schemeClr val="dk1"/>
         </a:solidFill>
+        <a:effectLst/>
       </p:bgPr>
     </p:bg>
     <p:spTree>
       <p:nvGrpSpPr>
-        <p:cNvPr id="16" name="Shape 16"/>
+        <p:cNvPr id="1" name="Shape 16"/>
         <p:cNvGrpSpPr/>
         <p:nvPr/>
       </p:nvGrpSpPr>
@@ -5895,14 +6016,14 @@
             <a:avLst/>
           </a:prstGeom>
           <a:noFill/>
-          <a:ln cap="flat" cmpd="sng" w="38100">
+          <a:ln w="38100" cap="flat" cmpd="sng">
             <a:solidFill>
               <a:schemeClr val="lt1"/>
             </a:solidFill>
             <a:prstDash val="solid"/>
             <a:round/>
-            <a:headEnd len="med" w="med" type="none"/>
-            <a:tailEnd len="med" w="med" type="none"/>
+            <a:headEnd type="none" w="med" len="med"/>
+            <a:tailEnd type="none" w="med" len="med"/>
           </a:ln>
         </p:spPr>
       </p:cxnSp>
@@ -5921,21 +6042,23 @@
             <a:avLst/>
           </a:prstGeom>
           <a:noFill/>
-          <a:ln cap="flat" cmpd="sng" w="19050">
+          <a:ln w="19050" cap="flat" cmpd="sng">
             <a:solidFill>
               <a:schemeClr val="lt1"/>
             </a:solidFill>
             <a:prstDash val="solid"/>
             <a:round/>
-            <a:headEnd len="med" w="med" type="none"/>
-            <a:tailEnd len="med" w="med" type="none"/>
+            <a:headEnd type="none" w="med" len="med"/>
+            <a:tailEnd type="none" w="med" len="med"/>
           </a:ln>
         </p:spPr>
       </p:cxnSp>
       <p:sp>
         <p:nvSpPr>
           <p:cNvPr id="19" name="Shape 19"/>
-          <p:cNvSpPr txBox="1"/>
+          <p:cNvSpPr txBox="1">
+            <a:spLocks noGrp="1"/>
+          </p:cNvSpPr>
           <p:nvPr>
             <p:ph type="title"/>
           </p:nvPr>
@@ -5950,7 +6073,7 @@
           </a:prstGeom>
         </p:spPr>
         <p:txBody>
-          <a:bodyPr anchorCtr="0" anchor="ctr" bIns="91425" lIns="91425" rIns="91425" tIns="91425"/>
+          <a:bodyPr lIns="91425" tIns="91425" rIns="91425" bIns="91425" anchor="ctr" anchorCtr="0"/>
           <a:lstStyle>
             <a:lvl1pPr lvl="0" algn="ctr">
               <a:spcBef>
@@ -6079,15 +6202,19 @@
               </a:defRPr>
             </a:lvl9pPr>
           </a:lstStyle>
-          <a:p/>
+          <a:p>
+            <a:endParaRPr/>
+          </a:p>
         </p:txBody>
       </p:sp>
       <p:sp>
         <p:nvSpPr>
           <p:cNvPr id="20" name="Shape 20"/>
-          <p:cNvSpPr txBox="1"/>
+          <p:cNvSpPr txBox="1">
+            <a:spLocks noGrp="1"/>
+          </p:cNvSpPr>
           <p:nvPr>
-            <p:ph idx="12" type="sldNum"/>
+            <p:ph type="sldNum" idx="12"/>
           </p:nvPr>
         </p:nvSpPr>
         <p:spPr>
@@ -6100,7 +6227,7 @@
           </a:prstGeom>
         </p:spPr>
         <p:txBody>
-          <a:bodyPr anchorCtr="0" anchor="ctr" bIns="91425" lIns="91425" rIns="91425" tIns="91425">
+          <a:bodyPr lIns="91425" tIns="91425" rIns="91425" bIns="91425" anchor="ctr" anchorCtr="0">
             <a:noAutofit/>
           </a:bodyPr>
           <a:lstStyle/>
@@ -6117,8 +6244,19 @@
                   <a:schemeClr val="lt1"/>
                 </a:solidFill>
               </a:rPr>
+              <a:pPr lvl="0">
+                <a:spcBef>
+                  <a:spcPts val="0"/>
+                </a:spcBef>
+                <a:buNone/>
+              </a:pPr>
               <a:t>‹#›</a:t>
             </a:fld>
+            <a:endParaRPr lang="en">
+              <a:solidFill>
+                <a:schemeClr val="lt1"/>
+              </a:solidFill>
+            </a:endParaRPr>
           </a:p>
         </p:txBody>
       </p:sp>
@@ -6131,11 +6269,11 @@
 </file>
 
 <file path=ppt/slideLayouts/slideLayout3.xml><?xml version="1.0" encoding="utf-8"?>
-<p:sldLayout xmlns:a="http://schemas.openxmlformats.org/drawingml/2006/main" xmlns:r="http://schemas.openxmlformats.org/officeDocument/2006/relationships" xmlns:mc="http://schemas.openxmlformats.org/markup-compatibility/2006" xmlns:mv="urn:schemas-microsoft-com:mac:vml" xmlns:p="http://schemas.openxmlformats.org/presentationml/2006/main" xmlns:c="http://schemas.openxmlformats.org/drawingml/2006/chart" xmlns:dgm="http://schemas.openxmlformats.org/drawingml/2006/diagram" xmlns:o="urn:schemas-microsoft-com:office:office" xmlns:v="urn:schemas-microsoft-com:vml" xmlns:pvml="urn:schemas-microsoft-com:office:powerpoint" xmlns:com="http://schemas.openxmlformats.org/drawingml/2006/compatibility" xmlns:p14="http://schemas.microsoft.com/office/powerpoint/2010/main" type="tx">
+<p:sldLayout xmlns:a="http://schemas.openxmlformats.org/drawingml/2006/main" xmlns:r="http://schemas.openxmlformats.org/officeDocument/2006/relationships" xmlns:p="http://schemas.openxmlformats.org/presentationml/2006/main" type="tx">
   <p:cSld name="Title and body">
     <p:spTree>
       <p:nvGrpSpPr>
-        <p:cNvPr id="21" name="Shape 21"/>
+        <p:cNvPr id="1" name="Shape 21"/>
         <p:cNvGrpSpPr/>
         <p:nvPr/>
       </p:nvGrpSpPr>
@@ -6162,14 +6300,14 @@
             <a:avLst/>
           </a:prstGeom>
           <a:noFill/>
-          <a:ln cap="flat" cmpd="sng" w="38100">
+          <a:ln w="38100" cap="flat" cmpd="sng">
             <a:solidFill>
               <a:schemeClr val="dk2"/>
             </a:solidFill>
             <a:prstDash val="solid"/>
             <a:round/>
-            <a:headEnd len="med" w="med" type="none"/>
-            <a:tailEnd len="med" w="med" type="none"/>
+            <a:headEnd type="none" w="med" len="med"/>
+            <a:tailEnd type="none" w="med" len="med"/>
           </a:ln>
         </p:spPr>
       </p:cxnSp>
@@ -6188,14 +6326,14 @@
             <a:avLst/>
           </a:prstGeom>
           <a:noFill/>
-          <a:ln cap="flat" cmpd="sng" w="19050">
+          <a:ln w="19050" cap="flat" cmpd="sng">
             <a:solidFill>
               <a:schemeClr val="dk2"/>
             </a:solidFill>
             <a:prstDash val="solid"/>
             <a:round/>
-            <a:headEnd len="med" w="med" type="none"/>
-            <a:tailEnd len="med" w="med" type="none"/>
+            <a:headEnd type="none" w="med" len="med"/>
+            <a:tailEnd type="none" w="med" len="med"/>
           </a:ln>
         </p:spPr>
       </p:cxnSp>
@@ -6214,21 +6352,23 @@
             <a:avLst/>
           </a:prstGeom>
           <a:noFill/>
-          <a:ln cap="flat" cmpd="sng" w="19050">
+          <a:ln w="19050" cap="flat" cmpd="sng">
             <a:solidFill>
               <a:schemeClr val="dk2"/>
             </a:solidFill>
             <a:prstDash val="solid"/>
             <a:round/>
-            <a:headEnd len="med" w="med" type="none"/>
-            <a:tailEnd len="med" w="med" type="none"/>
+            <a:headEnd type="none" w="med" len="med"/>
+            <a:tailEnd type="none" w="med" len="med"/>
           </a:ln>
         </p:spPr>
       </p:cxnSp>
       <p:sp>
         <p:nvSpPr>
           <p:cNvPr id="25" name="Shape 25"/>
-          <p:cNvSpPr txBox="1"/>
+          <p:cNvSpPr txBox="1">
+            <a:spLocks noGrp="1"/>
+          </p:cNvSpPr>
           <p:nvPr>
             <p:ph type="title"/>
           </p:nvPr>
@@ -6243,7 +6383,7 @@
           </a:prstGeom>
         </p:spPr>
         <p:txBody>
-          <a:bodyPr anchorCtr="0" anchor="t" bIns="91425" lIns="91425" rIns="91425" tIns="91425"/>
+          <a:bodyPr lIns="91425" tIns="91425" rIns="91425" bIns="91425" anchor="t" anchorCtr="0"/>
           <a:lstStyle>
             <a:lvl1pPr lvl="0">
               <a:spcBef>
@@ -6300,15 +6440,19 @@
               <a:defRPr/>
             </a:lvl9pPr>
           </a:lstStyle>
-          <a:p/>
+          <a:p>
+            <a:endParaRPr/>
+          </a:p>
         </p:txBody>
       </p:sp>
       <p:sp>
         <p:nvSpPr>
           <p:cNvPr id="26" name="Shape 26"/>
-          <p:cNvSpPr txBox="1"/>
+          <p:cNvSpPr txBox="1">
+            <a:spLocks noGrp="1"/>
+          </p:cNvSpPr>
           <p:nvPr>
-            <p:ph idx="1" type="body"/>
+            <p:ph type="body" idx="1"/>
           </p:nvPr>
         </p:nvSpPr>
         <p:spPr>
@@ -6321,7 +6465,7 @@
           </a:prstGeom>
         </p:spPr>
         <p:txBody>
-          <a:bodyPr anchorCtr="0" anchor="t" bIns="91425" lIns="91425" rIns="91425" tIns="91425"/>
+          <a:bodyPr lIns="91425" tIns="91425" rIns="91425" bIns="91425" anchor="t" anchorCtr="0"/>
           <a:lstStyle>
             <a:lvl1pPr lvl="0">
               <a:spcBef>
@@ -6378,15 +6522,19 @@
               <a:defRPr/>
             </a:lvl9pPr>
           </a:lstStyle>
-          <a:p/>
+          <a:p>
+            <a:endParaRPr/>
+          </a:p>
         </p:txBody>
       </p:sp>
       <p:sp>
         <p:nvSpPr>
           <p:cNvPr id="27" name="Shape 27"/>
-          <p:cNvSpPr txBox="1"/>
+          <p:cNvSpPr txBox="1">
+            <a:spLocks noGrp="1"/>
+          </p:cNvSpPr>
           <p:nvPr>
-            <p:ph idx="12" type="sldNum"/>
+            <p:ph type="sldNum" idx="12"/>
           </p:nvPr>
         </p:nvSpPr>
         <p:spPr>
@@ -6399,7 +6547,7 @@
           </a:prstGeom>
         </p:spPr>
         <p:txBody>
-          <a:bodyPr anchorCtr="0" anchor="ctr" bIns="91425" lIns="91425" rIns="91425" tIns="91425">
+          <a:bodyPr lIns="91425" tIns="91425" rIns="91425" bIns="91425" anchor="ctr" anchorCtr="0">
             <a:noAutofit/>
           </a:bodyPr>
           <a:lstStyle/>
@@ -6412,8 +6560,15 @@
             </a:pPr>
             <a:fld id="{00000000-1234-1234-1234-123412341234}" type="slidenum">
               <a:rPr lang="en"/>
+              <a:pPr lvl="0">
+                <a:spcBef>
+                  <a:spcPts val="0"/>
+                </a:spcBef>
+                <a:buNone/>
+              </a:pPr>
               <a:t>‹#›</a:t>
             </a:fld>
+            <a:endParaRPr lang="en"/>
           </a:p>
         </p:txBody>
       </p:sp>
@@ -6426,11 +6581,11 @@
 </file>
 
 <file path=ppt/slideLayouts/slideLayout4.xml><?xml version="1.0" encoding="utf-8"?>
-<p:sldLayout xmlns:a="http://schemas.openxmlformats.org/drawingml/2006/main" xmlns:r="http://schemas.openxmlformats.org/officeDocument/2006/relationships" xmlns:mc="http://schemas.openxmlformats.org/markup-compatibility/2006" xmlns:mv="urn:schemas-microsoft-com:mac:vml" xmlns:p="http://schemas.openxmlformats.org/presentationml/2006/main" xmlns:c="http://schemas.openxmlformats.org/drawingml/2006/chart" xmlns:dgm="http://schemas.openxmlformats.org/drawingml/2006/diagram" xmlns:o="urn:schemas-microsoft-com:office:office" xmlns:v="urn:schemas-microsoft-com:vml" xmlns:pvml="urn:schemas-microsoft-com:office:powerpoint" xmlns:com="http://schemas.openxmlformats.org/drawingml/2006/compatibility" xmlns:p14="http://schemas.microsoft.com/office/powerpoint/2010/main" type="twoColTx">
+<p:sldLayout xmlns:a="http://schemas.openxmlformats.org/drawingml/2006/main" xmlns:r="http://schemas.openxmlformats.org/officeDocument/2006/relationships" xmlns:p="http://schemas.openxmlformats.org/presentationml/2006/main" type="twoColTx">
   <p:cSld name="Title and two columns">
     <p:spTree>
       <p:nvGrpSpPr>
-        <p:cNvPr id="28" name="Shape 28"/>
+        <p:cNvPr id="1" name="Shape 28"/>
         <p:cNvGrpSpPr/>
         <p:nvPr/>
       </p:nvGrpSpPr>
@@ -6457,14 +6612,14 @@
             <a:avLst/>
           </a:prstGeom>
           <a:noFill/>
-          <a:ln cap="flat" cmpd="sng" w="38100">
+          <a:ln w="38100" cap="flat" cmpd="sng">
             <a:solidFill>
               <a:schemeClr val="dk2"/>
             </a:solidFill>
             <a:prstDash val="solid"/>
             <a:round/>
-            <a:headEnd len="med" w="med" type="none"/>
-            <a:tailEnd len="med" w="med" type="none"/>
+            <a:headEnd type="none" w="med" len="med"/>
+            <a:tailEnd type="none" w="med" len="med"/>
           </a:ln>
         </p:spPr>
       </p:cxnSp>
@@ -6483,14 +6638,14 @@
             <a:avLst/>
           </a:prstGeom>
           <a:noFill/>
-          <a:ln cap="flat" cmpd="sng" w="19050">
+          <a:ln w="19050" cap="flat" cmpd="sng">
             <a:solidFill>
               <a:schemeClr val="dk2"/>
             </a:solidFill>
             <a:prstDash val="solid"/>
             <a:round/>
-            <a:headEnd len="med" w="med" type="none"/>
-            <a:tailEnd len="med" w="med" type="none"/>
+            <a:headEnd type="none" w="med" len="med"/>
+            <a:tailEnd type="none" w="med" len="med"/>
           </a:ln>
         </p:spPr>
       </p:cxnSp>
@@ -6509,21 +6664,23 @@
             <a:avLst/>
           </a:prstGeom>
           <a:noFill/>
-          <a:ln cap="flat" cmpd="sng" w="19050">
+          <a:ln w="19050" cap="flat" cmpd="sng">
             <a:solidFill>
               <a:schemeClr val="dk2"/>
             </a:solidFill>
             <a:prstDash val="solid"/>
             <a:round/>
-            <a:headEnd len="med" w="med" type="none"/>
-            <a:tailEnd len="med" w="med" type="none"/>
+            <a:headEnd type="none" w="med" len="med"/>
+            <a:tailEnd type="none" w="med" len="med"/>
           </a:ln>
         </p:spPr>
       </p:cxnSp>
       <p:sp>
         <p:nvSpPr>
           <p:cNvPr id="32" name="Shape 32"/>
-          <p:cNvSpPr txBox="1"/>
+          <p:cNvSpPr txBox="1">
+            <a:spLocks noGrp="1"/>
+          </p:cNvSpPr>
           <p:nvPr>
             <p:ph type="title"/>
           </p:nvPr>
@@ -6538,7 +6695,7 @@
           </a:prstGeom>
         </p:spPr>
         <p:txBody>
-          <a:bodyPr anchorCtr="0" anchor="t" bIns="91425" lIns="91425" rIns="91425" tIns="91425"/>
+          <a:bodyPr lIns="91425" tIns="91425" rIns="91425" bIns="91425" anchor="t" anchorCtr="0"/>
           <a:lstStyle>
             <a:lvl1pPr lvl="0">
               <a:spcBef>
@@ -6595,15 +6752,19 @@
               <a:defRPr/>
             </a:lvl9pPr>
           </a:lstStyle>
-          <a:p/>
+          <a:p>
+            <a:endParaRPr/>
+          </a:p>
         </p:txBody>
       </p:sp>
       <p:sp>
         <p:nvSpPr>
           <p:cNvPr id="33" name="Shape 33"/>
-          <p:cNvSpPr txBox="1"/>
+          <p:cNvSpPr txBox="1">
+            <a:spLocks noGrp="1"/>
+          </p:cNvSpPr>
           <p:nvPr>
-            <p:ph idx="1" type="body"/>
+            <p:ph type="body" idx="1"/>
           </p:nvPr>
         </p:nvSpPr>
         <p:spPr>
@@ -6616,7 +6777,7 @@
           </a:prstGeom>
         </p:spPr>
         <p:txBody>
-          <a:bodyPr anchorCtr="0" anchor="t" bIns="91425" lIns="91425" rIns="91425" tIns="91425"/>
+          <a:bodyPr lIns="91425" tIns="91425" rIns="91425" bIns="91425" anchor="t" anchorCtr="0"/>
           <a:lstStyle>
             <a:lvl1pPr lvl="0">
               <a:spcBef>
@@ -6682,15 +6843,19 @@
               <a:defRPr sz="1200"/>
             </a:lvl9pPr>
           </a:lstStyle>
-          <a:p/>
+          <a:p>
+            <a:endParaRPr/>
+          </a:p>
         </p:txBody>
       </p:sp>
       <p:sp>
         <p:nvSpPr>
           <p:cNvPr id="34" name="Shape 34"/>
-          <p:cNvSpPr txBox="1"/>
+          <p:cNvSpPr txBox="1">
+            <a:spLocks noGrp="1"/>
+          </p:cNvSpPr>
           <p:nvPr>
-            <p:ph idx="2" type="body"/>
+            <p:ph type="body" idx="2"/>
           </p:nvPr>
         </p:nvSpPr>
         <p:spPr>
@@ -6703,7 +6868,7 @@
           </a:prstGeom>
         </p:spPr>
         <p:txBody>
-          <a:bodyPr anchorCtr="0" anchor="t" bIns="91425" lIns="91425" rIns="91425" tIns="91425"/>
+          <a:bodyPr lIns="91425" tIns="91425" rIns="91425" bIns="91425" anchor="t" anchorCtr="0"/>
           <a:lstStyle>
             <a:lvl1pPr lvl="0">
               <a:spcBef>
@@ -6769,15 +6934,19 @@
               <a:defRPr sz="1200"/>
             </a:lvl9pPr>
           </a:lstStyle>
-          <a:p/>
+          <a:p>
+            <a:endParaRPr/>
+          </a:p>
         </p:txBody>
       </p:sp>
       <p:sp>
         <p:nvSpPr>
           <p:cNvPr id="35" name="Shape 35"/>
-          <p:cNvSpPr txBox="1"/>
+          <p:cNvSpPr txBox="1">
+            <a:spLocks noGrp="1"/>
+          </p:cNvSpPr>
           <p:nvPr>
-            <p:ph idx="12" type="sldNum"/>
+            <p:ph type="sldNum" idx="12"/>
           </p:nvPr>
         </p:nvSpPr>
         <p:spPr>
@@ -6790,7 +6959,7 @@
           </a:prstGeom>
         </p:spPr>
         <p:txBody>
-          <a:bodyPr anchorCtr="0" anchor="ctr" bIns="91425" lIns="91425" rIns="91425" tIns="91425">
+          <a:bodyPr lIns="91425" tIns="91425" rIns="91425" bIns="91425" anchor="ctr" anchorCtr="0">
             <a:noAutofit/>
           </a:bodyPr>
           <a:lstStyle/>
@@ -6803,8 +6972,15 @@
             </a:pPr>
             <a:fld id="{00000000-1234-1234-1234-123412341234}" type="slidenum">
               <a:rPr lang="en"/>
+              <a:pPr lvl="0">
+                <a:spcBef>
+                  <a:spcPts val="0"/>
+                </a:spcBef>
+                <a:buNone/>
+              </a:pPr>
               <a:t>‹#›</a:t>
             </a:fld>
+            <a:endParaRPr lang="en"/>
           </a:p>
         </p:txBody>
       </p:sp>
@@ -6817,11 +6993,11 @@
 </file>
 
 <file path=ppt/slideLayouts/slideLayout5.xml><?xml version="1.0" encoding="utf-8"?>
-<p:sldLayout xmlns:a="http://schemas.openxmlformats.org/drawingml/2006/main" xmlns:r="http://schemas.openxmlformats.org/officeDocument/2006/relationships" xmlns:mc="http://schemas.openxmlformats.org/markup-compatibility/2006" xmlns:mv="urn:schemas-microsoft-com:mac:vml" xmlns:p="http://schemas.openxmlformats.org/presentationml/2006/main" xmlns:c="http://schemas.openxmlformats.org/drawingml/2006/chart" xmlns:dgm="http://schemas.openxmlformats.org/drawingml/2006/diagram" xmlns:o="urn:schemas-microsoft-com:office:office" xmlns:v="urn:schemas-microsoft-com:vml" xmlns:pvml="urn:schemas-microsoft-com:office:powerpoint" xmlns:com="http://schemas.openxmlformats.org/drawingml/2006/compatibility" xmlns:p14="http://schemas.microsoft.com/office/powerpoint/2010/main" type="titleOnly">
+<p:sldLayout xmlns:a="http://schemas.openxmlformats.org/drawingml/2006/main" xmlns:r="http://schemas.openxmlformats.org/officeDocument/2006/relationships" xmlns:p="http://schemas.openxmlformats.org/presentationml/2006/main" type="titleOnly">
   <p:cSld name="Title only">
     <p:spTree>
       <p:nvGrpSpPr>
-        <p:cNvPr id="36" name="Shape 36"/>
+        <p:cNvPr id="1" name="Shape 36"/>
         <p:cNvGrpSpPr/>
         <p:nvPr/>
       </p:nvGrpSpPr>
@@ -6836,7 +7012,9 @@
       <p:sp>
         <p:nvSpPr>
           <p:cNvPr id="37" name="Shape 37"/>
-          <p:cNvSpPr txBox="1"/>
+          <p:cNvSpPr txBox="1">
+            <a:spLocks noGrp="1"/>
+          </p:cNvSpPr>
           <p:nvPr>
             <p:ph type="title"/>
           </p:nvPr>
@@ -6851,7 +7029,7 @@
           </a:prstGeom>
         </p:spPr>
         <p:txBody>
-          <a:bodyPr anchorCtr="0" anchor="t" bIns="91425" lIns="91425" rIns="91425" tIns="91425"/>
+          <a:bodyPr lIns="91425" tIns="91425" rIns="91425" bIns="91425" anchor="t" anchorCtr="0"/>
           <a:lstStyle>
             <a:lvl1pPr lvl="0">
               <a:spcBef>
@@ -6908,15 +7086,19 @@
               <a:defRPr/>
             </a:lvl9pPr>
           </a:lstStyle>
-          <a:p/>
+          <a:p>
+            <a:endParaRPr/>
+          </a:p>
         </p:txBody>
       </p:sp>
       <p:sp>
         <p:nvSpPr>
           <p:cNvPr id="38" name="Shape 38"/>
-          <p:cNvSpPr txBox="1"/>
+          <p:cNvSpPr txBox="1">
+            <a:spLocks noGrp="1"/>
+          </p:cNvSpPr>
           <p:nvPr>
-            <p:ph idx="12" type="sldNum"/>
+            <p:ph type="sldNum" idx="12"/>
           </p:nvPr>
         </p:nvSpPr>
         <p:spPr>
@@ -6929,7 +7111,7 @@
           </a:prstGeom>
         </p:spPr>
         <p:txBody>
-          <a:bodyPr anchorCtr="0" anchor="ctr" bIns="91425" lIns="91425" rIns="91425" tIns="91425">
+          <a:bodyPr lIns="91425" tIns="91425" rIns="91425" bIns="91425" anchor="ctr" anchorCtr="0">
             <a:noAutofit/>
           </a:bodyPr>
           <a:lstStyle/>
@@ -6942,8 +7124,15 @@
             </a:pPr>
             <a:fld id="{00000000-1234-1234-1234-123412341234}" type="slidenum">
               <a:rPr lang="en"/>
+              <a:pPr lvl="0">
+                <a:spcBef>
+                  <a:spcPts val="0"/>
+                </a:spcBef>
+                <a:buNone/>
+              </a:pPr>
               <a:t>‹#›</a:t>
             </a:fld>
+            <a:endParaRPr lang="en"/>
           </a:p>
         </p:txBody>
       </p:sp>
@@ -6956,11 +7145,11 @@
 </file>
 
 <file path=ppt/slideLayouts/slideLayout6.xml><?xml version="1.0" encoding="utf-8"?>
-<p:sldLayout xmlns:a="http://schemas.openxmlformats.org/drawingml/2006/main" xmlns:r="http://schemas.openxmlformats.org/officeDocument/2006/relationships" xmlns:mc="http://schemas.openxmlformats.org/markup-compatibility/2006" xmlns:mv="urn:schemas-microsoft-com:mac:vml" xmlns:p="http://schemas.openxmlformats.org/presentationml/2006/main" xmlns:c="http://schemas.openxmlformats.org/drawingml/2006/chart" xmlns:dgm="http://schemas.openxmlformats.org/drawingml/2006/diagram" xmlns:o="urn:schemas-microsoft-com:office:office" xmlns:v="urn:schemas-microsoft-com:vml" xmlns:pvml="urn:schemas-microsoft-com:office:powerpoint" xmlns:com="http://schemas.openxmlformats.org/drawingml/2006/compatibility" xmlns:p14="http://schemas.microsoft.com/office/powerpoint/2010/main">
+<p:sldLayout xmlns:a="http://schemas.openxmlformats.org/drawingml/2006/main" xmlns:r="http://schemas.openxmlformats.org/officeDocument/2006/relationships" xmlns:p="http://schemas.openxmlformats.org/presentationml/2006/main">
   <p:cSld name="One column text">
     <p:spTree>
       <p:nvGrpSpPr>
-        <p:cNvPr id="39" name="Shape 39"/>
+        <p:cNvPr id="1" name="Shape 39"/>
         <p:cNvGrpSpPr/>
         <p:nvPr/>
       </p:nvGrpSpPr>
@@ -6987,21 +7176,23 @@
             <a:avLst/>
           </a:prstGeom>
           <a:noFill/>
-          <a:ln cap="flat" cmpd="sng" w="19050">
+          <a:ln w="19050" cap="flat" cmpd="sng">
             <a:solidFill>
               <a:schemeClr val="dk2"/>
             </a:solidFill>
             <a:prstDash val="solid"/>
             <a:round/>
-            <a:headEnd len="med" w="med" type="none"/>
-            <a:tailEnd len="med" w="med" type="none"/>
+            <a:headEnd type="none" w="med" len="med"/>
+            <a:tailEnd type="none" w="med" len="med"/>
           </a:ln>
         </p:spPr>
       </p:cxnSp>
       <p:sp>
         <p:nvSpPr>
           <p:cNvPr id="41" name="Shape 41"/>
-          <p:cNvSpPr txBox="1"/>
+          <p:cNvSpPr txBox="1">
+            <a:spLocks noGrp="1"/>
+          </p:cNvSpPr>
           <p:nvPr>
             <p:ph type="title"/>
           </p:nvPr>
@@ -7016,7 +7207,7 @@
           </a:prstGeom>
         </p:spPr>
         <p:txBody>
-          <a:bodyPr anchorCtr="0" anchor="b" bIns="91425" lIns="91425" rIns="91425" tIns="91425"/>
+          <a:bodyPr lIns="91425" tIns="91425" rIns="91425" bIns="91425" anchor="b" anchorCtr="0"/>
           <a:lstStyle>
             <a:lvl1pPr lvl="0">
               <a:spcBef>
@@ -7082,15 +7273,19 @@
               <a:defRPr sz="2400"/>
             </a:lvl9pPr>
           </a:lstStyle>
-          <a:p/>
+          <a:p>
+            <a:endParaRPr/>
+          </a:p>
         </p:txBody>
       </p:sp>
       <p:sp>
         <p:nvSpPr>
           <p:cNvPr id="42" name="Shape 42"/>
-          <p:cNvSpPr txBox="1"/>
+          <p:cNvSpPr txBox="1">
+            <a:spLocks noGrp="1"/>
+          </p:cNvSpPr>
           <p:nvPr>
-            <p:ph idx="1" type="body"/>
+            <p:ph type="body" idx="1"/>
           </p:nvPr>
         </p:nvSpPr>
         <p:spPr>
@@ -7103,7 +7298,7 @@
           </a:prstGeom>
         </p:spPr>
         <p:txBody>
-          <a:bodyPr anchorCtr="0" anchor="t" bIns="91425" lIns="91425" rIns="91425" tIns="91425"/>
+          <a:bodyPr lIns="91425" tIns="91425" rIns="91425" bIns="91425" anchor="t" anchorCtr="0"/>
           <a:lstStyle>
             <a:lvl1pPr lvl="0">
               <a:spcBef>
@@ -7169,15 +7364,19 @@
               <a:defRPr sz="1200"/>
             </a:lvl9pPr>
           </a:lstStyle>
-          <a:p/>
+          <a:p>
+            <a:endParaRPr/>
+          </a:p>
         </p:txBody>
       </p:sp>
       <p:sp>
         <p:nvSpPr>
           <p:cNvPr id="43" name="Shape 43"/>
-          <p:cNvSpPr txBox="1"/>
+          <p:cNvSpPr txBox="1">
+            <a:spLocks noGrp="1"/>
+          </p:cNvSpPr>
           <p:nvPr>
-            <p:ph idx="12" type="sldNum"/>
+            <p:ph type="sldNum" idx="12"/>
           </p:nvPr>
         </p:nvSpPr>
         <p:spPr>
@@ -7190,7 +7389,7 @@
           </a:prstGeom>
         </p:spPr>
         <p:txBody>
-          <a:bodyPr anchorCtr="0" anchor="ctr" bIns="91425" lIns="91425" rIns="91425" tIns="91425">
+          <a:bodyPr lIns="91425" tIns="91425" rIns="91425" bIns="91425" anchor="ctr" anchorCtr="0">
             <a:noAutofit/>
           </a:bodyPr>
           <a:lstStyle/>
@@ -7203,8 +7402,15 @@
             </a:pPr>
             <a:fld id="{00000000-1234-1234-1234-123412341234}" type="slidenum">
               <a:rPr lang="en"/>
+              <a:pPr lvl="0">
+                <a:spcBef>
+                  <a:spcPts val="0"/>
+                </a:spcBef>
+                <a:buNone/>
+              </a:pPr>
               <a:t>‹#›</a:t>
             </a:fld>
+            <a:endParaRPr lang="en"/>
           </a:p>
         </p:txBody>
       </p:sp>
@@ -7217,18 +7423,19 @@
 </file>
 
 <file path=ppt/slideLayouts/slideLayout7.xml><?xml version="1.0" encoding="utf-8"?>
-<p:sldLayout xmlns:a="http://schemas.openxmlformats.org/drawingml/2006/main" xmlns:r="http://schemas.openxmlformats.org/officeDocument/2006/relationships" xmlns:mc="http://schemas.openxmlformats.org/markup-compatibility/2006" xmlns:mv="urn:schemas-microsoft-com:mac:vml" xmlns:p="http://schemas.openxmlformats.org/presentationml/2006/main" xmlns:c="http://schemas.openxmlformats.org/drawingml/2006/chart" xmlns:dgm="http://schemas.openxmlformats.org/drawingml/2006/diagram" xmlns:o="urn:schemas-microsoft-com:office:office" xmlns:v="urn:schemas-microsoft-com:vml" xmlns:pvml="urn:schemas-microsoft-com:office:powerpoint" xmlns:com="http://schemas.openxmlformats.org/drawingml/2006/compatibility" xmlns:p14="http://schemas.microsoft.com/office/powerpoint/2010/main">
+<p:sldLayout xmlns:a="http://schemas.openxmlformats.org/drawingml/2006/main" xmlns:r="http://schemas.openxmlformats.org/officeDocument/2006/relationships" xmlns:p="http://schemas.openxmlformats.org/presentationml/2006/main">
   <p:cSld name="Main point">
     <p:bg>
       <p:bgPr>
         <a:solidFill>
           <a:schemeClr val="lt2"/>
         </a:solidFill>
+        <a:effectLst/>
       </p:bgPr>
     </p:bg>
     <p:spTree>
       <p:nvGrpSpPr>
-        <p:cNvPr id="44" name="Shape 44"/>
+        <p:cNvPr id="1" name="Shape 44"/>
         <p:cNvGrpSpPr/>
         <p:nvPr/>
       </p:nvGrpSpPr>
@@ -7255,21 +7462,23 @@
             <a:avLst/>
           </a:prstGeom>
           <a:noFill/>
-          <a:ln cap="flat" cmpd="sng" w="19050">
+          <a:ln w="19050" cap="flat" cmpd="sng">
             <a:solidFill>
               <a:schemeClr val="lt1"/>
             </a:solidFill>
             <a:prstDash val="solid"/>
             <a:round/>
-            <a:headEnd len="med" w="med" type="none"/>
-            <a:tailEnd len="med" w="med" type="none"/>
+            <a:headEnd type="none" w="med" len="med"/>
+            <a:tailEnd type="none" w="med" len="med"/>
           </a:ln>
         </p:spPr>
       </p:cxnSp>
       <p:sp>
         <p:nvSpPr>
           <p:cNvPr id="46" name="Shape 46"/>
-          <p:cNvSpPr txBox="1"/>
+          <p:cNvSpPr txBox="1">
+            <a:spLocks noGrp="1"/>
+          </p:cNvSpPr>
           <p:nvPr>
             <p:ph type="title"/>
           </p:nvPr>
@@ -7284,7 +7493,7 @@
           </a:prstGeom>
         </p:spPr>
         <p:txBody>
-          <a:bodyPr anchorCtr="0" anchor="ctr" bIns="91425" lIns="91425" rIns="91425" tIns="91425"/>
+          <a:bodyPr lIns="91425" tIns="91425" rIns="91425" bIns="91425" anchor="ctr" anchorCtr="0"/>
           <a:lstStyle>
             <a:lvl1pPr lvl="0">
               <a:spcBef>
@@ -7413,15 +7622,19 @@
               </a:defRPr>
             </a:lvl9pPr>
           </a:lstStyle>
-          <a:p/>
+          <a:p>
+            <a:endParaRPr/>
+          </a:p>
         </p:txBody>
       </p:sp>
       <p:sp>
         <p:nvSpPr>
           <p:cNvPr id="47" name="Shape 47"/>
-          <p:cNvSpPr txBox="1"/>
+          <p:cNvSpPr txBox="1">
+            <a:spLocks noGrp="1"/>
+          </p:cNvSpPr>
           <p:nvPr>
-            <p:ph idx="12" type="sldNum"/>
+            <p:ph type="sldNum" idx="12"/>
           </p:nvPr>
         </p:nvSpPr>
         <p:spPr>
@@ -7434,7 +7647,7 @@
           </a:prstGeom>
         </p:spPr>
         <p:txBody>
-          <a:bodyPr anchorCtr="0" anchor="ctr" bIns="91425" lIns="91425" rIns="91425" tIns="91425">
+          <a:bodyPr lIns="91425" tIns="91425" rIns="91425" bIns="91425" anchor="ctr" anchorCtr="0">
             <a:noAutofit/>
           </a:bodyPr>
           <a:lstStyle/>
@@ -7451,8 +7664,19 @@
                   <a:schemeClr val="lt1"/>
                 </a:solidFill>
               </a:rPr>
+              <a:pPr lvl="0">
+                <a:spcBef>
+                  <a:spcPts val="0"/>
+                </a:spcBef>
+                <a:buNone/>
+              </a:pPr>
               <a:t>‹#›</a:t>
             </a:fld>
+            <a:endParaRPr lang="en">
+              <a:solidFill>
+                <a:schemeClr val="lt1"/>
+              </a:solidFill>
+            </a:endParaRPr>
           </a:p>
         </p:txBody>
       </p:sp>
@@ -7465,11 +7689,11 @@
 </file>
 
 <file path=ppt/slideLayouts/slideLayout8.xml><?xml version="1.0" encoding="utf-8"?>
-<p:sldLayout xmlns:a="http://schemas.openxmlformats.org/drawingml/2006/main" xmlns:r="http://schemas.openxmlformats.org/officeDocument/2006/relationships" xmlns:mc="http://schemas.openxmlformats.org/markup-compatibility/2006" xmlns:mv="urn:schemas-microsoft-com:mac:vml" xmlns:p="http://schemas.openxmlformats.org/presentationml/2006/main" xmlns:c="http://schemas.openxmlformats.org/drawingml/2006/chart" xmlns:dgm="http://schemas.openxmlformats.org/drawingml/2006/diagram" xmlns:o="urn:schemas-microsoft-com:office:office" xmlns:v="urn:schemas-microsoft-com:vml" xmlns:pvml="urn:schemas-microsoft-com:office:powerpoint" xmlns:com="http://schemas.openxmlformats.org/drawingml/2006/compatibility" xmlns:p14="http://schemas.microsoft.com/office/powerpoint/2010/main">
+<p:sldLayout xmlns:a="http://schemas.openxmlformats.org/drawingml/2006/main" xmlns:r="http://schemas.openxmlformats.org/officeDocument/2006/relationships" xmlns:p="http://schemas.openxmlformats.org/presentationml/2006/main">
   <p:cSld name="Section title and description">
     <p:spTree>
       <p:nvGrpSpPr>
-        <p:cNvPr id="48" name="Shape 48"/>
+        <p:cNvPr id="1" name="Shape 48"/>
         <p:cNvGrpSpPr/>
         <p:nvPr/>
       </p:nvGrpSpPr>
@@ -7503,7 +7727,7 @@
           </a:ln>
         </p:spPr>
         <p:txBody>
-          <a:bodyPr anchorCtr="0" anchor="ctr" bIns="91425" lIns="91425" rIns="91425" tIns="91425">
+          <a:bodyPr lIns="91425" tIns="91425" rIns="91425" bIns="91425" anchor="ctr" anchorCtr="0">
             <a:noAutofit/>
           </a:bodyPr>
           <a:lstStyle/>
@@ -7514,9 +7738,6 @@
               </a:spcBef>
               <a:buNone/>
             </a:pPr>
-            <a:r>
-              <a:t/>
-            </a:r>
             <a:endParaRPr/>
           </a:p>
         </p:txBody>
@@ -7536,21 +7757,23 @@
             <a:avLst/>
           </a:prstGeom>
           <a:noFill/>
-          <a:ln cap="flat" cmpd="sng" w="19050">
+          <a:ln w="19050" cap="flat" cmpd="sng">
             <a:solidFill>
               <a:schemeClr val="lt1"/>
             </a:solidFill>
             <a:prstDash val="solid"/>
             <a:round/>
-            <a:headEnd len="med" w="med" type="none"/>
-            <a:tailEnd len="med" w="med" type="none"/>
+            <a:headEnd type="none" w="med" len="med"/>
+            <a:tailEnd type="none" w="med" len="med"/>
           </a:ln>
         </p:spPr>
       </p:cxnSp>
       <p:sp>
         <p:nvSpPr>
           <p:cNvPr id="51" name="Shape 51"/>
-          <p:cNvSpPr txBox="1"/>
+          <p:cNvSpPr txBox="1">
+            <a:spLocks noGrp="1"/>
+          </p:cNvSpPr>
           <p:nvPr>
             <p:ph type="title"/>
           </p:nvPr>
@@ -7565,7 +7788,7 @@
           </a:prstGeom>
         </p:spPr>
         <p:txBody>
-          <a:bodyPr anchorCtr="0" anchor="b" bIns="91425" lIns="91425" rIns="91425" tIns="91425"/>
+          <a:bodyPr lIns="91425" tIns="91425" rIns="91425" bIns="91425" anchor="b" anchorCtr="0"/>
           <a:lstStyle>
             <a:lvl1pPr lvl="0" algn="ctr">
               <a:spcBef>
@@ -7694,15 +7917,19 @@
               </a:defRPr>
             </a:lvl9pPr>
           </a:lstStyle>
-          <a:p/>
+          <a:p>
+            <a:endParaRPr/>
+          </a:p>
         </p:txBody>
       </p:sp>
       <p:sp>
         <p:nvSpPr>
           <p:cNvPr id="52" name="Shape 52"/>
-          <p:cNvSpPr txBox="1"/>
+          <p:cNvSpPr txBox="1">
+            <a:spLocks noGrp="1"/>
+          </p:cNvSpPr>
           <p:nvPr>
-            <p:ph idx="1" type="subTitle"/>
+            <p:ph type="subTitle" idx="1"/>
           </p:nvPr>
         </p:nvSpPr>
         <p:spPr>
@@ -7715,7 +7942,7 @@
           </a:prstGeom>
         </p:spPr>
         <p:txBody>
-          <a:bodyPr anchorCtr="0" anchor="t" bIns="91425" lIns="91425" rIns="91425" tIns="91425"/>
+          <a:bodyPr lIns="91425" tIns="91425" rIns="91425" bIns="91425" anchor="t" anchorCtr="0"/>
           <a:lstStyle>
             <a:lvl1pPr lvl="0" algn="ctr">
               <a:lnSpc>
@@ -7844,15 +8071,19 @@
               <a:defRPr sz="2100"/>
             </a:lvl9pPr>
           </a:lstStyle>
-          <a:p/>
+          <a:p>
+            <a:endParaRPr/>
+          </a:p>
         </p:txBody>
       </p:sp>
       <p:sp>
         <p:nvSpPr>
           <p:cNvPr id="53" name="Shape 53"/>
-          <p:cNvSpPr txBox="1"/>
+          <p:cNvSpPr txBox="1">
+            <a:spLocks noGrp="1"/>
+          </p:cNvSpPr>
           <p:nvPr>
-            <p:ph idx="2" type="body"/>
+            <p:ph type="body" idx="2"/>
           </p:nvPr>
         </p:nvSpPr>
         <p:spPr>
@@ -7865,7 +8096,7 @@
           </a:prstGeom>
         </p:spPr>
         <p:txBody>
-          <a:bodyPr anchorCtr="0" anchor="ctr" bIns="91425" lIns="91425" rIns="91425" tIns="91425"/>
+          <a:bodyPr lIns="91425" tIns="91425" rIns="91425" bIns="91425" anchor="ctr" anchorCtr="0"/>
           <a:lstStyle>
             <a:lvl1pPr lvl="0">
               <a:spcBef>
@@ -7985,15 +8216,19 @@
               </a:defRPr>
             </a:lvl9pPr>
           </a:lstStyle>
-          <a:p/>
+          <a:p>
+            <a:endParaRPr/>
+          </a:p>
         </p:txBody>
       </p:sp>
       <p:sp>
         <p:nvSpPr>
           <p:cNvPr id="54" name="Shape 54"/>
-          <p:cNvSpPr txBox="1"/>
+          <p:cNvSpPr txBox="1">
+            <a:spLocks noGrp="1"/>
+          </p:cNvSpPr>
           <p:nvPr>
-            <p:ph idx="12" type="sldNum"/>
+            <p:ph type="sldNum" idx="12"/>
           </p:nvPr>
         </p:nvSpPr>
         <p:spPr>
@@ -8006,7 +8241,7 @@
           </a:prstGeom>
         </p:spPr>
         <p:txBody>
-          <a:bodyPr anchorCtr="0" anchor="ctr" bIns="91425" lIns="91425" rIns="91425" tIns="91425">
+          <a:bodyPr lIns="91425" tIns="91425" rIns="91425" bIns="91425" anchor="ctr" anchorCtr="0">
             <a:noAutofit/>
           </a:bodyPr>
           <a:lstStyle/>
@@ -8023,8 +8258,19 @@
                   <a:schemeClr val="lt1"/>
                 </a:solidFill>
               </a:rPr>
+              <a:pPr lvl="0">
+                <a:spcBef>
+                  <a:spcPts val="0"/>
+                </a:spcBef>
+                <a:buNone/>
+              </a:pPr>
               <a:t>‹#›</a:t>
             </a:fld>
+            <a:endParaRPr lang="en">
+              <a:solidFill>
+                <a:schemeClr val="lt1"/>
+              </a:solidFill>
+            </a:endParaRPr>
           </a:p>
         </p:txBody>
       </p:sp>
@@ -8037,11 +8283,11 @@
 </file>
 
 <file path=ppt/slideLayouts/slideLayout9.xml><?xml version="1.0" encoding="utf-8"?>
-<p:sldLayout xmlns:a="http://schemas.openxmlformats.org/drawingml/2006/main" xmlns:r="http://schemas.openxmlformats.org/officeDocument/2006/relationships" xmlns:mc="http://schemas.openxmlformats.org/markup-compatibility/2006" xmlns:mv="urn:schemas-microsoft-com:mac:vml" xmlns:p="http://schemas.openxmlformats.org/presentationml/2006/main" xmlns:c="http://schemas.openxmlformats.org/drawingml/2006/chart" xmlns:dgm="http://schemas.openxmlformats.org/drawingml/2006/diagram" xmlns:o="urn:schemas-microsoft-com:office:office" xmlns:v="urn:schemas-microsoft-com:vml" xmlns:pvml="urn:schemas-microsoft-com:office:powerpoint" xmlns:com="http://schemas.openxmlformats.org/drawingml/2006/compatibility" xmlns:p14="http://schemas.microsoft.com/office/powerpoint/2010/main">
+<p:sldLayout xmlns:a="http://schemas.openxmlformats.org/drawingml/2006/main" xmlns:r="http://schemas.openxmlformats.org/officeDocument/2006/relationships" xmlns:p="http://schemas.openxmlformats.org/presentationml/2006/main">
   <p:cSld name="Caption">
     <p:spTree>
       <p:nvGrpSpPr>
-        <p:cNvPr id="55" name="Shape 55"/>
+        <p:cNvPr id="1" name="Shape 55"/>
         <p:cNvGrpSpPr/>
         <p:nvPr/>
       </p:nvGrpSpPr>
@@ -8068,14 +8314,14 @@
             <a:avLst/>
           </a:prstGeom>
           <a:noFill/>
-          <a:ln cap="flat" cmpd="sng" w="19050">
+          <a:ln w="19050" cap="flat" cmpd="sng">
             <a:solidFill>
               <a:schemeClr val="dk2"/>
             </a:solidFill>
             <a:prstDash val="solid"/>
             <a:round/>
-            <a:headEnd len="med" w="med" type="none"/>
-            <a:tailEnd len="med" w="med" type="none"/>
+            <a:headEnd type="none" w="med" len="med"/>
+            <a:tailEnd type="none" w="med" len="med"/>
           </a:ln>
         </p:spPr>
       </p:cxnSp>
@@ -8094,23 +8340,25 @@
             <a:avLst/>
           </a:prstGeom>
           <a:noFill/>
-          <a:ln cap="flat" cmpd="sng" w="19050">
+          <a:ln w="19050" cap="flat" cmpd="sng">
             <a:solidFill>
               <a:schemeClr val="dk2"/>
             </a:solidFill>
             <a:prstDash val="solid"/>
             <a:round/>
-            <a:headEnd len="med" w="med" type="none"/>
-            <a:tailEnd len="med" w="med" type="none"/>
+            <a:headEnd type="none" w="med" len="med"/>
+            <a:tailEnd type="none" w="med" len="med"/>
           </a:ln>
         </p:spPr>
       </p:cxnSp>
       <p:sp>
         <p:nvSpPr>
           <p:cNvPr id="58" name="Shape 58"/>
-          <p:cNvSpPr txBox="1"/>
+          <p:cNvSpPr txBox="1">
+            <a:spLocks noGrp="1"/>
+          </p:cNvSpPr>
           <p:nvPr>
-            <p:ph idx="1" type="body"/>
+            <p:ph type="body" idx="1"/>
           </p:nvPr>
         </p:nvSpPr>
         <p:spPr>
@@ -8123,7 +8371,7 @@
           </a:prstGeom>
         </p:spPr>
         <p:txBody>
-          <a:bodyPr anchorCtr="0" anchor="ctr" bIns="91425" lIns="91425" rIns="91425" tIns="91425"/>
+          <a:bodyPr lIns="91425" tIns="91425" rIns="91425" bIns="91425" anchor="ctr" anchorCtr="0"/>
           <a:lstStyle>
             <a:lvl1pPr lvl="0">
               <a:lnSpc>
@@ -8139,15 +8387,19 @@
               <a:defRPr/>
             </a:lvl1pPr>
           </a:lstStyle>
-          <a:p/>
+          <a:p>
+            <a:endParaRPr/>
+          </a:p>
         </p:txBody>
       </p:sp>
       <p:sp>
         <p:nvSpPr>
           <p:cNvPr id="59" name="Shape 59"/>
-          <p:cNvSpPr txBox="1"/>
+          <p:cNvSpPr txBox="1">
+            <a:spLocks noGrp="1"/>
+          </p:cNvSpPr>
           <p:nvPr>
-            <p:ph idx="12" type="sldNum"/>
+            <p:ph type="sldNum" idx="12"/>
           </p:nvPr>
         </p:nvSpPr>
         <p:spPr>
@@ -8160,7 +8412,7 @@
           </a:prstGeom>
         </p:spPr>
         <p:txBody>
-          <a:bodyPr anchorCtr="0" anchor="ctr" bIns="91425" lIns="91425" rIns="91425" tIns="91425">
+          <a:bodyPr lIns="91425" tIns="91425" rIns="91425" bIns="91425" anchor="ctr" anchorCtr="0">
             <a:noAutofit/>
           </a:bodyPr>
           <a:lstStyle/>
@@ -8173,8 +8425,15 @@
             </a:pPr>
             <a:fld id="{00000000-1234-1234-1234-123412341234}" type="slidenum">
               <a:rPr lang="en"/>
+              <a:pPr lvl="0">
+                <a:spcBef>
+                  <a:spcPts val="0"/>
+                </a:spcBef>
+                <a:buNone/>
+              </a:pPr>
               <a:t>‹#›</a:t>
             </a:fld>
+            <a:endParaRPr lang="en"/>
           </a:p>
         </p:txBody>
       </p:sp>
@@ -8187,18 +8446,19 @@
 </file>
 
 <file path=ppt/slideMasters/slideMaster1.xml><?xml version="1.0" encoding="utf-8"?>
-<p:sldMaster xmlns:a="http://schemas.openxmlformats.org/drawingml/2006/main" xmlns:r="http://schemas.openxmlformats.org/officeDocument/2006/relationships" xmlns:mc="http://schemas.openxmlformats.org/markup-compatibility/2006" xmlns:mv="urn:schemas-microsoft-com:mac:vml" xmlns:p="http://schemas.openxmlformats.org/presentationml/2006/main" xmlns:c="http://schemas.openxmlformats.org/drawingml/2006/chart" xmlns:dgm="http://schemas.openxmlformats.org/drawingml/2006/diagram" xmlns:o="urn:schemas-microsoft-com:office:office" xmlns:v="urn:schemas-microsoft-com:vml" xmlns:pvml="urn:schemas-microsoft-com:office:powerpoint" xmlns:com="http://schemas.openxmlformats.org/drawingml/2006/compatibility" xmlns:p14="http://schemas.microsoft.com/office/powerpoint/2010/main">
+<p:sldMaster xmlns:a="http://schemas.openxmlformats.org/drawingml/2006/main" xmlns:r="http://schemas.openxmlformats.org/officeDocument/2006/relationships" xmlns:p="http://schemas.openxmlformats.org/presentationml/2006/main">
   <p:cSld>
     <p:bg>
       <p:bgPr>
         <a:solidFill>
           <a:schemeClr val="lt1"/>
         </a:solidFill>
+        <a:effectLst/>
       </p:bgPr>
     </p:bg>
     <p:spTree>
       <p:nvGrpSpPr>
-        <p:cNvPr id="5" name="Shape 5"/>
+        <p:cNvPr id="1" name="Shape 5"/>
         <p:cNvGrpSpPr/>
         <p:nvPr/>
       </p:nvGrpSpPr>
@@ -8213,7 +8473,9 @@
       <p:sp>
         <p:nvSpPr>
           <p:cNvPr id="6" name="Shape 6"/>
-          <p:cNvSpPr txBox="1"/>
+          <p:cNvSpPr txBox="1">
+            <a:spLocks noGrp="1"/>
+          </p:cNvSpPr>
           <p:nvPr>
             <p:ph type="title"/>
           </p:nvPr>
@@ -8232,7 +8494,7 @@
           </a:ln>
         </p:spPr>
         <p:txBody>
-          <a:bodyPr anchorCtr="0" anchor="t" bIns="91425" lIns="91425" rIns="91425" tIns="91425"/>
+          <a:bodyPr lIns="91425" tIns="91425" rIns="91425" bIns="91425" anchor="t" anchorCtr="0"/>
           <a:lstStyle>
             <a:lvl1pPr lvl="0">
               <a:spcBef>
@@ -8244,7 +8506,7 @@
               <a:buSzPct val="100000"/>
               <a:buFont typeface="Raleway"/>
               <a:buNone/>
-              <a:defRPr b="1" sz="3000">
+              <a:defRPr sz="3000" b="1">
                 <a:solidFill>
                   <a:schemeClr val="dk2"/>
                 </a:solidFill>
@@ -8264,7 +8526,7 @@
               <a:buSzPct val="100000"/>
               <a:buFont typeface="Raleway"/>
               <a:buNone/>
-              <a:defRPr b="1" sz="3000">
+              <a:defRPr sz="3000" b="1">
                 <a:solidFill>
                   <a:schemeClr val="dk2"/>
                 </a:solidFill>
@@ -8284,7 +8546,7 @@
               <a:buSzPct val="100000"/>
               <a:buFont typeface="Raleway"/>
               <a:buNone/>
-              <a:defRPr b="1" sz="3000">
+              <a:defRPr sz="3000" b="1">
                 <a:solidFill>
                   <a:schemeClr val="dk2"/>
                 </a:solidFill>
@@ -8304,7 +8566,7 @@
               <a:buSzPct val="100000"/>
               <a:buFont typeface="Raleway"/>
               <a:buNone/>
-              <a:defRPr b="1" sz="3000">
+              <a:defRPr sz="3000" b="1">
                 <a:solidFill>
                   <a:schemeClr val="dk2"/>
                 </a:solidFill>
@@ -8324,7 +8586,7 @@
               <a:buSzPct val="100000"/>
               <a:buFont typeface="Raleway"/>
               <a:buNone/>
-              <a:defRPr b="1" sz="3000">
+              <a:defRPr sz="3000" b="1">
                 <a:solidFill>
                   <a:schemeClr val="dk2"/>
                 </a:solidFill>
@@ -8344,7 +8606,7 @@
               <a:buSzPct val="100000"/>
               <a:buFont typeface="Raleway"/>
               <a:buNone/>
-              <a:defRPr b="1" sz="3000">
+              <a:defRPr sz="3000" b="1">
                 <a:solidFill>
                   <a:schemeClr val="dk2"/>
                 </a:solidFill>
@@ -8364,7 +8626,7 @@
               <a:buSzPct val="100000"/>
               <a:buFont typeface="Raleway"/>
               <a:buNone/>
-              <a:defRPr b="1" sz="3000">
+              <a:defRPr sz="3000" b="1">
                 <a:solidFill>
                   <a:schemeClr val="dk2"/>
                 </a:solidFill>
@@ -8384,7 +8646,7 @@
               <a:buSzPct val="100000"/>
               <a:buFont typeface="Raleway"/>
               <a:buNone/>
-              <a:defRPr b="1" sz="3000">
+              <a:defRPr sz="3000" b="1">
                 <a:solidFill>
                   <a:schemeClr val="dk2"/>
                 </a:solidFill>
@@ -8404,7 +8666,7 @@
               <a:buSzPct val="100000"/>
               <a:buFont typeface="Raleway"/>
               <a:buNone/>
-              <a:defRPr b="1" sz="3000">
+              <a:defRPr sz="3000" b="1">
                 <a:solidFill>
                   <a:schemeClr val="dk2"/>
                 </a:solidFill>
@@ -8415,15 +8677,19 @@
               </a:defRPr>
             </a:lvl9pPr>
           </a:lstStyle>
-          <a:p/>
+          <a:p>
+            <a:endParaRPr/>
+          </a:p>
         </p:txBody>
       </p:sp>
       <p:sp>
         <p:nvSpPr>
           <p:cNvPr id="7" name="Shape 7"/>
-          <p:cNvSpPr txBox="1"/>
+          <p:cNvSpPr txBox="1">
+            <a:spLocks noGrp="1"/>
+          </p:cNvSpPr>
           <p:nvPr>
-            <p:ph idx="1" type="body"/>
+            <p:ph type="body" idx="1"/>
           </p:nvPr>
         </p:nvSpPr>
         <p:spPr>
@@ -8440,7 +8706,7 @@
           </a:ln>
         </p:spPr>
         <p:txBody>
-          <a:bodyPr anchorCtr="0" anchor="t" bIns="91425" lIns="91425" rIns="91425" tIns="91425"/>
+          <a:bodyPr lIns="91425" tIns="91425" rIns="91425" bIns="91425" anchor="t" anchorCtr="0"/>
           <a:lstStyle>
             <a:lvl1pPr lvl="0">
               <a:lnSpc>
@@ -8660,15 +8926,19 @@
               </a:defRPr>
             </a:lvl9pPr>
           </a:lstStyle>
-          <a:p/>
+          <a:p>
+            <a:endParaRPr/>
+          </a:p>
         </p:txBody>
       </p:sp>
       <p:sp>
         <p:nvSpPr>
           <p:cNvPr id="8" name="Shape 8"/>
-          <p:cNvSpPr txBox="1"/>
+          <p:cNvSpPr txBox="1">
+            <a:spLocks noGrp="1"/>
+          </p:cNvSpPr>
           <p:nvPr>
-            <p:ph idx="12" type="sldNum"/>
+            <p:ph type="sldNum" idx="12"/>
           </p:nvPr>
         </p:nvSpPr>
         <p:spPr>
@@ -8685,7 +8955,7 @@
           </a:ln>
         </p:spPr>
         <p:txBody>
-          <a:bodyPr anchorCtr="0" anchor="ctr" bIns="91425" lIns="91425" rIns="91425" tIns="91425">
+          <a:bodyPr lIns="91425" tIns="91425" rIns="91425" bIns="91425" anchor="ctr" anchorCtr="0">
             <a:noAutofit/>
           </a:bodyPr>
           <a:lstStyle/>
@@ -8706,14 +8976,29 @@
                 <a:cs typeface="Lato"/>
                 <a:sym typeface="Lato"/>
               </a:rPr>
+              <a:pPr lvl="0" algn="r">
+                <a:spcBef>
+                  <a:spcPts val="0"/>
+                </a:spcBef>
+                <a:buNone/>
+              </a:pPr>
               <a:t>‹#›</a:t>
             </a:fld>
+            <a:endParaRPr lang="en" sz="1000">
+              <a:solidFill>
+                <a:schemeClr val="dk2"/>
+              </a:solidFill>
+              <a:latin typeface="Lato"/>
+              <a:ea typeface="Lato"/>
+              <a:cs typeface="Lato"/>
+              <a:sym typeface="Lato"/>
+            </a:endParaRPr>
           </a:p>
         </p:txBody>
       </p:sp>
     </p:spTree>
   </p:cSld>
-  <p:clrMap accent1="accent1" accent2="accent2" accent3="accent3" accent4="accent4" accent5="accent5" accent6="accent6" bg1="lt1" bg2="dk2" tx1="dk1" tx2="lt2" folHlink="folHlink" hlink="hlink"/>
+  <p:clrMap bg1="lt1" tx1="dk1" bg2="dk2" tx2="lt2" accent1="accent1" accent2="accent2" accent3="accent3" accent4="accent4" accent5="accent5" accent6="accent6" hlink="hlink" folHlink="folHlink"/>
   <p:sldLayoutIdLst>
     <p:sldLayoutId id="2147483648" r:id="rId1"/>
     <p:sldLayoutId id="2147483649" r:id="rId2"/>
@@ -8732,12 +9017,11 @@
     <p:sldLayoutId id="2147483662" r:id="rId15"/>
     <p:sldLayoutId id="2147483663" r:id="rId16"/>
     <p:sldLayoutId id="2147483664" r:id="rId17"/>
-    <p:sldLayoutId id="2147483665" r:id="rId18"/>
   </p:sldLayoutIdLst>
-  <p:hf dt="0" ftr="0" hdr="0" sldNum="0"/>
+  <p:hf sldNum="0" hdr="0" ftr="0" dt="0"/>
   <p:txStyles>
     <p:titleStyle>
-      <a:defPPr lvl="0" marR="0" rtl="0" algn="l">
+      <a:defPPr marR="0" lvl="0" algn="l" rtl="0">
         <a:lnSpc>
           <a:spcPct val="100000"/>
         </a:lnSpc>
@@ -8748,7 +9032,7 @@
           <a:spcPts val="0"/>
         </a:spcAft>
       </a:defPPr>
-      <a:lvl1pPr lvl="0" marR="0" rtl="0" algn="l">
+      <a:lvl1pPr marR="0" lvl="0" algn="l" rtl="0">
         <a:lnSpc>
           <a:spcPct val="100000"/>
         </a:lnSpc>
@@ -8759,7 +9043,7 @@
           <a:spcPts val="0"/>
         </a:spcAft>
         <a:buNone/>
-        <a:defRPr b="0" i="0" sz="1400" u="none" cap="none" strike="noStrike">
+        <a:defRPr sz="1400" b="0" i="0" u="none" strike="noStrike" cap="none">
           <a:solidFill>
             <a:srgbClr val="000000"/>
           </a:solidFill>
@@ -8771,7 +9055,7 @@
       </a:lvl1pPr>
     </p:titleStyle>
     <p:bodyStyle>
-      <a:defPPr lvl="0" marR="0" rtl="0" algn="l">
+      <a:defPPr marR="0" lvl="0" algn="l" rtl="0">
         <a:lnSpc>
           <a:spcPct val="100000"/>
         </a:lnSpc>
@@ -8782,7 +9066,7 @@
           <a:spcPts val="0"/>
         </a:spcAft>
       </a:defPPr>
-      <a:lvl1pPr lvl="0" marR="0" rtl="0" algn="l">
+      <a:lvl1pPr marR="0" lvl="0" algn="l" rtl="0">
         <a:lnSpc>
           <a:spcPct val="100000"/>
         </a:lnSpc>
@@ -8793,7 +9077,7 @@
           <a:spcPts val="0"/>
         </a:spcAft>
         <a:buNone/>
-        <a:defRPr b="0" i="0" sz="1400" u="none" cap="none" strike="noStrike">
+        <a:defRPr sz="1400" b="0" i="0" u="none" strike="noStrike" cap="none">
           <a:solidFill>
             <a:srgbClr val="000000"/>
           </a:solidFill>
@@ -8803,7 +9087,7 @@
           <a:sym typeface="Arial"/>
         </a:defRPr>
       </a:lvl1pPr>
-      <a:lvl2pPr lvl="1" marR="0" rtl="0" algn="l">
+      <a:lvl2pPr marR="0" lvl="1" algn="l" rtl="0">
         <a:lnSpc>
           <a:spcPct val="100000"/>
         </a:lnSpc>
@@ -8814,7 +9098,7 @@
           <a:spcPts val="0"/>
         </a:spcAft>
         <a:buNone/>
-        <a:defRPr b="0" i="0" sz="1400" u="none" cap="none" strike="noStrike">
+        <a:defRPr sz="1400" b="0" i="0" u="none" strike="noStrike" cap="none">
           <a:solidFill>
             <a:srgbClr val="000000"/>
           </a:solidFill>
@@ -8824,7 +9108,7 @@
           <a:sym typeface="Arial"/>
         </a:defRPr>
       </a:lvl2pPr>
-      <a:lvl3pPr lvl="2" marR="0" rtl="0" algn="l">
+      <a:lvl3pPr marR="0" lvl="2" algn="l" rtl="0">
         <a:lnSpc>
           <a:spcPct val="100000"/>
         </a:lnSpc>
@@ -8835,7 +9119,7 @@
           <a:spcPts val="0"/>
         </a:spcAft>
         <a:buNone/>
-        <a:defRPr b="0" i="0" sz="1400" u="none" cap="none" strike="noStrike">
+        <a:defRPr sz="1400" b="0" i="0" u="none" strike="noStrike" cap="none">
           <a:solidFill>
             <a:srgbClr val="000000"/>
           </a:solidFill>
@@ -8845,7 +9129,7 @@
           <a:sym typeface="Arial"/>
         </a:defRPr>
       </a:lvl3pPr>
-      <a:lvl4pPr lvl="3" marR="0" rtl="0" algn="l">
+      <a:lvl4pPr marR="0" lvl="3" algn="l" rtl="0">
         <a:lnSpc>
           <a:spcPct val="100000"/>
         </a:lnSpc>
@@ -8856,7 +9140,7 @@
           <a:spcPts val="0"/>
         </a:spcAft>
         <a:buNone/>
-        <a:defRPr b="0" i="0" sz="1400" u="none" cap="none" strike="noStrike">
+        <a:defRPr sz="1400" b="0" i="0" u="none" strike="noStrike" cap="none">
           <a:solidFill>
             <a:srgbClr val="000000"/>
           </a:solidFill>
@@ -8866,7 +9150,7 @@
           <a:sym typeface="Arial"/>
         </a:defRPr>
       </a:lvl4pPr>
-      <a:lvl5pPr lvl="4" marR="0" rtl="0" algn="l">
+      <a:lvl5pPr marR="0" lvl="4" algn="l" rtl="0">
         <a:lnSpc>
           <a:spcPct val="100000"/>
         </a:lnSpc>
@@ -8877,7 +9161,7 @@
           <a:spcPts val="0"/>
         </a:spcAft>
         <a:buNone/>
-        <a:defRPr b="0" i="0" sz="1400" u="none" cap="none" strike="noStrike">
+        <a:defRPr sz="1400" b="0" i="0" u="none" strike="noStrike" cap="none">
           <a:solidFill>
             <a:srgbClr val="000000"/>
           </a:solidFill>
@@ -8887,7 +9171,7 @@
           <a:sym typeface="Arial"/>
         </a:defRPr>
       </a:lvl5pPr>
-      <a:lvl6pPr lvl="5" marR="0" rtl="0" algn="l">
+      <a:lvl6pPr marR="0" lvl="5" algn="l" rtl="0">
         <a:lnSpc>
           <a:spcPct val="100000"/>
         </a:lnSpc>
@@ -8898,7 +9182,7 @@
           <a:spcPts val="0"/>
         </a:spcAft>
         <a:buNone/>
-        <a:defRPr b="0" i="0" sz="1400" u="none" cap="none" strike="noStrike">
+        <a:defRPr sz="1400" b="0" i="0" u="none" strike="noStrike" cap="none">
           <a:solidFill>
             <a:srgbClr val="000000"/>
           </a:solidFill>
@@ -8908,7 +9192,7 @@
           <a:sym typeface="Arial"/>
         </a:defRPr>
       </a:lvl6pPr>
-      <a:lvl7pPr lvl="6" marR="0" rtl="0" algn="l">
+      <a:lvl7pPr marR="0" lvl="6" algn="l" rtl="0">
         <a:lnSpc>
           <a:spcPct val="100000"/>
         </a:lnSpc>
@@ -8919,7 +9203,7 @@
           <a:spcPts val="0"/>
         </a:spcAft>
         <a:buNone/>
-        <a:defRPr b="0" i="0" sz="1400" u="none" cap="none" strike="noStrike">
+        <a:defRPr sz="1400" b="0" i="0" u="none" strike="noStrike" cap="none">
           <a:solidFill>
             <a:srgbClr val="000000"/>
           </a:solidFill>
@@ -8929,7 +9213,7 @@
           <a:sym typeface="Arial"/>
         </a:defRPr>
       </a:lvl7pPr>
-      <a:lvl8pPr lvl="7" marR="0" rtl="0" algn="l">
+      <a:lvl8pPr marR="0" lvl="7" algn="l" rtl="0">
         <a:lnSpc>
           <a:spcPct val="100000"/>
         </a:lnSpc>
@@ -8940,7 +9224,7 @@
           <a:spcPts val="0"/>
         </a:spcAft>
         <a:buNone/>
-        <a:defRPr b="0" i="0" sz="1400" u="none" cap="none" strike="noStrike">
+        <a:defRPr sz="1400" b="0" i="0" u="none" strike="noStrike" cap="none">
           <a:solidFill>
             <a:srgbClr val="000000"/>
           </a:solidFill>
@@ -8950,7 +9234,7 @@
           <a:sym typeface="Arial"/>
         </a:defRPr>
       </a:lvl8pPr>
-      <a:lvl9pPr lvl="8" marR="0" rtl="0" algn="l">
+      <a:lvl9pPr marR="0" lvl="8" algn="l" rtl="0">
         <a:lnSpc>
           <a:spcPct val="100000"/>
         </a:lnSpc>
@@ -8961,7 +9245,7 @@
           <a:spcPts val="0"/>
         </a:spcAft>
         <a:buNone/>
-        <a:defRPr b="0" i="0" sz="1400" u="none" cap="none" strike="noStrike">
+        <a:defRPr sz="1400" b="0" i="0" u="none" strike="noStrike" cap="none">
           <a:solidFill>
             <a:srgbClr val="000000"/>
           </a:solidFill>
@@ -8973,7 +9257,7 @@
       </a:lvl9pPr>
     </p:bodyStyle>
     <p:otherStyle>
-      <a:defPPr lvl="0" marR="0" rtl="0" algn="l">
+      <a:defPPr marR="0" lvl="0" algn="l" rtl="0">
         <a:lnSpc>
           <a:spcPct val="100000"/>
         </a:lnSpc>
@@ -8984,7 +9268,7 @@
           <a:spcPts val="0"/>
         </a:spcAft>
       </a:defPPr>
-      <a:lvl1pPr lvl="0" marR="0" rtl="0" algn="l">
+      <a:lvl1pPr marR="0" lvl="0" algn="l" rtl="0">
         <a:lnSpc>
           <a:spcPct val="100000"/>
         </a:lnSpc>
@@ -8995,7 +9279,7 @@
           <a:spcPts val="0"/>
         </a:spcAft>
         <a:buNone/>
-        <a:defRPr b="0" i="0" sz="1400" u="none" cap="none" strike="noStrike">
+        <a:defRPr sz="1400" b="0" i="0" u="none" strike="noStrike" cap="none">
           <a:solidFill>
             <a:srgbClr val="000000"/>
           </a:solidFill>
@@ -9005,7 +9289,7 @@
           <a:sym typeface="Arial"/>
         </a:defRPr>
       </a:lvl1pPr>
-      <a:lvl2pPr lvl="1" marR="0" rtl="0" algn="l">
+      <a:lvl2pPr marR="0" lvl="1" algn="l" rtl="0">
         <a:lnSpc>
           <a:spcPct val="100000"/>
         </a:lnSpc>
@@ -9016,7 +9300,7 @@
           <a:spcPts val="0"/>
         </a:spcAft>
         <a:buNone/>
-        <a:defRPr b="0" i="0" sz="1400" u="none" cap="none" strike="noStrike">
+        <a:defRPr sz="1400" b="0" i="0" u="none" strike="noStrike" cap="none">
           <a:solidFill>
             <a:srgbClr val="000000"/>
           </a:solidFill>
@@ -9026,7 +9310,7 @@
           <a:sym typeface="Arial"/>
         </a:defRPr>
       </a:lvl2pPr>
-      <a:lvl3pPr lvl="2" marR="0" rtl="0" algn="l">
+      <a:lvl3pPr marR="0" lvl="2" algn="l" rtl="0">
         <a:lnSpc>
           <a:spcPct val="100000"/>
         </a:lnSpc>
@@ -9037,7 +9321,7 @@
           <a:spcPts val="0"/>
         </a:spcAft>
         <a:buNone/>
-        <a:defRPr b="0" i="0" sz="1400" u="none" cap="none" strike="noStrike">
+        <a:defRPr sz="1400" b="0" i="0" u="none" strike="noStrike" cap="none">
           <a:solidFill>
             <a:srgbClr val="000000"/>
           </a:solidFill>
@@ -9047,7 +9331,7 @@
           <a:sym typeface="Arial"/>
         </a:defRPr>
       </a:lvl3pPr>
-      <a:lvl4pPr lvl="3" marR="0" rtl="0" algn="l">
+      <a:lvl4pPr marR="0" lvl="3" algn="l" rtl="0">
         <a:lnSpc>
           <a:spcPct val="100000"/>
         </a:lnSpc>
@@ -9058,7 +9342,7 @@
           <a:spcPts val="0"/>
         </a:spcAft>
         <a:buNone/>
-        <a:defRPr b="0" i="0" sz="1400" u="none" cap="none" strike="noStrike">
+        <a:defRPr sz="1400" b="0" i="0" u="none" strike="noStrike" cap="none">
           <a:solidFill>
             <a:srgbClr val="000000"/>
           </a:solidFill>
@@ -9068,7 +9352,7 @@
           <a:sym typeface="Arial"/>
         </a:defRPr>
       </a:lvl4pPr>
-      <a:lvl5pPr lvl="4" marR="0" rtl="0" algn="l">
+      <a:lvl5pPr marR="0" lvl="4" algn="l" rtl="0">
         <a:lnSpc>
           <a:spcPct val="100000"/>
         </a:lnSpc>
@@ -9079,7 +9363,7 @@
           <a:spcPts val="0"/>
         </a:spcAft>
         <a:buNone/>
-        <a:defRPr b="0" i="0" sz="1400" u="none" cap="none" strike="noStrike">
+        <a:defRPr sz="1400" b="0" i="0" u="none" strike="noStrike" cap="none">
           <a:solidFill>
             <a:srgbClr val="000000"/>
           </a:solidFill>
@@ -9089,7 +9373,7 @@
           <a:sym typeface="Arial"/>
         </a:defRPr>
       </a:lvl5pPr>
-      <a:lvl6pPr lvl="5" marR="0" rtl="0" algn="l">
+      <a:lvl6pPr marR="0" lvl="5" algn="l" rtl="0">
         <a:lnSpc>
           <a:spcPct val="100000"/>
         </a:lnSpc>
@@ -9100,7 +9384,7 @@
           <a:spcPts val="0"/>
         </a:spcAft>
         <a:buNone/>
-        <a:defRPr b="0" i="0" sz="1400" u="none" cap="none" strike="noStrike">
+        <a:defRPr sz="1400" b="0" i="0" u="none" strike="noStrike" cap="none">
           <a:solidFill>
             <a:srgbClr val="000000"/>
           </a:solidFill>
@@ -9110,7 +9394,7 @@
           <a:sym typeface="Arial"/>
         </a:defRPr>
       </a:lvl6pPr>
-      <a:lvl7pPr lvl="6" marR="0" rtl="0" algn="l">
+      <a:lvl7pPr marR="0" lvl="6" algn="l" rtl="0">
         <a:lnSpc>
           <a:spcPct val="100000"/>
         </a:lnSpc>
@@ -9121,7 +9405,7 @@
           <a:spcPts val="0"/>
         </a:spcAft>
         <a:buNone/>
-        <a:defRPr b="0" i="0" sz="1400" u="none" cap="none" strike="noStrike">
+        <a:defRPr sz="1400" b="0" i="0" u="none" strike="noStrike" cap="none">
           <a:solidFill>
             <a:srgbClr val="000000"/>
           </a:solidFill>
@@ -9131,7 +9415,7 @@
           <a:sym typeface="Arial"/>
         </a:defRPr>
       </a:lvl7pPr>
-      <a:lvl8pPr lvl="7" marR="0" rtl="0" algn="l">
+      <a:lvl8pPr marR="0" lvl="7" algn="l" rtl="0">
         <a:lnSpc>
           <a:spcPct val="100000"/>
         </a:lnSpc>
@@ -9142,7 +9426,7 @@
           <a:spcPts val="0"/>
         </a:spcAft>
         <a:buNone/>
-        <a:defRPr b="0" i="0" sz="1400" u="none" cap="none" strike="noStrike">
+        <a:defRPr sz="1400" b="0" i="0" u="none" strike="noStrike" cap="none">
           <a:solidFill>
             <a:srgbClr val="000000"/>
           </a:solidFill>
@@ -9152,7 +9436,7 @@
           <a:sym typeface="Arial"/>
         </a:defRPr>
       </a:lvl8pPr>
-      <a:lvl9pPr lvl="8" marR="0" rtl="0" algn="l">
+      <a:lvl9pPr marR="0" lvl="8" algn="l" rtl="0">
         <a:lnSpc>
           <a:spcPct val="100000"/>
         </a:lnSpc>
@@ -9163,7 +9447,7 @@
           <a:spcPts val="0"/>
         </a:spcAft>
         <a:buNone/>
-        <a:defRPr b="0" i="0" sz="1400" u="none" cap="none" strike="noStrike">
+        <a:defRPr sz="1400" b="0" i="0" u="none" strike="noStrike" cap="none">
           <a:solidFill>
             <a:srgbClr val="000000"/>
           </a:solidFill>
@@ -9179,11 +9463,11 @@
 </file>
 
 <file path=ppt/slides/slide1.xml><?xml version="1.0" encoding="utf-8"?>
-<p:sld xmlns:a="http://schemas.openxmlformats.org/drawingml/2006/main" xmlns:r="http://schemas.openxmlformats.org/officeDocument/2006/relationships" xmlns:mc="http://schemas.openxmlformats.org/markup-compatibility/2006" xmlns:mv="urn:schemas-microsoft-com:mac:vml" xmlns:p="http://schemas.openxmlformats.org/presentationml/2006/main" xmlns:c="http://schemas.openxmlformats.org/drawingml/2006/chart" xmlns:dgm="http://schemas.openxmlformats.org/drawingml/2006/diagram" xmlns:o="urn:schemas-microsoft-com:office:office" xmlns:v="urn:schemas-microsoft-com:vml" xmlns:pvml="urn:schemas-microsoft-com:office:powerpoint" xmlns:com="http://schemas.openxmlformats.org/drawingml/2006/compatibility" xmlns:p14="http://schemas.microsoft.com/office/powerpoint/2010/main">
+<p:sld xmlns:a="http://schemas.openxmlformats.org/drawingml/2006/main" xmlns:r="http://schemas.openxmlformats.org/officeDocument/2006/relationships" xmlns:p="http://schemas.openxmlformats.org/presentationml/2006/main">
   <p:cSld>
     <p:spTree>
       <p:nvGrpSpPr>
-        <p:cNvPr id="115" name="Shape 115"/>
+        <p:cNvPr id="1" name="Shape 115"/>
         <p:cNvGrpSpPr/>
         <p:nvPr/>
       </p:nvGrpSpPr>
@@ -9198,7 +9482,9 @@
       <p:sp>
         <p:nvSpPr>
           <p:cNvPr id="116" name="Shape 116"/>
-          <p:cNvSpPr txBox="1"/>
+          <p:cNvSpPr txBox="1">
+            <a:spLocks noGrp="1"/>
+          </p:cNvSpPr>
           <p:nvPr>
             <p:ph type="title"/>
           </p:nvPr>
@@ -9213,7 +9499,7 @@
           </a:prstGeom>
         </p:spPr>
         <p:txBody>
-          <a:bodyPr anchorCtr="0" anchor="ctr" bIns="91425" lIns="91425" rIns="91425" tIns="91425">
+          <a:bodyPr lIns="91425" tIns="91425" rIns="91425" bIns="91425" anchor="ctr" anchorCtr="0">
             <a:noAutofit/>
           </a:bodyPr>
           <a:lstStyle/>
@@ -9234,9 +9520,11 @@
       <p:sp>
         <p:nvSpPr>
           <p:cNvPr id="117" name="Shape 117"/>
-          <p:cNvSpPr txBox="1"/>
+          <p:cNvSpPr txBox="1">
+            <a:spLocks noGrp="1"/>
+          </p:cNvSpPr>
           <p:nvPr>
-            <p:ph idx="4294967295" type="subTitle"/>
+            <p:ph type="subTitle" idx="4294967295"/>
           </p:nvPr>
         </p:nvSpPr>
         <p:spPr>
@@ -9249,7 +9537,7 @@
           </a:prstGeom>
         </p:spPr>
         <p:txBody>
-          <a:bodyPr anchorCtr="0" anchor="t" bIns="91425" lIns="91425" rIns="91425" tIns="91425">
+          <a:bodyPr lIns="91425" tIns="91425" rIns="91425" bIns="91425" anchor="t" anchorCtr="0">
             <a:noAutofit/>
           </a:bodyPr>
           <a:lstStyle/>
@@ -9276,137 +9564,11 @@
 </file>
 
 <file path=ppt/slides/slide10.xml><?xml version="1.0" encoding="utf-8"?>
-<p:sld xmlns:a="http://schemas.openxmlformats.org/drawingml/2006/main" xmlns:r="http://schemas.openxmlformats.org/officeDocument/2006/relationships" xmlns:mc="http://schemas.openxmlformats.org/markup-compatibility/2006" xmlns:mv="urn:schemas-microsoft-com:mac:vml" xmlns:p="http://schemas.openxmlformats.org/presentationml/2006/main" xmlns:c="http://schemas.openxmlformats.org/drawingml/2006/chart" xmlns:dgm="http://schemas.openxmlformats.org/drawingml/2006/diagram" xmlns:o="urn:schemas-microsoft-com:office:office" xmlns:v="urn:schemas-microsoft-com:vml" xmlns:pvml="urn:schemas-microsoft-com:office:powerpoint" xmlns:com="http://schemas.openxmlformats.org/drawingml/2006/compatibility" xmlns:p14="http://schemas.microsoft.com/office/powerpoint/2010/main">
+<p:sld xmlns:a="http://schemas.openxmlformats.org/drawingml/2006/main" xmlns:r="http://schemas.openxmlformats.org/officeDocument/2006/relationships" xmlns:p="http://schemas.openxmlformats.org/presentationml/2006/main">
   <p:cSld>
     <p:spTree>
       <p:nvGrpSpPr>
-        <p:cNvPr id="168" name="Shape 168"/>
-        <p:cNvGrpSpPr/>
-        <p:nvPr/>
-      </p:nvGrpSpPr>
-      <p:grpSpPr>
-        <a:xfrm>
-          <a:off x="0" y="0"/>
-          <a:ext cx="0" cy="0"/>
-          <a:chOff x="0" y="0"/>
-          <a:chExt cx="0" cy="0"/>
-        </a:xfrm>
-      </p:grpSpPr>
-      <p:sp>
-        <p:nvSpPr>
-          <p:cNvPr id="169" name="Shape 169"/>
-          <p:cNvSpPr txBox="1"/>
-          <p:nvPr>
-            <p:ph type="title"/>
-          </p:nvPr>
-        </p:nvSpPr>
-        <p:spPr>
-          <a:xfrm>
-            <a:off x="317700" y="369325"/>
-            <a:ext cx="6934800" cy="1579200"/>
-          </a:xfrm>
-          <a:prstGeom prst="rect">
-            <a:avLst/>
-          </a:prstGeom>
-        </p:spPr>
-        <p:txBody>
-          <a:bodyPr anchorCtr="0" anchor="b" bIns="91425" lIns="91425" rIns="91425" tIns="91425">
-            <a:noAutofit/>
-          </a:bodyPr>
-          <a:lstStyle/>
-          <a:p>
-            <a:pPr lvl="0">
-              <a:spcBef>
-                <a:spcPts val="0"/>
-              </a:spcBef>
-              <a:buNone/>
-            </a:pPr>
-            <a:r>
-              <a:rPr lang="en"/>
-              <a:t>Package</a:t>
-            </a:r>
-          </a:p>
-        </p:txBody>
-      </p:sp>
-      <p:sp>
-        <p:nvSpPr>
-          <p:cNvPr id="170" name="Shape 170"/>
-          <p:cNvSpPr txBox="1"/>
-          <p:nvPr>
-            <p:ph idx="1" type="body"/>
-          </p:nvPr>
-        </p:nvSpPr>
-        <p:spPr>
-          <a:xfrm>
-            <a:off x="317700" y="2432075"/>
-            <a:ext cx="8826300" cy="2329800"/>
-          </a:xfrm>
-          <a:prstGeom prst="rect">
-            <a:avLst/>
-          </a:prstGeom>
-        </p:spPr>
-        <p:txBody>
-          <a:bodyPr anchorCtr="0" anchor="t" bIns="91425" lIns="91425" rIns="91425" tIns="91425">
-            <a:noAutofit/>
-          </a:bodyPr>
-          <a:lstStyle/>
-          <a:p>
-            <a:pPr lvl="0">
-              <a:spcBef>
-                <a:spcPts val="0"/>
-              </a:spcBef>
-              <a:buNone/>
-            </a:pPr>
-            <a:r>
-              <a:rPr b="1" lang="en">
-                <a:solidFill>
-                  <a:schemeClr val="hlink"/>
-                </a:solidFill>
-                <a:hlinkClick r:id="rId3"/>
-              </a:rPr>
-              <a:t>What Is a Package?</a:t>
-            </a:r>
-          </a:p>
-          <a:p>
-            <a:pPr lvl="0" algn="just">
-              <a:spcBef>
-                <a:spcPts val="0"/>
-              </a:spcBef>
-              <a:buNone/>
-            </a:pPr>
-            <a:r>
-              <a:rPr lang="en"/>
-              <a:t>A package is a namespace for organizing classes and interfaces in a logical manner. Placing your code into packages makes large software projects easier to manage. This section explains why this is useful, and introduces you to the Application Programming Interface (API) provided by the Java platform.</a:t>
-            </a:r>
-          </a:p>
-          <a:p>
-            <a:pPr lvl="0">
-              <a:spcBef>
-                <a:spcPts val="0"/>
-              </a:spcBef>
-              <a:buNone/>
-            </a:pPr>
-            <a:r>
-              <a:t/>
-            </a:r>
-            <a:endParaRPr/>
-          </a:p>
-        </p:txBody>
-      </p:sp>
-    </p:spTree>
-  </p:cSld>
-  <p:clrMapOvr>
-    <a:masterClrMapping/>
-  </p:clrMapOvr>
-</p:sld>
-</file>
-
-<file path=ppt/slides/slide11.xml><?xml version="1.0" encoding="utf-8"?>
-<p:sld xmlns:a="http://schemas.openxmlformats.org/drawingml/2006/main" xmlns:r="http://schemas.openxmlformats.org/officeDocument/2006/relationships" xmlns:mc="http://schemas.openxmlformats.org/markup-compatibility/2006" xmlns:mv="urn:schemas-microsoft-com:mac:vml" xmlns:p="http://schemas.openxmlformats.org/presentationml/2006/main" xmlns:c="http://schemas.openxmlformats.org/drawingml/2006/chart" xmlns:dgm="http://schemas.openxmlformats.org/drawingml/2006/diagram" xmlns:o="urn:schemas-microsoft-com:office:office" xmlns:v="urn:schemas-microsoft-com:vml" xmlns:pvml="urn:schemas-microsoft-com:office:powerpoint" xmlns:com="http://schemas.openxmlformats.org/drawingml/2006/compatibility" xmlns:p14="http://schemas.microsoft.com/office/powerpoint/2010/main">
-  <p:cSld>
-    <p:spTree>
-      <p:nvGrpSpPr>
-        <p:cNvPr id="174" name="Shape 174"/>
+        <p:cNvPr id="1" name="Shape 174"/>
         <p:cNvGrpSpPr/>
         <p:nvPr/>
       </p:nvGrpSpPr>
@@ -9428,7 +9590,7 @@
           <a:blip r:embed="rId3">
             <a:alphaModFix/>
           </a:blip>
-          <a:srcRect b="0" l="1503" r="1503" t="0"/>
+          <a:srcRect l="1503" r="1503"/>
           <a:stretch/>
         </p:blipFill>
         <p:spPr>
@@ -9448,7 +9610,9 @@
       <p:sp>
         <p:nvSpPr>
           <p:cNvPr id="176" name="Shape 176"/>
-          <p:cNvSpPr txBox="1"/>
+          <p:cNvSpPr txBox="1">
+            <a:spLocks noGrp="1"/>
+          </p:cNvSpPr>
           <p:nvPr>
             <p:ph type="title"/>
           </p:nvPr>
@@ -9463,7 +9627,7 @@
           </a:prstGeom>
         </p:spPr>
         <p:txBody>
-          <a:bodyPr anchorCtr="0" anchor="t" bIns="91425" lIns="91425" rIns="91425" tIns="91425">
+          <a:bodyPr lIns="91425" tIns="91425" rIns="91425" bIns="91425" anchor="t" anchorCtr="0">
             <a:noAutofit/>
           </a:bodyPr>
           <a:lstStyle/>
@@ -9489,12 +9653,12 @@
 </p:sld>
 </file>
 
-<file path=ppt/slides/slide12.xml><?xml version="1.0" encoding="utf-8"?>
-<p:sld xmlns:a="http://schemas.openxmlformats.org/drawingml/2006/main" xmlns:r="http://schemas.openxmlformats.org/officeDocument/2006/relationships" xmlns:mc="http://schemas.openxmlformats.org/markup-compatibility/2006" xmlns:mv="urn:schemas-microsoft-com:mac:vml" xmlns:p="http://schemas.openxmlformats.org/presentationml/2006/main" xmlns:c="http://schemas.openxmlformats.org/drawingml/2006/chart" xmlns:dgm="http://schemas.openxmlformats.org/drawingml/2006/diagram" xmlns:o="urn:schemas-microsoft-com:office:office" xmlns:v="urn:schemas-microsoft-com:vml" xmlns:pvml="urn:schemas-microsoft-com:office:powerpoint" xmlns:com="http://schemas.openxmlformats.org/drawingml/2006/compatibility" xmlns:p14="http://schemas.microsoft.com/office/powerpoint/2010/main">
+<file path=ppt/slides/slide11.xml><?xml version="1.0" encoding="utf-8"?>
+<p:sld xmlns:a="http://schemas.openxmlformats.org/drawingml/2006/main" xmlns:r="http://schemas.openxmlformats.org/officeDocument/2006/relationships" xmlns:p="http://schemas.openxmlformats.org/presentationml/2006/main">
   <p:cSld>
     <p:spTree>
       <p:nvGrpSpPr>
-        <p:cNvPr id="180" name="Shape 180"/>
+        <p:cNvPr id="1" name="Shape 180"/>
         <p:cNvGrpSpPr/>
         <p:nvPr/>
       </p:nvGrpSpPr>
@@ -9516,7 +9680,7 @@
           <a:blip r:embed="rId3">
             <a:alphaModFix/>
           </a:blip>
-          <a:srcRect b="7257" l="0" r="0" t="7257"/>
+          <a:srcRect t="7257" b="7257"/>
           <a:stretch/>
         </p:blipFill>
         <p:spPr>
@@ -9536,7 +9700,9 @@
       <p:sp>
         <p:nvSpPr>
           <p:cNvPr id="182" name="Shape 182"/>
-          <p:cNvSpPr txBox="1"/>
+          <p:cNvSpPr txBox="1">
+            <a:spLocks noGrp="1"/>
+          </p:cNvSpPr>
           <p:nvPr>
             <p:ph type="title"/>
           </p:nvPr>
@@ -9551,7 +9717,7 @@
           </a:prstGeom>
         </p:spPr>
         <p:txBody>
-          <a:bodyPr anchorCtr="0" anchor="t" bIns="91425" lIns="91425" rIns="91425" tIns="91425">
+          <a:bodyPr lIns="91425" tIns="91425" rIns="91425" bIns="91425" anchor="t" anchorCtr="0">
             <a:noAutofit/>
           </a:bodyPr>
           <a:lstStyle/>
@@ -9578,64 +9744,11 @@
 </file>
 
 <file path=ppt/slides/slide2.xml><?xml version="1.0" encoding="utf-8"?>
-<p:sld xmlns:a="http://schemas.openxmlformats.org/drawingml/2006/main" xmlns:r="http://schemas.openxmlformats.org/officeDocument/2006/relationships" xmlns:mc="http://schemas.openxmlformats.org/markup-compatibility/2006" xmlns:mv="urn:schemas-microsoft-com:mac:vml" xmlns:p="http://schemas.openxmlformats.org/presentationml/2006/main" xmlns:c="http://schemas.openxmlformats.org/drawingml/2006/chart" xmlns:dgm="http://schemas.openxmlformats.org/drawingml/2006/diagram" xmlns:o="urn:schemas-microsoft-com:office:office" xmlns:v="urn:schemas-microsoft-com:vml" xmlns:pvml="urn:schemas-microsoft-com:office:powerpoint" xmlns:com="http://schemas.openxmlformats.org/drawingml/2006/compatibility" xmlns:p14="http://schemas.microsoft.com/office/powerpoint/2010/main">
+<p:sld xmlns:a="http://schemas.openxmlformats.org/drawingml/2006/main" xmlns:r="http://schemas.openxmlformats.org/officeDocument/2006/relationships" xmlns:p="http://schemas.openxmlformats.org/presentationml/2006/main">
   <p:cSld>
     <p:spTree>
       <p:nvGrpSpPr>
-        <p:cNvPr id="121" name="Shape 121"/>
-        <p:cNvGrpSpPr/>
-        <p:nvPr/>
-      </p:nvGrpSpPr>
-      <p:grpSpPr>
-        <a:xfrm>
-          <a:off x="0" y="0"/>
-          <a:ext cx="0" cy="0"/>
-          <a:chOff x="0" y="0"/>
-          <a:chExt cx="0" cy="0"/>
-        </a:xfrm>
-      </p:grpSpPr>
-      <p:pic>
-        <p:nvPicPr>
-          <p:cNvPr id="122" name="Shape 122"/>
-          <p:cNvPicPr preferRelativeResize="0"/>
-          <p:nvPr/>
-        </p:nvPicPr>
-        <p:blipFill>
-          <a:blip r:embed="rId3">
-            <a:alphaModFix/>
-          </a:blip>
-          <a:stretch>
-            <a:fillRect/>
-          </a:stretch>
-        </p:blipFill>
-        <p:spPr>
-          <a:xfrm>
-            <a:off x="0" y="0"/>
-            <a:ext cx="9143999" cy="5143499"/>
-          </a:xfrm>
-          <a:prstGeom prst="rect">
-            <a:avLst/>
-          </a:prstGeom>
-          <a:noFill/>
-          <a:ln>
-            <a:noFill/>
-          </a:ln>
-        </p:spPr>
-      </p:pic>
-    </p:spTree>
-  </p:cSld>
-  <p:clrMapOvr>
-    <a:masterClrMapping/>
-  </p:clrMapOvr>
-</p:sld>
-</file>
-
-<file path=ppt/slides/slide3.xml><?xml version="1.0" encoding="utf-8"?>
-<p:sld xmlns:a="http://schemas.openxmlformats.org/drawingml/2006/main" xmlns:r="http://schemas.openxmlformats.org/officeDocument/2006/relationships" xmlns:mc="http://schemas.openxmlformats.org/markup-compatibility/2006" xmlns:mv="urn:schemas-microsoft-com:mac:vml" xmlns:p="http://schemas.openxmlformats.org/presentationml/2006/main" xmlns:c="http://schemas.openxmlformats.org/drawingml/2006/chart" xmlns:dgm="http://schemas.openxmlformats.org/drawingml/2006/diagram" xmlns:o="urn:schemas-microsoft-com:office:office" xmlns:v="urn:schemas-microsoft-com:vml" xmlns:pvml="urn:schemas-microsoft-com:office:powerpoint" xmlns:com="http://schemas.openxmlformats.org/drawingml/2006/compatibility" xmlns:p14="http://schemas.microsoft.com/office/powerpoint/2010/main">
-  <p:cSld>
-    <p:spTree>
-      <p:nvGrpSpPr>
-        <p:cNvPr id="126" name="Shape 126"/>
+        <p:cNvPr id="1" name="Shape 126"/>
         <p:cNvGrpSpPr/>
         <p:nvPr/>
       </p:nvGrpSpPr>
@@ -9650,7 +9763,9 @@
       <p:sp>
         <p:nvSpPr>
           <p:cNvPr id="127" name="Shape 127"/>
-          <p:cNvSpPr txBox="1"/>
+          <p:cNvSpPr txBox="1">
+            <a:spLocks noGrp="1"/>
+          </p:cNvSpPr>
           <p:nvPr>
             <p:ph type="title"/>
           </p:nvPr>
@@ -9665,7 +9780,7 @@
           </a:prstGeom>
         </p:spPr>
         <p:txBody>
-          <a:bodyPr anchorCtr="0" anchor="b" bIns="91425" lIns="91425" rIns="91425" tIns="91425">
+          <a:bodyPr lIns="91425" tIns="91425" rIns="91425" bIns="91425" anchor="b" anchorCtr="0">
             <a:noAutofit/>
           </a:bodyPr>
           <a:lstStyle/>
@@ -9686,9 +9801,11 @@
       <p:sp>
         <p:nvSpPr>
           <p:cNvPr id="128" name="Shape 128"/>
-          <p:cNvSpPr txBox="1"/>
+          <p:cNvSpPr txBox="1">
+            <a:spLocks noGrp="1"/>
+          </p:cNvSpPr>
           <p:nvPr>
-            <p:ph idx="1" type="body"/>
+            <p:ph type="body" idx="1"/>
           </p:nvPr>
         </p:nvSpPr>
         <p:spPr>
@@ -9701,7 +9818,7 @@
           </a:prstGeom>
         </p:spPr>
         <p:txBody>
-          <a:bodyPr anchorCtr="0" anchor="t" bIns="91425" lIns="91425" rIns="91425" tIns="91425">
+          <a:bodyPr lIns="91425" tIns="91425" rIns="91425" bIns="91425" anchor="t" anchorCtr="0">
             <a:noAutofit/>
           </a:bodyPr>
           <a:lstStyle/>
@@ -9717,7 +9834,7 @@
               <a:t>The basic unit of OOP is a </a:t>
             </a:r>
             <a:r>
-              <a:rPr i="1" lang="en"/>
+              <a:rPr lang="en" i="1"/>
               <a:t>class</a:t>
             </a:r>
             <a:r>
@@ -9725,7 +9842,7 @@
               <a:t>, which encapsulates both the </a:t>
             </a:r>
             <a:r>
-              <a:rPr i="1" lang="en"/>
+              <a:rPr lang="en" i="1"/>
               <a:t>static properties</a:t>
             </a:r>
             <a:r>
@@ -9733,7 +9850,7 @@
               <a:t> and </a:t>
             </a:r>
             <a:r>
-              <a:rPr i="1" lang="en"/>
+              <a:rPr lang="en" i="1"/>
               <a:t>dynamic operations</a:t>
             </a:r>
             <a:r>
@@ -9748,9 +9865,6 @@
               </a:spcBef>
               <a:buNone/>
             </a:pPr>
-            <a:r>
-              <a:t/>
-            </a:r>
             <a:endParaRPr/>
           </a:p>
         </p:txBody>
@@ -9763,12 +9877,12 @@
 </p:sld>
 </file>
 
-<file path=ppt/slides/slide4.xml><?xml version="1.0" encoding="utf-8"?>
-<p:sld xmlns:a="http://schemas.openxmlformats.org/drawingml/2006/main" xmlns:r="http://schemas.openxmlformats.org/officeDocument/2006/relationships" xmlns:mc="http://schemas.openxmlformats.org/markup-compatibility/2006" xmlns:mv="urn:schemas-microsoft-com:mac:vml" xmlns:p="http://schemas.openxmlformats.org/presentationml/2006/main" xmlns:c="http://schemas.openxmlformats.org/drawingml/2006/chart" xmlns:dgm="http://schemas.openxmlformats.org/drawingml/2006/diagram" xmlns:o="urn:schemas-microsoft-com:office:office" xmlns:v="urn:schemas-microsoft-com:vml" xmlns:pvml="urn:schemas-microsoft-com:office:powerpoint" xmlns:com="http://schemas.openxmlformats.org/drawingml/2006/compatibility" xmlns:p14="http://schemas.microsoft.com/office/powerpoint/2010/main">
+<file path=ppt/slides/slide3.xml><?xml version="1.0" encoding="utf-8"?>
+<p:sld xmlns:a="http://schemas.openxmlformats.org/drawingml/2006/main" xmlns:r="http://schemas.openxmlformats.org/officeDocument/2006/relationships" xmlns:p="http://schemas.openxmlformats.org/presentationml/2006/main">
   <p:cSld>
     <p:spTree>
       <p:nvGrpSpPr>
-        <p:cNvPr id="132" name="Shape 132"/>
+        <p:cNvPr id="1" name="Shape 132"/>
         <p:cNvGrpSpPr/>
         <p:nvPr/>
       </p:nvGrpSpPr>
@@ -9783,7 +9897,9 @@
       <p:sp>
         <p:nvSpPr>
           <p:cNvPr id="133" name="Shape 133"/>
-          <p:cNvSpPr txBox="1"/>
+          <p:cNvSpPr txBox="1">
+            <a:spLocks noGrp="1"/>
+          </p:cNvSpPr>
           <p:nvPr>
             <p:ph type="title"/>
           </p:nvPr>
@@ -9798,7 +9914,7 @@
           </a:prstGeom>
         </p:spPr>
         <p:txBody>
-          <a:bodyPr anchorCtr="0" anchor="b" bIns="91425" lIns="91425" rIns="91425" tIns="91425">
+          <a:bodyPr lIns="91425" tIns="91425" rIns="91425" bIns="91425" anchor="b" anchorCtr="0">
             <a:noAutofit/>
           </a:bodyPr>
           <a:lstStyle/>
@@ -9819,9 +9935,11 @@
       <p:sp>
         <p:nvSpPr>
           <p:cNvPr id="134" name="Shape 134"/>
-          <p:cNvSpPr txBox="1"/>
+          <p:cNvSpPr txBox="1">
+            <a:spLocks noGrp="1"/>
+          </p:cNvSpPr>
           <p:nvPr>
-            <p:ph idx="1" type="body"/>
+            <p:ph type="body" idx="1"/>
           </p:nvPr>
         </p:nvSpPr>
         <p:spPr>
@@ -9834,7 +9952,7 @@
           </a:prstGeom>
         </p:spPr>
         <p:txBody>
-          <a:bodyPr anchorCtr="0" anchor="t" bIns="91425" lIns="91425" rIns="91425" tIns="91425">
+          <a:bodyPr lIns="91425" tIns="91425" rIns="91425" bIns="91425" anchor="t" anchorCtr="0">
             <a:noAutofit/>
           </a:bodyPr>
           <a:lstStyle/>
@@ -9846,7 +9964,7 @@
               <a:buNone/>
             </a:pPr>
             <a:r>
-              <a:rPr b="1" lang="en">
+              <a:rPr lang="en" b="1">
                 <a:solidFill>
                   <a:schemeClr val="hlink"/>
                 </a:solidFill>
@@ -9856,7 +9974,7 @@
             </a:r>
           </a:p>
           <a:p>
-            <a:pPr lvl="0" rtl="0" algn="just">
+            <a:pPr lvl="0" algn="just" rtl="0">
               <a:spcBef>
                 <a:spcPts val="0"/>
               </a:spcBef>
@@ -9874,9 +9992,6 @@
               </a:spcBef>
               <a:buNone/>
             </a:pPr>
-            <a:r>
-              <a:t/>
-            </a:r>
             <a:endParaRPr/>
           </a:p>
         </p:txBody>
@@ -9889,12 +10004,12 @@
 </p:sld>
 </file>
 
-<file path=ppt/slides/slide5.xml><?xml version="1.0" encoding="utf-8"?>
-<p:sld xmlns:a="http://schemas.openxmlformats.org/drawingml/2006/main" xmlns:r="http://schemas.openxmlformats.org/officeDocument/2006/relationships" xmlns:mc="http://schemas.openxmlformats.org/markup-compatibility/2006" xmlns:mv="urn:schemas-microsoft-com:mac:vml" xmlns:p="http://schemas.openxmlformats.org/presentationml/2006/main" xmlns:c="http://schemas.openxmlformats.org/drawingml/2006/chart" xmlns:dgm="http://schemas.openxmlformats.org/drawingml/2006/diagram" xmlns:o="urn:schemas-microsoft-com:office:office" xmlns:v="urn:schemas-microsoft-com:vml" xmlns:pvml="urn:schemas-microsoft-com:office:powerpoint" xmlns:com="http://schemas.openxmlformats.org/drawingml/2006/compatibility" xmlns:p14="http://schemas.microsoft.com/office/powerpoint/2010/main">
+<file path=ppt/slides/slide4.xml><?xml version="1.0" encoding="utf-8"?>
+<p:sld xmlns:a="http://schemas.openxmlformats.org/drawingml/2006/main" xmlns:r="http://schemas.openxmlformats.org/officeDocument/2006/relationships" xmlns:p="http://schemas.openxmlformats.org/presentationml/2006/main">
   <p:cSld>
     <p:spTree>
       <p:nvGrpSpPr>
-        <p:cNvPr id="138" name="Shape 138"/>
+        <p:cNvPr id="1" name="Shape 138"/>
         <p:cNvGrpSpPr/>
         <p:nvPr/>
       </p:nvGrpSpPr>
@@ -9909,7 +10024,9 @@
       <p:sp>
         <p:nvSpPr>
           <p:cNvPr id="139" name="Shape 139"/>
-          <p:cNvSpPr txBox="1"/>
+          <p:cNvSpPr txBox="1">
+            <a:spLocks noGrp="1"/>
+          </p:cNvSpPr>
           <p:nvPr>
             <p:ph type="title"/>
           </p:nvPr>
@@ -9924,7 +10041,7 @@
           </a:prstGeom>
         </p:spPr>
         <p:txBody>
-          <a:bodyPr anchorCtr="0" anchor="b" bIns="91425" lIns="91425" rIns="91425" tIns="91425">
+          <a:bodyPr lIns="91425" tIns="91425" rIns="91425" bIns="91425" anchor="b" anchorCtr="0">
             <a:noAutofit/>
           </a:bodyPr>
           <a:lstStyle/>
@@ -9945,9 +10062,11 @@
       <p:sp>
         <p:nvSpPr>
           <p:cNvPr id="140" name="Shape 140"/>
-          <p:cNvSpPr txBox="1"/>
+          <p:cNvSpPr txBox="1">
+            <a:spLocks noGrp="1"/>
+          </p:cNvSpPr>
           <p:nvPr>
-            <p:ph idx="1" type="body"/>
+            <p:ph type="body" idx="1"/>
           </p:nvPr>
         </p:nvSpPr>
         <p:spPr>
@@ -9960,7 +10079,7 @@
           </a:prstGeom>
         </p:spPr>
         <p:txBody>
-          <a:bodyPr anchorCtr="0" anchor="t" bIns="91425" lIns="91425" rIns="91425" tIns="91425">
+          <a:bodyPr lIns="91425" tIns="91425" rIns="91425" bIns="91425" anchor="t" anchorCtr="0">
             <a:noAutofit/>
           </a:bodyPr>
           <a:lstStyle/>
@@ -9972,7 +10091,7 @@
               <a:buNone/>
             </a:pPr>
             <a:r>
-              <a:rPr b="1" lang="en">
+              <a:rPr lang="en" b="1">
                 <a:solidFill>
                   <a:schemeClr val="hlink"/>
                 </a:solidFill>
@@ -10000,9 +10119,6 @@
               </a:spcBef>
               <a:buNone/>
             </a:pPr>
-            <a:r>
-              <a:t/>
-            </a:r>
             <a:endParaRPr/>
           </a:p>
         </p:txBody>
@@ -10015,12 +10131,12 @@
 </p:sld>
 </file>
 
-<file path=ppt/slides/slide6.xml><?xml version="1.0" encoding="utf-8"?>
-<p:sld xmlns:a="http://schemas.openxmlformats.org/drawingml/2006/main" xmlns:r="http://schemas.openxmlformats.org/officeDocument/2006/relationships" xmlns:mc="http://schemas.openxmlformats.org/markup-compatibility/2006" xmlns:mv="urn:schemas-microsoft-com:mac:vml" xmlns:p="http://schemas.openxmlformats.org/presentationml/2006/main" xmlns:c="http://schemas.openxmlformats.org/drawingml/2006/chart" xmlns:dgm="http://schemas.openxmlformats.org/drawingml/2006/diagram" xmlns:o="urn:schemas-microsoft-com:office:office" xmlns:v="urn:schemas-microsoft-com:vml" xmlns:pvml="urn:schemas-microsoft-com:office:powerpoint" xmlns:com="http://schemas.openxmlformats.org/drawingml/2006/compatibility" xmlns:p14="http://schemas.microsoft.com/office/powerpoint/2010/main">
+<file path=ppt/slides/slide5.xml><?xml version="1.0" encoding="utf-8"?>
+<p:sld xmlns:a="http://schemas.openxmlformats.org/drawingml/2006/main" xmlns:r="http://schemas.openxmlformats.org/officeDocument/2006/relationships" xmlns:p="http://schemas.openxmlformats.org/presentationml/2006/main">
   <p:cSld>
     <p:spTree>
       <p:nvGrpSpPr>
-        <p:cNvPr id="144" name="Shape 144"/>
+        <p:cNvPr id="1" name="Shape 144"/>
         <p:cNvGrpSpPr/>
         <p:nvPr/>
       </p:nvGrpSpPr>
@@ -10035,7 +10151,9 @@
       <p:sp>
         <p:nvSpPr>
           <p:cNvPr id="145" name="Shape 145"/>
-          <p:cNvSpPr txBox="1"/>
+          <p:cNvSpPr txBox="1">
+            <a:spLocks noGrp="1"/>
+          </p:cNvSpPr>
           <p:nvPr>
             <p:ph type="title"/>
           </p:nvPr>
@@ -10050,7 +10168,7 @@
           </a:prstGeom>
         </p:spPr>
         <p:txBody>
-          <a:bodyPr anchorCtr="0" anchor="b" bIns="91425" lIns="91425" rIns="91425" tIns="91425">
+          <a:bodyPr lIns="91425" tIns="91425" rIns="91425" bIns="91425" anchor="b" anchorCtr="0">
             <a:noAutofit/>
           </a:bodyPr>
           <a:lstStyle/>
@@ -10071,9 +10189,11 @@
       <p:sp>
         <p:nvSpPr>
           <p:cNvPr id="146" name="Shape 146"/>
-          <p:cNvSpPr txBox="1"/>
+          <p:cNvSpPr txBox="1">
+            <a:spLocks noGrp="1"/>
+          </p:cNvSpPr>
           <p:nvPr>
-            <p:ph idx="1" type="body"/>
+            <p:ph type="body" idx="1"/>
           </p:nvPr>
         </p:nvSpPr>
         <p:spPr>
@@ -10086,12 +10206,12 @@
           </a:prstGeom>
         </p:spPr>
         <p:txBody>
-          <a:bodyPr anchorCtr="0" anchor="t" bIns="91425" lIns="91425" rIns="91425" tIns="91425">
+          <a:bodyPr lIns="91425" tIns="91425" rIns="91425" bIns="91425" anchor="t" anchorCtr="0">
             <a:noAutofit/>
           </a:bodyPr>
           <a:lstStyle/>
           <a:p>
-            <a:pPr lvl="0" rtl="0" algn="just">
+            <a:pPr lvl="0" algn="just" rtl="0">
               <a:lnSpc>
                 <a:spcPct val="100000"/>
               </a:lnSpc>
@@ -10112,7 +10232,7 @@
               <a:t>A </a:t>
             </a:r>
             <a:r>
-              <a:rPr i="1" lang="en">
+              <a:rPr lang="en" i="1">
                 <a:highlight>
                   <a:srgbClr val="FFFFFF"/>
                 </a:highlight>
@@ -10128,7 +10248,7 @@
               <a:t> is a special method that has the </a:t>
             </a:r>
             <a:r>
-              <a:rPr i="1" lang="en">
+              <a:rPr lang="en" i="1">
                 <a:highlight>
                   <a:srgbClr val="FFFFFF"/>
                 </a:highlight>
@@ -10145,7 +10265,7 @@
             </a:r>
           </a:p>
           <a:p>
-            <a:pPr lvl="0" rtl="0" algn="just">
+            <a:pPr lvl="0" algn="just" rtl="0">
               <a:lnSpc>
                 <a:spcPct val="100000"/>
               </a:lnSpc>
@@ -10167,7 +10287,7 @@
             </a:r>
           </a:p>
           <a:p>
-            <a:pPr indent="-330200" lvl="0" marL="711200" rtl="0" algn="just">
+            <a:pPr marL="711200" lvl="0" indent="-330200" algn="just" rtl="0">
               <a:lnSpc>
                 <a:spcPct val="100000"/>
               </a:lnSpc>
@@ -10190,7 +10310,7 @@
             </a:r>
           </a:p>
           <a:p>
-            <a:pPr indent="-330200" lvl="0" marL="711200" rtl="0" algn="just">
+            <a:pPr marL="711200" lvl="0" indent="-330200" algn="just" rtl="0">
               <a:lnSpc>
                 <a:spcPct val="100000"/>
               </a:lnSpc>
@@ -10213,7 +10333,7 @@
             </a:r>
           </a:p>
           <a:p>
-            <a:pPr indent="-330200" lvl="0" marL="711200" rtl="0" algn="just">
+            <a:pPr marL="711200" lvl="0" indent="-330200" algn="just" rtl="0">
               <a:lnSpc>
                 <a:spcPct val="100000"/>
               </a:lnSpc>
@@ -10235,7 +10355,7 @@
               <a:t>Constructor can only be invoked via the "new" operator. It can only be used </a:t>
             </a:r>
             <a:r>
-              <a:rPr i="1" lang="en">
+              <a:rPr lang="en" i="1">
                 <a:highlight>
                   <a:srgbClr val="FFFFFF"/>
                 </a:highlight>
@@ -10252,7 +10372,7 @@
             </a:r>
           </a:p>
           <a:p>
-            <a:pPr indent="-330200" lvl="0" marL="711200" rtl="0" algn="just">
+            <a:pPr marL="711200" lvl="0" indent="-330200" algn="just" rtl="0">
               <a:lnSpc>
                 <a:spcPct val="100000"/>
               </a:lnSpc>
@@ -10275,15 +10395,12 @@
             </a:r>
           </a:p>
           <a:p>
-            <a:pPr lvl="0" rtl="0" algn="just">
+            <a:pPr lvl="0" algn="just" rtl="0">
               <a:spcBef>
                 <a:spcPts val="0"/>
               </a:spcBef>
               <a:buNone/>
             </a:pPr>
-            <a:r>
-              <a:t/>
-            </a:r>
             <a:endParaRPr sz="1050">
               <a:highlight>
                 <a:srgbClr val="FFFFFF"/>
@@ -10301,9 +10418,6 @@
               </a:spcBef>
               <a:buNone/>
             </a:pPr>
-            <a:r>
-              <a:t/>
-            </a:r>
             <a:endParaRPr/>
           </a:p>
         </p:txBody>
@@ -10316,12 +10430,12 @@
 </p:sld>
 </file>
 
-<file path=ppt/slides/slide7.xml><?xml version="1.0" encoding="utf-8"?>
-<p:sld xmlns:a="http://schemas.openxmlformats.org/drawingml/2006/main" xmlns:r="http://schemas.openxmlformats.org/officeDocument/2006/relationships" xmlns:mc="http://schemas.openxmlformats.org/markup-compatibility/2006" xmlns:mv="urn:schemas-microsoft-com:mac:vml" xmlns:p="http://schemas.openxmlformats.org/presentationml/2006/main" xmlns:c="http://schemas.openxmlformats.org/drawingml/2006/chart" xmlns:dgm="http://schemas.openxmlformats.org/drawingml/2006/diagram" xmlns:o="urn:schemas-microsoft-com:office:office" xmlns:v="urn:schemas-microsoft-com:vml" xmlns:pvml="urn:schemas-microsoft-com:office:powerpoint" xmlns:com="http://schemas.openxmlformats.org/drawingml/2006/compatibility" xmlns:p14="http://schemas.microsoft.com/office/powerpoint/2010/main">
+<file path=ppt/slides/slide6.xml><?xml version="1.0" encoding="utf-8"?>
+<p:sld xmlns:a="http://schemas.openxmlformats.org/drawingml/2006/main" xmlns:r="http://schemas.openxmlformats.org/officeDocument/2006/relationships" xmlns:p="http://schemas.openxmlformats.org/presentationml/2006/main">
   <p:cSld>
     <p:spTree>
       <p:nvGrpSpPr>
-        <p:cNvPr id="150" name="Shape 150"/>
+        <p:cNvPr id="1" name="Shape 150"/>
         <p:cNvGrpSpPr/>
         <p:nvPr/>
       </p:nvGrpSpPr>
@@ -10336,7 +10450,9 @@
       <p:sp>
         <p:nvSpPr>
           <p:cNvPr id="151" name="Shape 151"/>
-          <p:cNvSpPr txBox="1"/>
+          <p:cNvSpPr txBox="1">
+            <a:spLocks noGrp="1"/>
+          </p:cNvSpPr>
           <p:nvPr>
             <p:ph type="title"/>
           </p:nvPr>
@@ -10351,7 +10467,7 @@
           </a:prstGeom>
         </p:spPr>
         <p:txBody>
-          <a:bodyPr anchorCtr="0" anchor="b" bIns="91425" lIns="91425" rIns="91425" tIns="91425">
+          <a:bodyPr lIns="91425" tIns="91425" rIns="91425" bIns="91425" anchor="b" anchorCtr="0">
             <a:noAutofit/>
           </a:bodyPr>
           <a:lstStyle/>
@@ -10372,9 +10488,11 @@
       <p:sp>
         <p:nvSpPr>
           <p:cNvPr id="152" name="Shape 152"/>
-          <p:cNvSpPr txBox="1"/>
+          <p:cNvSpPr txBox="1">
+            <a:spLocks noGrp="1"/>
+          </p:cNvSpPr>
           <p:nvPr>
-            <p:ph idx="1" type="body"/>
+            <p:ph type="body" idx="1"/>
           </p:nvPr>
         </p:nvSpPr>
         <p:spPr>
@@ -10387,7 +10505,7 @@
           </a:prstGeom>
         </p:spPr>
         <p:txBody>
-          <a:bodyPr anchorCtr="0" anchor="t" bIns="91425" lIns="91425" rIns="91425" tIns="91425">
+          <a:bodyPr lIns="91425" tIns="91425" rIns="91425" bIns="91425" anchor="t" anchorCtr="0">
             <a:noAutofit/>
           </a:bodyPr>
           <a:lstStyle/>
@@ -10399,7 +10517,7 @@
               <a:buNone/>
             </a:pPr>
             <a:r>
-              <a:rPr b="1" lang="en">
+              <a:rPr lang="en" b="1">
                 <a:solidFill>
                   <a:schemeClr val="hlink"/>
                 </a:solidFill>
@@ -10427,9 +10545,6 @@
               </a:spcBef>
               <a:buNone/>
             </a:pPr>
-            <a:r>
-              <a:t/>
-            </a:r>
             <a:endParaRPr/>
           </a:p>
         </p:txBody>
@@ -10442,12 +10557,12 @@
 </p:sld>
 </file>
 
-<file path=ppt/slides/slide8.xml><?xml version="1.0" encoding="utf-8"?>
-<p:sld xmlns:a="http://schemas.openxmlformats.org/drawingml/2006/main" xmlns:r="http://schemas.openxmlformats.org/officeDocument/2006/relationships" xmlns:mc="http://schemas.openxmlformats.org/markup-compatibility/2006" xmlns:mv="urn:schemas-microsoft-com:mac:vml" xmlns:p="http://schemas.openxmlformats.org/presentationml/2006/main" xmlns:c="http://schemas.openxmlformats.org/drawingml/2006/chart" xmlns:dgm="http://schemas.openxmlformats.org/drawingml/2006/diagram" xmlns:o="urn:schemas-microsoft-com:office:office" xmlns:v="urn:schemas-microsoft-com:vml" xmlns:pvml="urn:schemas-microsoft-com:office:powerpoint" xmlns:com="http://schemas.openxmlformats.org/drawingml/2006/compatibility" xmlns:p14="http://schemas.microsoft.com/office/powerpoint/2010/main">
+<file path=ppt/slides/slide7.xml><?xml version="1.0" encoding="utf-8"?>
+<p:sld xmlns:a="http://schemas.openxmlformats.org/drawingml/2006/main" xmlns:r="http://schemas.openxmlformats.org/officeDocument/2006/relationships" xmlns:p="http://schemas.openxmlformats.org/presentationml/2006/main">
   <p:cSld>
     <p:spTree>
       <p:nvGrpSpPr>
-        <p:cNvPr id="156" name="Shape 156"/>
+        <p:cNvPr id="1" name="Shape 156"/>
         <p:cNvGrpSpPr/>
         <p:nvPr/>
       </p:nvGrpSpPr>
@@ -10462,7 +10577,9 @@
       <p:sp>
         <p:nvSpPr>
           <p:cNvPr id="157" name="Shape 157"/>
-          <p:cNvSpPr txBox="1"/>
+          <p:cNvSpPr txBox="1">
+            <a:spLocks noGrp="1"/>
+          </p:cNvSpPr>
           <p:nvPr>
             <p:ph type="title"/>
           </p:nvPr>
@@ -10477,7 +10594,7 @@
           </a:prstGeom>
         </p:spPr>
         <p:txBody>
-          <a:bodyPr anchorCtr="0" anchor="b" bIns="91425" lIns="91425" rIns="91425" tIns="91425">
+          <a:bodyPr lIns="91425" tIns="91425" rIns="91425" bIns="91425" anchor="b" anchorCtr="0">
             <a:noAutofit/>
           </a:bodyPr>
           <a:lstStyle/>
@@ -10498,9 +10615,11 @@
       <p:sp>
         <p:nvSpPr>
           <p:cNvPr id="158" name="Shape 158"/>
-          <p:cNvSpPr txBox="1"/>
+          <p:cNvSpPr txBox="1">
+            <a:spLocks noGrp="1"/>
+          </p:cNvSpPr>
           <p:nvPr>
-            <p:ph idx="1" type="body"/>
+            <p:ph type="body" idx="1"/>
           </p:nvPr>
         </p:nvSpPr>
         <p:spPr>
@@ -10513,7 +10632,7 @@
           </a:prstGeom>
         </p:spPr>
         <p:txBody>
-          <a:bodyPr anchorCtr="0" anchor="t" bIns="91425" lIns="91425" rIns="91425" tIns="91425">
+          <a:bodyPr lIns="91425" tIns="91425" rIns="91425" bIns="91425" anchor="t" anchorCtr="0">
             <a:noAutofit/>
           </a:bodyPr>
           <a:lstStyle/>
@@ -10525,7 +10644,7 @@
               <a:buNone/>
             </a:pPr>
             <a:r>
-              <a:rPr b="1" lang="en">
+              <a:rPr lang="en" b="1">
                 <a:solidFill>
                   <a:schemeClr val="hlink"/>
                 </a:solidFill>
@@ -10553,9 +10672,6 @@
               </a:spcBef>
               <a:buNone/>
             </a:pPr>
-            <a:r>
-              <a:t/>
-            </a:r>
             <a:endParaRPr/>
           </a:p>
         </p:txBody>
@@ -10568,12 +10684,12 @@
 </p:sld>
 </file>
 
-<file path=ppt/slides/slide9.xml><?xml version="1.0" encoding="utf-8"?>
-<p:sld xmlns:a="http://schemas.openxmlformats.org/drawingml/2006/main" xmlns:r="http://schemas.openxmlformats.org/officeDocument/2006/relationships" xmlns:mc="http://schemas.openxmlformats.org/markup-compatibility/2006" xmlns:mv="urn:schemas-microsoft-com:mac:vml" xmlns:p="http://schemas.openxmlformats.org/presentationml/2006/main" xmlns:c="http://schemas.openxmlformats.org/drawingml/2006/chart" xmlns:dgm="http://schemas.openxmlformats.org/drawingml/2006/diagram" xmlns:o="urn:schemas-microsoft-com:office:office" xmlns:v="urn:schemas-microsoft-com:vml" xmlns:pvml="urn:schemas-microsoft-com:office:powerpoint" xmlns:com="http://schemas.openxmlformats.org/drawingml/2006/compatibility" xmlns:p14="http://schemas.microsoft.com/office/powerpoint/2010/main">
+<file path=ppt/slides/slide8.xml><?xml version="1.0" encoding="utf-8"?>
+<p:sld xmlns:a="http://schemas.openxmlformats.org/drawingml/2006/main" xmlns:r="http://schemas.openxmlformats.org/officeDocument/2006/relationships" xmlns:p="http://schemas.openxmlformats.org/presentationml/2006/main">
   <p:cSld>
     <p:spTree>
       <p:nvGrpSpPr>
-        <p:cNvPr id="162" name="Shape 162"/>
+        <p:cNvPr id="1" name="Shape 162"/>
         <p:cNvGrpSpPr/>
         <p:nvPr/>
       </p:nvGrpSpPr>
@@ -10588,7 +10704,9 @@
       <p:sp>
         <p:nvSpPr>
           <p:cNvPr id="163" name="Shape 163"/>
-          <p:cNvSpPr txBox="1"/>
+          <p:cNvSpPr txBox="1">
+            <a:spLocks noGrp="1"/>
+          </p:cNvSpPr>
           <p:nvPr>
             <p:ph type="title"/>
           </p:nvPr>
@@ -10603,7 +10721,7 @@
           </a:prstGeom>
         </p:spPr>
         <p:txBody>
-          <a:bodyPr anchorCtr="0" anchor="b" bIns="91425" lIns="91425" rIns="91425" tIns="91425">
+          <a:bodyPr lIns="91425" tIns="91425" rIns="91425" bIns="91425" anchor="b" anchorCtr="0">
             <a:noAutofit/>
           </a:bodyPr>
           <a:lstStyle/>
@@ -10624,9 +10742,11 @@
       <p:sp>
         <p:nvSpPr>
           <p:cNvPr id="164" name="Shape 164"/>
-          <p:cNvSpPr txBox="1"/>
+          <p:cNvSpPr txBox="1">
+            <a:spLocks noGrp="1"/>
+          </p:cNvSpPr>
           <p:nvPr>
-            <p:ph idx="1" type="body"/>
+            <p:ph type="body" idx="1"/>
           </p:nvPr>
         </p:nvSpPr>
         <p:spPr>
@@ -10639,12 +10759,12 @@
           </a:prstGeom>
         </p:spPr>
         <p:txBody>
-          <a:bodyPr anchorCtr="0" anchor="t" bIns="91425" lIns="91425" rIns="91425" tIns="91425">
+          <a:bodyPr lIns="91425" tIns="91425" rIns="91425" bIns="91425" anchor="t" anchorCtr="0">
             <a:noAutofit/>
           </a:bodyPr>
           <a:lstStyle/>
           <a:p>
-            <a:pPr lvl="0" rtl="0" algn="just">
+            <a:pPr lvl="0" algn="just" rtl="0">
               <a:lnSpc>
                 <a:spcPct val="100000"/>
               </a:lnSpc>
@@ -10662,15 +10782,12 @@
             </a:r>
           </a:p>
           <a:p>
-            <a:pPr lvl="0" rtl="0" algn="just">
+            <a:pPr lvl="0" algn="just" rtl="0">
               <a:spcBef>
                 <a:spcPts val="0"/>
               </a:spcBef>
               <a:buNone/>
             </a:pPr>
-            <a:r>
-              <a:t/>
-            </a:r>
             <a:endParaRPr sz="1050">
               <a:highlight>
                 <a:srgbClr val="FFFFFF"/>
@@ -10688,9 +10805,133 @@
               </a:spcBef>
               <a:buNone/>
             </a:pPr>
+            <a:endParaRPr/>
+          </a:p>
+        </p:txBody>
+      </p:sp>
+    </p:spTree>
+  </p:cSld>
+  <p:clrMapOvr>
+    <a:masterClrMapping/>
+  </p:clrMapOvr>
+</p:sld>
+</file>
+
+<file path=ppt/slides/slide9.xml><?xml version="1.0" encoding="utf-8"?>
+<p:sld xmlns:a="http://schemas.openxmlformats.org/drawingml/2006/main" xmlns:r="http://schemas.openxmlformats.org/officeDocument/2006/relationships" xmlns:p="http://schemas.openxmlformats.org/presentationml/2006/main">
+  <p:cSld>
+    <p:spTree>
+      <p:nvGrpSpPr>
+        <p:cNvPr id="1" name="Shape 168"/>
+        <p:cNvGrpSpPr/>
+        <p:nvPr/>
+      </p:nvGrpSpPr>
+      <p:grpSpPr>
+        <a:xfrm>
+          <a:off x="0" y="0"/>
+          <a:ext cx="0" cy="0"/>
+          <a:chOff x="0" y="0"/>
+          <a:chExt cx="0" cy="0"/>
+        </a:xfrm>
+      </p:grpSpPr>
+      <p:sp>
+        <p:nvSpPr>
+          <p:cNvPr id="169" name="Shape 169"/>
+          <p:cNvSpPr txBox="1">
+            <a:spLocks noGrp="1"/>
+          </p:cNvSpPr>
+          <p:nvPr>
+            <p:ph type="title"/>
+          </p:nvPr>
+        </p:nvSpPr>
+        <p:spPr>
+          <a:xfrm>
+            <a:off x="317700" y="369325"/>
+            <a:ext cx="6934800" cy="1579200"/>
+          </a:xfrm>
+          <a:prstGeom prst="rect">
+            <a:avLst/>
+          </a:prstGeom>
+        </p:spPr>
+        <p:txBody>
+          <a:bodyPr lIns="91425" tIns="91425" rIns="91425" bIns="91425" anchor="b" anchorCtr="0">
+            <a:noAutofit/>
+          </a:bodyPr>
+          <a:lstStyle/>
+          <a:p>
+            <a:pPr lvl="0">
+              <a:spcBef>
+                <a:spcPts val="0"/>
+              </a:spcBef>
+              <a:buNone/>
+            </a:pPr>
             <a:r>
-              <a:t/>
+              <a:rPr lang="en"/>
+              <a:t>Package</a:t>
             </a:r>
+          </a:p>
+        </p:txBody>
+      </p:sp>
+      <p:sp>
+        <p:nvSpPr>
+          <p:cNvPr id="170" name="Shape 170"/>
+          <p:cNvSpPr txBox="1">
+            <a:spLocks noGrp="1"/>
+          </p:cNvSpPr>
+          <p:nvPr>
+            <p:ph type="body" idx="1"/>
+          </p:nvPr>
+        </p:nvSpPr>
+        <p:spPr>
+          <a:xfrm>
+            <a:off x="317700" y="2432075"/>
+            <a:ext cx="8826300" cy="2329800"/>
+          </a:xfrm>
+          <a:prstGeom prst="rect">
+            <a:avLst/>
+          </a:prstGeom>
+        </p:spPr>
+        <p:txBody>
+          <a:bodyPr lIns="91425" tIns="91425" rIns="91425" bIns="91425" anchor="t" anchorCtr="0">
+            <a:noAutofit/>
+          </a:bodyPr>
+          <a:lstStyle/>
+          <a:p>
+            <a:pPr lvl="0">
+              <a:spcBef>
+                <a:spcPts val="0"/>
+              </a:spcBef>
+              <a:buNone/>
+            </a:pPr>
+            <a:r>
+              <a:rPr lang="en" b="1">
+                <a:solidFill>
+                  <a:schemeClr val="hlink"/>
+                </a:solidFill>
+                <a:hlinkClick r:id="rId3"/>
+              </a:rPr>
+              <a:t>What Is a Package?</a:t>
+            </a:r>
+          </a:p>
+          <a:p>
+            <a:pPr lvl="0" algn="just">
+              <a:spcBef>
+                <a:spcPts val="0"/>
+              </a:spcBef>
+              <a:buNone/>
+            </a:pPr>
+            <a:r>
+              <a:rPr lang="en"/>
+              <a:t>A package is a namespace for organizing classes and interfaces in a logical manner. Placing your code into packages makes large software projects easier to manage. This section explains why this is useful, and introduces you to the Application Programming Interface (API) provided by the Java platform.</a:t>
+            </a:r>
+          </a:p>
+          <a:p>
+            <a:pPr lvl="0">
+              <a:spcBef>
+                <a:spcPts val="0"/>
+              </a:spcBef>
+              <a:buNone/>
+            </a:pPr>
             <a:endParaRPr/>
           </a:p>
         </p:txBody>
@@ -10704,7 +10945,288 @@
 </file>
 
 <file path=ppt/theme/theme1.xml><?xml version="1.0" encoding="utf-8"?>
-<a:theme xmlns:a="http://schemas.openxmlformats.org/drawingml/2006/main" xmlns:r="http://schemas.openxmlformats.org/officeDocument/2006/relationships" name="Custom Theme">
+<a:theme xmlns:a="http://schemas.openxmlformats.org/drawingml/2006/main" name="swiss-2">
+  <a:themeElements>
+    <a:clrScheme name="Swiss">
+      <a:dk1>
+        <a:srgbClr val="F46524"/>
+      </a:dk1>
+      <a:lt1>
+        <a:srgbClr val="FFFFFF"/>
+      </a:lt1>
+      <a:dk2>
+        <a:srgbClr val="000000"/>
+      </a:dk2>
+      <a:lt2>
+        <a:srgbClr val="757575"/>
+      </a:lt2>
+      <a:accent1>
+        <a:srgbClr val="01579B"/>
+      </a:accent1>
+      <a:accent2>
+        <a:srgbClr val="27C7BD"/>
+      </a:accent2>
+      <a:accent3>
+        <a:srgbClr val="0099E8"/>
+      </a:accent3>
+      <a:accent4>
+        <a:srgbClr val="51B9A3"/>
+      </a:accent4>
+      <a:accent5>
+        <a:srgbClr val="FB8C00"/>
+      </a:accent5>
+      <a:accent6>
+        <a:srgbClr val="FFAE88"/>
+      </a:accent6>
+      <a:hlink>
+        <a:srgbClr val="0277BD"/>
+      </a:hlink>
+      <a:folHlink>
+        <a:srgbClr val="0277BD"/>
+      </a:folHlink>
+    </a:clrScheme>
+    <a:fontScheme name="Office">
+      <a:majorFont>
+        <a:latin typeface="Arial"/>
+        <a:ea typeface=""/>
+        <a:cs typeface=""/>
+        <a:font script="Jpan" typeface="ＭＳ Ｐゴシック"/>
+        <a:font script="Hang" typeface="맑은 고딕"/>
+        <a:font script="Hans" typeface="宋体"/>
+        <a:font script="Hant" typeface="新細明體"/>
+        <a:font script="Arab" typeface="Times New Roman"/>
+        <a:font script="Hebr" typeface="Times New Roman"/>
+        <a:font script="Thai" typeface="Angsana New"/>
+        <a:font script="Ethi" typeface="Nyala"/>
+        <a:font script="Beng" typeface="Vrinda"/>
+        <a:font script="Gujr" typeface="Shruti"/>
+        <a:font script="Khmr" typeface="MoolBoran"/>
+        <a:font script="Knda" typeface="Tunga"/>
+        <a:font script="Guru" typeface="Raavi"/>
+        <a:font script="Cans" typeface="Euphemia"/>
+        <a:font script="Cher" typeface="Plantagenet Cherokee"/>
+        <a:font script="Yiii" typeface="Microsoft Yi Baiti"/>
+        <a:font script="Tibt" typeface="Microsoft Himalaya"/>
+        <a:font script="Thaa" typeface="MV Boli"/>
+        <a:font script="Deva" typeface="Mangal"/>
+        <a:font script="Telu" typeface="Gautami"/>
+        <a:font script="Taml" typeface="Latha"/>
+        <a:font script="Syrc" typeface="Estrangelo Edessa"/>
+        <a:font script="Orya" typeface="Kalinga"/>
+        <a:font script="Mlym" typeface="Kartika"/>
+        <a:font script="Laoo" typeface="DokChampa"/>
+        <a:font script="Sinh" typeface="Iskoola Pota"/>
+        <a:font script="Mong" typeface="Mongolian Baiti"/>
+        <a:font script="Viet" typeface="Times New Roman"/>
+        <a:font script="Uigh" typeface="Microsoft Uighur"/>
+        <a:font script="Geor" typeface="Sylfaen"/>
+      </a:majorFont>
+      <a:minorFont>
+        <a:latin typeface="Arial"/>
+        <a:ea typeface=""/>
+        <a:cs typeface=""/>
+        <a:font script="Jpan" typeface="ＭＳ Ｐゴシック"/>
+        <a:font script="Hang" typeface="맑은 고딕"/>
+        <a:font script="Hans" typeface="宋体"/>
+        <a:font script="Hant" typeface="新細明體"/>
+        <a:font script="Arab" typeface="Arial"/>
+        <a:font script="Hebr" typeface="Arial"/>
+        <a:font script="Thai" typeface="Cordia New"/>
+        <a:font script="Ethi" typeface="Nyala"/>
+        <a:font script="Beng" typeface="Vrinda"/>
+        <a:font script="Gujr" typeface="Shruti"/>
+        <a:font script="Khmr" typeface="DaunPenh"/>
+        <a:font script="Knda" typeface="Tunga"/>
+        <a:font script="Guru" typeface="Raavi"/>
+        <a:font script="Cans" typeface="Euphemia"/>
+        <a:font script="Cher" typeface="Plantagenet Cherokee"/>
+        <a:font script="Yiii" typeface="Microsoft Yi Baiti"/>
+        <a:font script="Tibt" typeface="Microsoft Himalaya"/>
+        <a:font script="Thaa" typeface="MV Boli"/>
+        <a:font script="Deva" typeface="Mangal"/>
+        <a:font script="Telu" typeface="Gautami"/>
+        <a:font script="Taml" typeface="Latha"/>
+        <a:font script="Syrc" typeface="Estrangelo Edessa"/>
+        <a:font script="Orya" typeface="Kalinga"/>
+        <a:font script="Mlym" typeface="Kartika"/>
+        <a:font script="Laoo" typeface="DokChampa"/>
+        <a:font script="Sinh" typeface="Iskoola Pota"/>
+        <a:font script="Mong" typeface="Mongolian Baiti"/>
+        <a:font script="Viet" typeface="Arial"/>
+        <a:font script="Uigh" typeface="Microsoft Uighur"/>
+        <a:font script="Geor" typeface="Sylfaen"/>
+      </a:minorFont>
+    </a:fontScheme>
+    <a:fmtScheme name="Office">
+      <a:fillStyleLst>
+        <a:solidFill>
+          <a:schemeClr val="phClr"/>
+        </a:solidFill>
+        <a:gradFill rotWithShape="1">
+          <a:gsLst>
+            <a:gs pos="0">
+              <a:schemeClr val="phClr">
+                <a:tint val="50000"/>
+                <a:satMod val="300000"/>
+              </a:schemeClr>
+            </a:gs>
+            <a:gs pos="35000">
+              <a:schemeClr val="phClr">
+                <a:tint val="37000"/>
+                <a:satMod val="300000"/>
+              </a:schemeClr>
+            </a:gs>
+            <a:gs pos="100000">
+              <a:schemeClr val="phClr">
+                <a:tint val="15000"/>
+                <a:satMod val="350000"/>
+              </a:schemeClr>
+            </a:gs>
+          </a:gsLst>
+          <a:lin ang="16200000" scaled="1"/>
+        </a:gradFill>
+        <a:gradFill rotWithShape="1">
+          <a:gsLst>
+            <a:gs pos="0">
+              <a:schemeClr val="phClr">
+                <a:tint val="100000"/>
+                <a:shade val="100000"/>
+                <a:satMod val="130000"/>
+              </a:schemeClr>
+            </a:gs>
+            <a:gs pos="100000">
+              <a:schemeClr val="phClr">
+                <a:tint val="50000"/>
+                <a:shade val="100000"/>
+                <a:satMod val="350000"/>
+              </a:schemeClr>
+            </a:gs>
+          </a:gsLst>
+          <a:lin ang="16200000" scaled="0"/>
+        </a:gradFill>
+      </a:fillStyleLst>
+      <a:lnStyleLst>
+        <a:ln w="9525" cap="flat" cmpd="sng" algn="ctr">
+          <a:solidFill>
+            <a:schemeClr val="phClr">
+              <a:shade val="95000"/>
+              <a:satMod val="105000"/>
+            </a:schemeClr>
+          </a:solidFill>
+          <a:prstDash val="solid"/>
+        </a:ln>
+        <a:ln w="25400" cap="flat" cmpd="sng" algn="ctr">
+          <a:solidFill>
+            <a:schemeClr val="phClr"/>
+          </a:solidFill>
+          <a:prstDash val="solid"/>
+        </a:ln>
+        <a:ln w="38100" cap="flat" cmpd="sng" algn="ctr">
+          <a:solidFill>
+            <a:schemeClr val="phClr"/>
+          </a:solidFill>
+          <a:prstDash val="solid"/>
+        </a:ln>
+      </a:lnStyleLst>
+      <a:effectStyleLst>
+        <a:effectStyle>
+          <a:effectLst>
+            <a:outerShdw blurRad="40000" dist="20000" dir="5400000" rotWithShape="0">
+              <a:srgbClr val="000000">
+                <a:alpha val="38000"/>
+              </a:srgbClr>
+            </a:outerShdw>
+          </a:effectLst>
+        </a:effectStyle>
+        <a:effectStyle>
+          <a:effectLst>
+            <a:outerShdw blurRad="40000" dist="23000" dir="5400000" rotWithShape="0">
+              <a:srgbClr val="000000">
+                <a:alpha val="35000"/>
+              </a:srgbClr>
+            </a:outerShdw>
+          </a:effectLst>
+        </a:effectStyle>
+        <a:effectStyle>
+          <a:effectLst>
+            <a:outerShdw blurRad="40000" dist="23000" dir="5400000" rotWithShape="0">
+              <a:srgbClr val="000000">
+                <a:alpha val="35000"/>
+              </a:srgbClr>
+            </a:outerShdw>
+          </a:effectLst>
+          <a:scene3d>
+            <a:camera prst="orthographicFront">
+              <a:rot lat="0" lon="0" rev="0"/>
+            </a:camera>
+            <a:lightRig rig="threePt" dir="t">
+              <a:rot lat="0" lon="0" rev="1200000"/>
+            </a:lightRig>
+          </a:scene3d>
+          <a:sp3d>
+            <a:bevelT w="63500" h="25400"/>
+          </a:sp3d>
+        </a:effectStyle>
+      </a:effectStyleLst>
+      <a:bgFillStyleLst>
+        <a:solidFill>
+          <a:schemeClr val="phClr"/>
+        </a:solidFill>
+        <a:gradFill rotWithShape="1">
+          <a:gsLst>
+            <a:gs pos="0">
+              <a:schemeClr val="phClr">
+                <a:tint val="40000"/>
+                <a:satMod val="350000"/>
+              </a:schemeClr>
+            </a:gs>
+            <a:gs pos="40000">
+              <a:schemeClr val="phClr">
+                <a:tint val="45000"/>
+                <a:shade val="99000"/>
+                <a:satMod val="350000"/>
+              </a:schemeClr>
+            </a:gs>
+            <a:gs pos="100000">
+              <a:schemeClr val="phClr">
+                <a:shade val="20000"/>
+                <a:satMod val="255000"/>
+              </a:schemeClr>
+            </a:gs>
+          </a:gsLst>
+          <a:path path="circle">
+            <a:fillToRect l="50000" t="-80000" r="50000" b="180000"/>
+          </a:path>
+        </a:gradFill>
+        <a:gradFill rotWithShape="1">
+          <a:gsLst>
+            <a:gs pos="0">
+              <a:schemeClr val="phClr">
+                <a:tint val="80000"/>
+                <a:satMod val="300000"/>
+              </a:schemeClr>
+            </a:gs>
+            <a:gs pos="100000">
+              <a:schemeClr val="phClr">
+                <a:shade val="30000"/>
+                <a:satMod val="200000"/>
+              </a:schemeClr>
+            </a:gs>
+          </a:gsLst>
+          <a:path path="circle">
+            <a:fillToRect l="50000" t="50000" r="50000" b="50000"/>
+          </a:path>
+        </a:gradFill>
+      </a:bgFillStyleLst>
+    </a:fmtScheme>
+  </a:themeElements>
+  <a:objectDefaults/>
+  <a:extraClrSchemeLst/>
+</a:theme>
+</file>
+
+<file path=ppt/theme/theme2.xml><?xml version="1.0" encoding="utf-8"?>
+<a:theme xmlns:a="http://schemas.openxmlformats.org/drawingml/2006/main" name="Custom Theme">
   <a:themeElements>
     <a:clrScheme name="Default">
       <a:dk1>
@@ -10979,284 +11501,7 @@
       </a:bgFillStyleLst>
     </a:fmtScheme>
   </a:themeElements>
-</a:theme>
-</file>
-
-<file path=ppt/theme/theme2.xml><?xml version="1.0" encoding="utf-8"?>
-<a:theme xmlns:a="http://schemas.openxmlformats.org/drawingml/2006/main" xmlns:r="http://schemas.openxmlformats.org/officeDocument/2006/relationships" name="swiss-2">
-  <a:themeElements>
-    <a:clrScheme name="Swiss">
-      <a:dk1>
-        <a:srgbClr val="F46524"/>
-      </a:dk1>
-      <a:lt1>
-        <a:srgbClr val="FFFFFF"/>
-      </a:lt1>
-      <a:dk2>
-        <a:srgbClr val="000000"/>
-      </a:dk2>
-      <a:lt2>
-        <a:srgbClr val="757575"/>
-      </a:lt2>
-      <a:accent1>
-        <a:srgbClr val="01579B"/>
-      </a:accent1>
-      <a:accent2>
-        <a:srgbClr val="27C7BD"/>
-      </a:accent2>
-      <a:accent3>
-        <a:srgbClr val="0099E8"/>
-      </a:accent3>
-      <a:accent4>
-        <a:srgbClr val="51B9A3"/>
-      </a:accent4>
-      <a:accent5>
-        <a:srgbClr val="FB8C00"/>
-      </a:accent5>
-      <a:accent6>
-        <a:srgbClr val="FFAE88"/>
-      </a:accent6>
-      <a:hlink>
-        <a:srgbClr val="0277BD"/>
-      </a:hlink>
-      <a:folHlink>
-        <a:srgbClr val="0277BD"/>
-      </a:folHlink>
-    </a:clrScheme>
-    <a:fontScheme name="Office">
-      <a:majorFont>
-        <a:latin typeface="Arial"/>
-        <a:ea typeface=""/>
-        <a:cs typeface=""/>
-        <a:font script="Jpan" typeface="ＭＳ Ｐゴシック"/>
-        <a:font script="Hang" typeface="맑은 고딕"/>
-        <a:font script="Hans" typeface="宋体"/>
-        <a:font script="Hant" typeface="新細明體"/>
-        <a:font script="Arab" typeface="Times New Roman"/>
-        <a:font script="Hebr" typeface="Times New Roman"/>
-        <a:font script="Thai" typeface="Angsana New"/>
-        <a:font script="Ethi" typeface="Nyala"/>
-        <a:font script="Beng" typeface="Vrinda"/>
-        <a:font script="Gujr" typeface="Shruti"/>
-        <a:font script="Khmr" typeface="MoolBoran"/>
-        <a:font script="Knda" typeface="Tunga"/>
-        <a:font script="Guru" typeface="Raavi"/>
-        <a:font script="Cans" typeface="Euphemia"/>
-        <a:font script="Cher" typeface="Plantagenet Cherokee"/>
-        <a:font script="Yiii" typeface="Microsoft Yi Baiti"/>
-        <a:font script="Tibt" typeface="Microsoft Himalaya"/>
-        <a:font script="Thaa" typeface="MV Boli"/>
-        <a:font script="Deva" typeface="Mangal"/>
-        <a:font script="Telu" typeface="Gautami"/>
-        <a:font script="Taml" typeface="Latha"/>
-        <a:font script="Syrc" typeface="Estrangelo Edessa"/>
-        <a:font script="Orya" typeface="Kalinga"/>
-        <a:font script="Mlym" typeface="Kartika"/>
-        <a:font script="Laoo" typeface="DokChampa"/>
-        <a:font script="Sinh" typeface="Iskoola Pota"/>
-        <a:font script="Mong" typeface="Mongolian Baiti"/>
-        <a:font script="Viet" typeface="Times New Roman"/>
-        <a:font script="Uigh" typeface="Microsoft Uighur"/>
-        <a:font script="Geor" typeface="Sylfaen"/>
-      </a:majorFont>
-      <a:minorFont>
-        <a:latin typeface="Arial"/>
-        <a:ea typeface=""/>
-        <a:cs typeface=""/>
-        <a:font script="Jpan" typeface="ＭＳ Ｐゴシック"/>
-        <a:font script="Hang" typeface="맑은 고딕"/>
-        <a:font script="Hans" typeface="宋体"/>
-        <a:font script="Hant" typeface="新細明體"/>
-        <a:font script="Arab" typeface="Arial"/>
-        <a:font script="Hebr" typeface="Arial"/>
-        <a:font script="Thai" typeface="Cordia New"/>
-        <a:font script="Ethi" typeface="Nyala"/>
-        <a:font script="Beng" typeface="Vrinda"/>
-        <a:font script="Gujr" typeface="Shruti"/>
-        <a:font script="Khmr" typeface="DaunPenh"/>
-        <a:font script="Knda" typeface="Tunga"/>
-        <a:font script="Guru" typeface="Raavi"/>
-        <a:font script="Cans" typeface="Euphemia"/>
-        <a:font script="Cher" typeface="Plantagenet Cherokee"/>
-        <a:font script="Yiii" typeface="Microsoft Yi Baiti"/>
-        <a:font script="Tibt" typeface="Microsoft Himalaya"/>
-        <a:font script="Thaa" typeface="MV Boli"/>
-        <a:font script="Deva" typeface="Mangal"/>
-        <a:font script="Telu" typeface="Gautami"/>
-        <a:font script="Taml" typeface="Latha"/>
-        <a:font script="Syrc" typeface="Estrangelo Edessa"/>
-        <a:font script="Orya" typeface="Kalinga"/>
-        <a:font script="Mlym" typeface="Kartika"/>
-        <a:font script="Laoo" typeface="DokChampa"/>
-        <a:font script="Sinh" typeface="Iskoola Pota"/>
-        <a:font script="Mong" typeface="Mongolian Baiti"/>
-        <a:font script="Viet" typeface="Arial"/>
-        <a:font script="Uigh" typeface="Microsoft Uighur"/>
-        <a:font script="Geor" typeface="Sylfaen"/>
-      </a:minorFont>
-    </a:fontScheme>
-    <a:fmtScheme name="Office">
-      <a:fillStyleLst>
-        <a:solidFill>
-          <a:schemeClr val="phClr"/>
-        </a:solidFill>
-        <a:gradFill rotWithShape="1">
-          <a:gsLst>
-            <a:gs pos="0">
-              <a:schemeClr val="phClr">
-                <a:tint val="50000"/>
-                <a:satMod val="300000"/>
-              </a:schemeClr>
-            </a:gs>
-            <a:gs pos="35000">
-              <a:schemeClr val="phClr">
-                <a:tint val="37000"/>
-                <a:satMod val="300000"/>
-              </a:schemeClr>
-            </a:gs>
-            <a:gs pos="100000">
-              <a:schemeClr val="phClr">
-                <a:tint val="15000"/>
-                <a:satMod val="350000"/>
-              </a:schemeClr>
-            </a:gs>
-          </a:gsLst>
-          <a:lin ang="16200000" scaled="1"/>
-        </a:gradFill>
-        <a:gradFill rotWithShape="1">
-          <a:gsLst>
-            <a:gs pos="0">
-              <a:schemeClr val="phClr">
-                <a:tint val="100000"/>
-                <a:shade val="100000"/>
-                <a:satMod val="130000"/>
-              </a:schemeClr>
-            </a:gs>
-            <a:gs pos="100000">
-              <a:schemeClr val="phClr">
-                <a:tint val="50000"/>
-                <a:shade val="100000"/>
-                <a:satMod val="350000"/>
-              </a:schemeClr>
-            </a:gs>
-          </a:gsLst>
-          <a:lin ang="16200000" scaled="0"/>
-        </a:gradFill>
-      </a:fillStyleLst>
-      <a:lnStyleLst>
-        <a:ln w="9525" cap="flat" cmpd="sng" algn="ctr">
-          <a:solidFill>
-            <a:schemeClr val="phClr">
-              <a:shade val="95000"/>
-              <a:satMod val="105000"/>
-            </a:schemeClr>
-          </a:solidFill>
-          <a:prstDash val="solid"/>
-        </a:ln>
-        <a:ln w="25400" cap="flat" cmpd="sng" algn="ctr">
-          <a:solidFill>
-            <a:schemeClr val="phClr"/>
-          </a:solidFill>
-          <a:prstDash val="solid"/>
-        </a:ln>
-        <a:ln w="38100" cap="flat" cmpd="sng" algn="ctr">
-          <a:solidFill>
-            <a:schemeClr val="phClr"/>
-          </a:solidFill>
-          <a:prstDash val="solid"/>
-        </a:ln>
-      </a:lnStyleLst>
-      <a:effectStyleLst>
-        <a:effectStyle>
-          <a:effectLst>
-            <a:outerShdw blurRad="40000" dist="20000" dir="5400000" rotWithShape="0">
-              <a:srgbClr val="000000">
-                <a:alpha val="38000"/>
-              </a:srgbClr>
-            </a:outerShdw>
-          </a:effectLst>
-        </a:effectStyle>
-        <a:effectStyle>
-          <a:effectLst>
-            <a:outerShdw blurRad="40000" dist="23000" dir="5400000" rotWithShape="0">
-              <a:srgbClr val="000000">
-                <a:alpha val="35000"/>
-              </a:srgbClr>
-            </a:outerShdw>
-          </a:effectLst>
-        </a:effectStyle>
-        <a:effectStyle>
-          <a:effectLst>
-            <a:outerShdw blurRad="40000" dist="23000" dir="5400000" rotWithShape="0">
-              <a:srgbClr val="000000">
-                <a:alpha val="35000"/>
-              </a:srgbClr>
-            </a:outerShdw>
-          </a:effectLst>
-          <a:scene3d>
-            <a:camera prst="orthographicFront">
-              <a:rot lat="0" lon="0" rev="0"/>
-            </a:camera>
-            <a:lightRig rig="threePt" dir="t">
-              <a:rot lat="0" lon="0" rev="1200000"/>
-            </a:lightRig>
-          </a:scene3d>
-          <a:sp3d>
-            <a:bevelT w="63500" h="25400"/>
-          </a:sp3d>
-        </a:effectStyle>
-      </a:effectStyleLst>
-      <a:bgFillStyleLst>
-        <a:solidFill>
-          <a:schemeClr val="phClr"/>
-        </a:solidFill>
-        <a:gradFill rotWithShape="1">
-          <a:gsLst>
-            <a:gs pos="0">
-              <a:schemeClr val="phClr">
-                <a:tint val="40000"/>
-                <a:satMod val="350000"/>
-              </a:schemeClr>
-            </a:gs>
-            <a:gs pos="40000">
-              <a:schemeClr val="phClr">
-                <a:tint val="45000"/>
-                <a:shade val="99000"/>
-                <a:satMod val="350000"/>
-              </a:schemeClr>
-            </a:gs>
-            <a:gs pos="100000">
-              <a:schemeClr val="phClr">
-                <a:shade val="20000"/>
-                <a:satMod val="255000"/>
-              </a:schemeClr>
-            </a:gs>
-          </a:gsLst>
-          <a:path path="circle">
-            <a:fillToRect l="50000" t="-80000" r="50000" b="180000"/>
-          </a:path>
-        </a:gradFill>
-        <a:gradFill rotWithShape="1">
-          <a:gsLst>
-            <a:gs pos="0">
-              <a:schemeClr val="phClr">
-                <a:tint val="80000"/>
-                <a:satMod val="300000"/>
-              </a:schemeClr>
-            </a:gs>
-            <a:gs pos="100000">
-              <a:schemeClr val="phClr">
-                <a:shade val="30000"/>
-                <a:satMod val="200000"/>
-              </a:schemeClr>
-            </a:gs>
-          </a:gsLst>
-          <a:path path="circle">
-            <a:fillToRect l="50000" t="50000" r="50000" b="50000"/>
-          </a:path>
-        </a:gradFill>
-      </a:bgFillStyleLst>
-    </a:fmtScheme>
-  </a:themeElements>
+  <a:objectDefaults/>
+  <a:extraClrSchemeLst/>
 </a:theme>
 </file>